--- a/L10/Linux常见试题解析.pptx
+++ b/L10/Linux常见试题解析.pptx
@@ -2,28 +2,42 @@
 <file path=ppt/presentation.xml><?xml version="1.0" encoding="utf-8"?>
 <p:presentation xmlns:a="http://schemas.openxmlformats.org/drawingml/2006/main" xmlns:r="http://schemas.openxmlformats.org/officeDocument/2006/relationships" xmlns:p="http://schemas.openxmlformats.org/presentationml/2006/main">
   <p:sldMasterIdLst>
-    <p:sldMasterId id="2147483648" r:id="rId5"/>
+    <p:sldMasterId id="2147483648" r:id="rId1"/>
   </p:sldMasterIdLst>
   <p:notesMasterIdLst>
-    <p:notesMasterId r:id="rId7"/>
+    <p:notesMasterId r:id="rId27"/>
   </p:notesMasterIdLst>
   <p:sldIdLst>
-    <p:sldId id="256" r:id="rId8"/>
-    <p:sldId id="257" r:id="rId9"/>
-    <p:sldId id="258" r:id="rId10"/>
-    <p:sldId id="259" r:id="rId11"/>
-    <p:sldId id="260" r:id="rId12"/>
-    <p:sldId id="261" r:id="rId13"/>
-    <p:sldId id="262" r:id="rId14"/>
-    <p:sldId id="263" r:id="rId15"/>
-    <p:sldId id="264" r:id="rId16"/>
-    <p:sldId id="265" r:id="rId17"/>
-    <p:sldId id="266" r:id="rId18"/>
-    <p:sldId id="267" r:id="rId19"/>
-    <p:sldId id="268" r:id="rId20"/>
+    <p:sldId id="256" r:id="rId3"/>
+    <p:sldId id="257" r:id="rId4"/>
+    <p:sldId id="287" r:id="rId5"/>
+    <p:sldId id="258" r:id="rId6"/>
+    <p:sldId id="259" r:id="rId7"/>
+    <p:sldId id="260" r:id="rId8"/>
+    <p:sldId id="261" r:id="rId9"/>
+    <p:sldId id="262" r:id="rId10"/>
+    <p:sldId id="263" r:id="rId11"/>
+    <p:sldId id="264" r:id="rId12"/>
+    <p:sldId id="265" r:id="rId13"/>
+    <p:sldId id="268" r:id="rId14"/>
+    <p:sldId id="266" r:id="rId15"/>
+    <p:sldId id="271" r:id="rId16"/>
+    <p:sldId id="270" r:id="rId17"/>
+    <p:sldId id="273" r:id="rId18"/>
+    <p:sldId id="276" r:id="rId19"/>
+    <p:sldId id="267" r:id="rId20"/>
+    <p:sldId id="279" r:id="rId21"/>
+    <p:sldId id="280" r:id="rId22"/>
+    <p:sldId id="281" r:id="rId23"/>
+    <p:sldId id="283" r:id="rId24"/>
+    <p:sldId id="282" r:id="rId25"/>
+    <p:sldId id="285" r:id="rId26"/>
   </p:sldIdLst>
   <p:sldSz cx="24384000" cy="13716000"/>
   <p:notesSz cx="6858000" cy="9144000"/>
+  <p:custDataLst>
+    <p:tags r:id="rId31"/>
+  </p:custDataLst>
   <p:defaultTextStyle>
     <a:defPPr marL="0" marR="0" indent="0" algn="l" defTabSz="914400" rtl="0" fontAlgn="auto" latinLnBrk="1" hangingPunct="0">
       <a:lnSpc>
@@ -39,8 +53,7 @@
       <a:buSzTx/>
       <a:buFontTx/>
       <a:buNone/>
-      <a:tabLst/>
-      <a:defRPr b="0" baseline="0" cap="none" i="0" spc="0" strike="noStrike" sz="1800" u="none" kumimoji="0" normalizeH="0">
+      <a:defRPr kumimoji="0" sz="1800" b="0" i="0" u="none" strike="noStrike" cap="none" spc="0" normalizeH="0" baseline="0">
         <a:ln>
           <a:noFill/>
         </a:ln>
@@ -65,8 +78,7 @@
       <a:buSzTx/>
       <a:buFontTx/>
       <a:buNone/>
-      <a:tabLst/>
-      <a:defRPr b="0" baseline="0" cap="none" i="0" spc="0" strike="noStrike" sz="5000" u="none" kumimoji="0" normalizeH="0">
+      <a:defRPr kumimoji="0" sz="5000" b="0" i="0" u="none" strike="noStrike" cap="none" spc="0" normalizeH="0" baseline="0">
         <a:ln>
           <a:noFill/>
         </a:ln>
@@ -95,8 +107,7 @@
       <a:buSzTx/>
       <a:buFontTx/>
       <a:buNone/>
-      <a:tabLst/>
-      <a:defRPr b="0" baseline="0" cap="none" i="0" spc="0" strike="noStrike" sz="5000" u="none" kumimoji="0" normalizeH="0">
+      <a:defRPr kumimoji="0" sz="5000" b="0" i="0" u="none" strike="noStrike" cap="none" spc="0" normalizeH="0" baseline="0">
         <a:ln>
           <a:noFill/>
         </a:ln>
@@ -125,8 +136,7 @@
       <a:buSzTx/>
       <a:buFontTx/>
       <a:buNone/>
-      <a:tabLst/>
-      <a:defRPr b="0" baseline="0" cap="none" i="0" spc="0" strike="noStrike" sz="5000" u="none" kumimoji="0" normalizeH="0">
+      <a:defRPr kumimoji="0" sz="5000" b="0" i="0" u="none" strike="noStrike" cap="none" spc="0" normalizeH="0" baseline="0">
         <a:ln>
           <a:noFill/>
         </a:ln>
@@ -155,8 +165,7 @@
       <a:buSzTx/>
       <a:buFontTx/>
       <a:buNone/>
-      <a:tabLst/>
-      <a:defRPr b="0" baseline="0" cap="none" i="0" spc="0" strike="noStrike" sz="5000" u="none" kumimoji="0" normalizeH="0">
+      <a:defRPr kumimoji="0" sz="5000" b="0" i="0" u="none" strike="noStrike" cap="none" spc="0" normalizeH="0" baseline="0">
         <a:ln>
           <a:noFill/>
         </a:ln>
@@ -185,8 +194,7 @@
       <a:buSzTx/>
       <a:buFontTx/>
       <a:buNone/>
-      <a:tabLst/>
-      <a:defRPr b="0" baseline="0" cap="none" i="0" spc="0" strike="noStrike" sz="5000" u="none" kumimoji="0" normalizeH="0">
+      <a:defRPr kumimoji="0" sz="5000" b="0" i="0" u="none" strike="noStrike" cap="none" spc="0" normalizeH="0" baseline="0">
         <a:ln>
           <a:noFill/>
         </a:ln>
@@ -215,8 +223,7 @@
       <a:buSzTx/>
       <a:buFontTx/>
       <a:buNone/>
-      <a:tabLst/>
-      <a:defRPr b="0" baseline="0" cap="none" i="0" spc="0" strike="noStrike" sz="5000" u="none" kumimoji="0" normalizeH="0">
+      <a:defRPr kumimoji="0" sz="5000" b="0" i="0" u="none" strike="noStrike" cap="none" spc="0" normalizeH="0" baseline="0">
         <a:ln>
           <a:noFill/>
         </a:ln>
@@ -245,8 +252,7 @@
       <a:buSzTx/>
       <a:buFontTx/>
       <a:buNone/>
-      <a:tabLst/>
-      <a:defRPr b="0" baseline="0" cap="none" i="0" spc="0" strike="noStrike" sz="5000" u="none" kumimoji="0" normalizeH="0">
+      <a:defRPr kumimoji="0" sz="5000" b="0" i="0" u="none" strike="noStrike" cap="none" spc="0" normalizeH="0" baseline="0">
         <a:ln>
           <a:noFill/>
         </a:ln>
@@ -275,8 +281,7 @@
       <a:buSzTx/>
       <a:buFontTx/>
       <a:buNone/>
-      <a:tabLst/>
-      <a:defRPr b="0" baseline="0" cap="none" i="0" spc="0" strike="noStrike" sz="5000" u="none" kumimoji="0" normalizeH="0">
+      <a:defRPr kumimoji="0" sz="5000" b="0" i="0" u="none" strike="noStrike" cap="none" spc="0" normalizeH="0" baseline="0">
         <a:ln>
           <a:noFill/>
         </a:ln>
@@ -305,8 +310,7 @@
       <a:buSzTx/>
       <a:buFontTx/>
       <a:buNone/>
-      <a:tabLst/>
-      <a:defRPr b="0" baseline="0" cap="none" i="0" spc="0" strike="noStrike" sz="5000" u="none" kumimoji="0" normalizeH="0">
+      <a:defRPr kumimoji="0" sz="5000" b="0" i="0" u="none" strike="noStrike" cap="none" spc="0" normalizeH="0" baseline="0">
         <a:ln>
           <a:noFill/>
         </a:ln>
@@ -325,13 +329,14 @@
 </p:presentation>
 </file>
 
-<file path=ppt/commentAuthors.xml><?xml version="1.0" encoding="utf-8"?>
-<p:cmAuthorLst xmlns:a="http://schemas.openxmlformats.org/drawingml/2006/main" xmlns:r="http://schemas.openxmlformats.org/officeDocument/2006/relationships" xmlns:p="http://schemas.openxmlformats.org/presentationml/2006/main"/>
-</file>
-
 <file path=ppt/notesMasters/notesMaster1.xml><?xml version="1.0" encoding="utf-8"?>
 <p:notesMaster xmlns:a="http://schemas.openxmlformats.org/drawingml/2006/main" xmlns:r="http://schemas.openxmlformats.org/officeDocument/2006/relationships" xmlns:p="http://schemas.openxmlformats.org/presentationml/2006/main">
   <p:cSld>
+    <p:bg>
+      <p:bgRef idx="1001">
+        <a:schemeClr val="bg1"/>
+      </p:bgRef>
+    </p:bg>
     <p:spTree>
       <p:nvGrpSpPr>
         <p:cNvPr id="1" name=""/>
@@ -366,9 +371,7 @@
         <p:txBody>
           <a:bodyPr/>
           <a:lstStyle/>
-          <a:p>
-            <a:pPr/>
-          </a:p>
+          <a:p/>
         </p:txBody>
       </p:sp>
       <p:sp>
@@ -391,9 +394,7 @@
         <p:txBody>
           <a:bodyPr/>
           <a:lstStyle/>
-          <a:p>
-            <a:pPr/>
-          </a:p>
+          <a:p/>
         </p:txBody>
       </p:sp>
     </p:spTree>
@@ -402,7 +403,7 @@
   <p:notesStyle>
     <a:lvl1pPr defTabSz="457200" latinLnBrk="0">
       <a:lnSpc>
-        <a:spcPct val="117999"/>
+        <a:spcPct val="118000"/>
       </a:lnSpc>
       <a:defRPr sz="2200">
         <a:latin typeface="Helvetica Neue"/>
@@ -413,7 +414,7 @@
     </a:lvl1pPr>
     <a:lvl2pPr indent="228600" defTabSz="457200" latinLnBrk="0">
       <a:lnSpc>
-        <a:spcPct val="117999"/>
+        <a:spcPct val="118000"/>
       </a:lnSpc>
       <a:defRPr sz="2200">
         <a:latin typeface="Helvetica Neue"/>
@@ -424,7 +425,7 @@
     </a:lvl2pPr>
     <a:lvl3pPr indent="457200" defTabSz="457200" latinLnBrk="0">
       <a:lnSpc>
-        <a:spcPct val="117999"/>
+        <a:spcPct val="118000"/>
       </a:lnSpc>
       <a:defRPr sz="2200">
         <a:latin typeface="Helvetica Neue"/>
@@ -435,7 +436,7 @@
     </a:lvl3pPr>
     <a:lvl4pPr indent="685800" defTabSz="457200" latinLnBrk="0">
       <a:lnSpc>
-        <a:spcPct val="117999"/>
+        <a:spcPct val="118000"/>
       </a:lnSpc>
       <a:defRPr sz="2200">
         <a:latin typeface="Helvetica Neue"/>
@@ -446,7 +447,7 @@
     </a:lvl4pPr>
     <a:lvl5pPr indent="914400" defTabSz="457200" latinLnBrk="0">
       <a:lnSpc>
-        <a:spcPct val="117999"/>
+        <a:spcPct val="118000"/>
       </a:lnSpc>
       <a:defRPr sz="2200">
         <a:latin typeface="Helvetica Neue"/>
@@ -457,7 +458,7 @@
     </a:lvl5pPr>
     <a:lvl6pPr indent="1143000" defTabSz="457200" latinLnBrk="0">
       <a:lnSpc>
-        <a:spcPct val="117999"/>
+        <a:spcPct val="118000"/>
       </a:lnSpc>
       <a:defRPr sz="2200">
         <a:latin typeface="Helvetica Neue"/>
@@ -468,7 +469,7 @@
     </a:lvl6pPr>
     <a:lvl7pPr indent="1371600" defTabSz="457200" latinLnBrk="0">
       <a:lnSpc>
-        <a:spcPct val="117999"/>
+        <a:spcPct val="118000"/>
       </a:lnSpc>
       <a:defRPr sz="2200">
         <a:latin typeface="Helvetica Neue"/>
@@ -479,7 +480,7 @@
     </a:lvl7pPr>
     <a:lvl8pPr indent="1600200" defTabSz="457200" latinLnBrk="0">
       <a:lnSpc>
-        <a:spcPct val="117999"/>
+        <a:spcPct val="118000"/>
       </a:lnSpc>
       <a:defRPr sz="2200">
         <a:latin typeface="Helvetica Neue"/>
@@ -490,7 +491,7 @@
     </a:lvl8pPr>
     <a:lvl9pPr indent="1828800" defTabSz="457200" latinLnBrk="0">
       <a:lnSpc>
-        <a:spcPct val="117999"/>
+        <a:spcPct val="118000"/>
       </a:lnSpc>
       <a:defRPr sz="2200">
         <a:latin typeface="Helvetica Neue"/>
@@ -504,7 +505,7 @@
 </file>
 
 <file path=ppt/slideLayouts/slideLayout1.xml><?xml version="1.0" encoding="utf-8"?>
-<p:sldLayout xmlns:a="http://schemas.openxmlformats.org/drawingml/2006/main" xmlns:r="http://schemas.openxmlformats.org/officeDocument/2006/relationships" xmlns:p="http://schemas.openxmlformats.org/presentationml/2006/main" type="title" showMasterSp="1" showMasterPhAnim="1">
+<p:sldLayout xmlns:a="http://schemas.openxmlformats.org/drawingml/2006/main" xmlns:r="http://schemas.openxmlformats.org/officeDocument/2006/relationships" xmlns:p="http://schemas.openxmlformats.org/presentationml/2006/main" type="title">
   <p:cSld name="标题与副标题">
     <p:spTree>
       <p:nvGrpSpPr>
@@ -525,7 +526,7 @@
           <p:cNvPr id="11" name="Shape 11"/>
           <p:cNvSpPr/>
           <p:nvPr>
-            <p:ph type="title"/>
+            <p:ph type="title" hasCustomPrompt="1"/>
           </p:nvPr>
         </p:nvSpPr>
         <p:spPr>
@@ -541,7 +542,6 @@
           <a:bodyPr anchor="b"/>
           <a:lstStyle/>
           <a:p>
-            <a:pPr/>
             <a:r>
               <a:t>标题文本</a:t>
             </a:r>
@@ -553,7 +553,7 @@
           <p:cNvPr id="12" name="Shape 12"/>
           <p:cNvSpPr/>
           <p:nvPr>
-            <p:ph type="body" sz="quarter" idx="1"/>
+            <p:ph type="body" sz="quarter" idx="1" hasCustomPrompt="1"/>
           </p:nvPr>
         </p:nvSpPr>
         <p:spPr>
@@ -610,7 +610,6 @@
             </a:lvl5pPr>
           </a:lstStyle>
           <a:p>
-            <a:pPr/>
             <a:r>
               <a:t>正文级别 1</a:t>
             </a:r>
@@ -658,8 +657,10 @@
           <a:bodyPr/>
           <a:lstStyle/>
           <a:p>
-            <a:pPr/>
-            <a:fld id="{86CB4B4D-7CA3-9044-876B-883B54F8677D}" type="slidenum"/>
+            <a:fld id="{86CB4B4D-7CA3-9044-876B-883B54F8677D}" type="slidenum">
+              <a:rPr/>
+            </a:fld>
+            <a:endParaRPr/>
           </a:p>
         </p:txBody>
       </p:sp>
@@ -668,12 +669,12 @@
   <p:clrMapOvr>
     <a:masterClrMapping/>
   </p:clrMapOvr>
-  <p:transition xmlns:p14="http://schemas.microsoft.com/office/powerpoint/2010/main" spd="med" advClick="1"/>
+  <p:transition spd="med"/>
 </p:sldLayout>
 </file>
 
 <file path=ppt/slideLayouts/slideLayout10.xml><?xml version="1.0" encoding="utf-8"?>
-<p:sldLayout xmlns:a="http://schemas.openxmlformats.org/drawingml/2006/main" xmlns:r="http://schemas.openxmlformats.org/officeDocument/2006/relationships" xmlns:p="http://schemas.openxmlformats.org/presentationml/2006/main" type="tx" showMasterSp="1" showMasterPhAnim="1">
+<p:sldLayout xmlns:a="http://schemas.openxmlformats.org/drawingml/2006/main" xmlns:r="http://schemas.openxmlformats.org/officeDocument/2006/relationships" xmlns:p="http://schemas.openxmlformats.org/presentationml/2006/main" type="tx">
   <p:cSld name="引文">
     <p:spTree>
       <p:nvGrpSpPr>
@@ -694,7 +695,7 @@
           <p:cNvPr id="93" name="Shape 93"/>
           <p:cNvSpPr/>
           <p:nvPr>
-            <p:ph type="body" sz="quarter" idx="13"/>
+            <p:ph type="body" sz="quarter" idx="13" hasCustomPrompt="1"/>
           </p:nvPr>
         </p:nvSpPr>
         <p:spPr>
@@ -726,7 +727,6 @@
             </a:lvl1pPr>
           </a:lstStyle>
           <a:p>
-            <a:pPr/>
             <a:r>
               <a:t>–Johnny Appleseed</a:t>
             </a:r>
@@ -738,7 +738,7 @@
           <p:cNvPr id="94" name="Shape 94"/>
           <p:cNvSpPr/>
           <p:nvPr>
-            <p:ph type="body" sz="quarter" idx="14"/>
+            <p:ph type="body" sz="quarter" idx="14" hasCustomPrompt="1"/>
           </p:nvPr>
         </p:nvSpPr>
         <p:spPr>
@@ -764,7 +764,6 @@
             </a:lvl1pPr>
           </a:lstStyle>
           <a:p>
-            <a:pPr/>
             <a:r>
               <a:t>“在此键入引文。”</a:t>
             </a:r>
@@ -788,8 +787,10 @@
           <a:bodyPr/>
           <a:lstStyle/>
           <a:p>
-            <a:pPr/>
-            <a:fld id="{86CB4B4D-7CA3-9044-876B-883B54F8677D}" type="slidenum"/>
+            <a:fld id="{86CB4B4D-7CA3-9044-876B-883B54F8677D}" type="slidenum">
+              <a:rPr/>
+            </a:fld>
+            <a:endParaRPr/>
           </a:p>
         </p:txBody>
       </p:sp>
@@ -798,12 +799,12 @@
   <p:clrMapOvr>
     <a:masterClrMapping/>
   </p:clrMapOvr>
-  <p:transition xmlns:p14="http://schemas.microsoft.com/office/powerpoint/2010/main" spd="med" advClick="1"/>
+  <p:transition spd="med"/>
 </p:sldLayout>
 </file>
 
 <file path=ppt/slideLayouts/slideLayout11.xml><?xml version="1.0" encoding="utf-8"?>
-<p:sldLayout xmlns:a="http://schemas.openxmlformats.org/drawingml/2006/main" xmlns:r="http://schemas.openxmlformats.org/officeDocument/2006/relationships" xmlns:p="http://schemas.openxmlformats.org/presentationml/2006/main" type="tx" showMasterSp="1" showMasterPhAnim="1">
+<p:sldLayout xmlns:a="http://schemas.openxmlformats.org/drawingml/2006/main" xmlns:r="http://schemas.openxmlformats.org/officeDocument/2006/relationships" xmlns:p="http://schemas.openxmlformats.org/presentationml/2006/main" type="tx">
   <p:cSld name="照片">
     <p:spTree>
       <p:nvGrpSpPr>
@@ -841,9 +842,7 @@
             <a:noAutofit/>
           </a:bodyPr>
           <a:lstStyle/>
-          <a:p>
-            <a:pPr/>
-          </a:p>
+          <a:p/>
         </p:txBody>
       </p:sp>
       <p:sp>
@@ -863,8 +862,10 @@
           <a:bodyPr/>
           <a:lstStyle/>
           <a:p>
-            <a:pPr/>
-            <a:fld id="{86CB4B4D-7CA3-9044-876B-883B54F8677D}" type="slidenum"/>
+            <a:fld id="{86CB4B4D-7CA3-9044-876B-883B54F8677D}" type="slidenum">
+              <a:rPr/>
+            </a:fld>
+            <a:endParaRPr/>
           </a:p>
         </p:txBody>
       </p:sp>
@@ -873,12 +874,12 @@
   <p:clrMapOvr>
     <a:masterClrMapping/>
   </p:clrMapOvr>
-  <p:transition xmlns:p14="http://schemas.microsoft.com/office/powerpoint/2010/main" spd="med" advClick="1"/>
+  <p:transition spd="med"/>
 </p:sldLayout>
 </file>
 
 <file path=ppt/slideLayouts/slideLayout12.xml><?xml version="1.0" encoding="utf-8"?>
-<p:sldLayout xmlns:a="http://schemas.openxmlformats.org/drawingml/2006/main" xmlns:r="http://schemas.openxmlformats.org/officeDocument/2006/relationships" xmlns:p="http://schemas.openxmlformats.org/presentationml/2006/main" type="tx" showMasterSp="1" showMasterPhAnim="1">
+<p:sldLayout xmlns:a="http://schemas.openxmlformats.org/drawingml/2006/main" xmlns:r="http://schemas.openxmlformats.org/officeDocument/2006/relationships" xmlns:p="http://schemas.openxmlformats.org/presentationml/2006/main" type="tx">
   <p:cSld name="空白">
     <p:spTree>
       <p:nvGrpSpPr>
@@ -911,8 +912,10 @@
           <a:bodyPr/>
           <a:lstStyle/>
           <a:p>
-            <a:pPr/>
-            <a:fld id="{86CB4B4D-7CA3-9044-876B-883B54F8677D}" type="slidenum"/>
+            <a:fld id="{86CB4B4D-7CA3-9044-876B-883B54F8677D}" type="slidenum">
+              <a:rPr/>
+            </a:fld>
+            <a:endParaRPr/>
           </a:p>
         </p:txBody>
       </p:sp>
@@ -921,12 +924,12 @@
   <p:clrMapOvr>
     <a:masterClrMapping/>
   </p:clrMapOvr>
-  <p:transition xmlns:p14="http://schemas.microsoft.com/office/powerpoint/2010/main" spd="med" advClick="1"/>
+  <p:transition spd="med"/>
 </p:sldLayout>
 </file>
 
 <file path=ppt/slideLayouts/slideLayout2.xml><?xml version="1.0" encoding="utf-8"?>
-<p:sldLayout xmlns:a="http://schemas.openxmlformats.org/drawingml/2006/main" xmlns:r="http://schemas.openxmlformats.org/officeDocument/2006/relationships" xmlns:p="http://schemas.openxmlformats.org/presentationml/2006/main" type="tx" showMasterSp="1" showMasterPhAnim="1">
+<p:sldLayout xmlns:a="http://schemas.openxmlformats.org/drawingml/2006/main" xmlns:r="http://schemas.openxmlformats.org/officeDocument/2006/relationships" xmlns:p="http://schemas.openxmlformats.org/presentationml/2006/main" type="tx">
   <p:cSld name="照片 - 水平">
     <p:spTree>
       <p:nvGrpSpPr>
@@ -964,9 +967,7 @@
             <a:noAutofit/>
           </a:bodyPr>
           <a:lstStyle/>
-          <a:p>
-            <a:pPr/>
-          </a:p>
+          <a:p/>
         </p:txBody>
       </p:sp>
       <p:sp>
@@ -974,7 +975,7 @@
           <p:cNvPr id="21" name="Shape 21"/>
           <p:cNvSpPr/>
           <p:nvPr>
-            <p:ph type="title"/>
+            <p:ph type="title" hasCustomPrompt="1"/>
           </p:nvPr>
         </p:nvSpPr>
         <p:spPr>
@@ -990,7 +991,6 @@
           <a:bodyPr anchor="b"/>
           <a:lstStyle/>
           <a:p>
-            <a:pPr/>
             <a:r>
               <a:t>标题文本</a:t>
             </a:r>
@@ -1002,7 +1002,7 @@
           <p:cNvPr id="22" name="Shape 22"/>
           <p:cNvSpPr/>
           <p:nvPr>
-            <p:ph type="body" sz="quarter" idx="1"/>
+            <p:ph type="body" sz="quarter" idx="1" hasCustomPrompt="1"/>
           </p:nvPr>
         </p:nvSpPr>
         <p:spPr>
@@ -1059,7 +1059,6 @@
             </a:lvl5pPr>
           </a:lstStyle>
           <a:p>
-            <a:pPr/>
             <a:r>
               <a:t>正文级别 1</a:t>
             </a:r>
@@ -1107,8 +1106,10 @@
           <a:bodyPr/>
           <a:lstStyle/>
           <a:p>
-            <a:pPr/>
-            <a:fld id="{86CB4B4D-7CA3-9044-876B-883B54F8677D}" type="slidenum"/>
+            <a:fld id="{86CB4B4D-7CA3-9044-876B-883B54F8677D}" type="slidenum">
+              <a:rPr/>
+            </a:fld>
+            <a:endParaRPr/>
           </a:p>
         </p:txBody>
       </p:sp>
@@ -1117,12 +1118,12 @@
   <p:clrMapOvr>
     <a:masterClrMapping/>
   </p:clrMapOvr>
-  <p:transition xmlns:p14="http://schemas.microsoft.com/office/powerpoint/2010/main" spd="med" advClick="1"/>
+  <p:transition spd="med"/>
 </p:sldLayout>
 </file>
 
 <file path=ppt/slideLayouts/slideLayout3.xml><?xml version="1.0" encoding="utf-8"?>
-<p:sldLayout xmlns:a="http://schemas.openxmlformats.org/drawingml/2006/main" xmlns:r="http://schemas.openxmlformats.org/officeDocument/2006/relationships" xmlns:p="http://schemas.openxmlformats.org/presentationml/2006/main" type="tx" showMasterSp="1" showMasterPhAnim="1">
+<p:sldLayout xmlns:a="http://schemas.openxmlformats.org/drawingml/2006/main" xmlns:r="http://schemas.openxmlformats.org/officeDocument/2006/relationships" xmlns:p="http://schemas.openxmlformats.org/presentationml/2006/main" type="tx">
   <p:cSld name="标题 - 居中">
     <p:spTree>
       <p:nvGrpSpPr>
@@ -1143,7 +1144,7 @@
           <p:cNvPr id="30" name="Shape 30"/>
           <p:cNvSpPr/>
           <p:nvPr>
-            <p:ph type="title"/>
+            <p:ph type="title" hasCustomPrompt="1"/>
           </p:nvPr>
         </p:nvSpPr>
         <p:spPr>
@@ -1159,7 +1160,6 @@
           <a:bodyPr/>
           <a:lstStyle/>
           <a:p>
-            <a:pPr/>
             <a:r>
               <a:t>标题文本</a:t>
             </a:r>
@@ -1183,8 +1183,10 @@
           <a:bodyPr/>
           <a:lstStyle/>
           <a:p>
-            <a:pPr/>
-            <a:fld id="{86CB4B4D-7CA3-9044-876B-883B54F8677D}" type="slidenum"/>
+            <a:fld id="{86CB4B4D-7CA3-9044-876B-883B54F8677D}" type="slidenum">
+              <a:rPr/>
+            </a:fld>
+            <a:endParaRPr/>
           </a:p>
         </p:txBody>
       </p:sp>
@@ -1193,12 +1195,12 @@
   <p:clrMapOvr>
     <a:masterClrMapping/>
   </p:clrMapOvr>
-  <p:transition xmlns:p14="http://schemas.microsoft.com/office/powerpoint/2010/main" spd="med" advClick="1"/>
+  <p:transition spd="med"/>
 </p:sldLayout>
 </file>
 
 <file path=ppt/slideLayouts/slideLayout4.xml><?xml version="1.0" encoding="utf-8"?>
-<p:sldLayout xmlns:a="http://schemas.openxmlformats.org/drawingml/2006/main" xmlns:r="http://schemas.openxmlformats.org/officeDocument/2006/relationships" xmlns:p="http://schemas.openxmlformats.org/presentationml/2006/main" type="tx" showMasterSp="1" showMasterPhAnim="1">
+<p:sldLayout xmlns:a="http://schemas.openxmlformats.org/drawingml/2006/main" xmlns:r="http://schemas.openxmlformats.org/officeDocument/2006/relationships" xmlns:p="http://schemas.openxmlformats.org/presentationml/2006/main" type="tx">
   <p:cSld name="照片 - 垂直">
     <p:spTree>
       <p:nvGrpSpPr>
@@ -1236,9 +1238,7 @@
             <a:noAutofit/>
           </a:bodyPr>
           <a:lstStyle/>
-          <a:p>
-            <a:pPr/>
-          </a:p>
+          <a:p/>
         </p:txBody>
       </p:sp>
       <p:sp>
@@ -1246,7 +1246,7 @@
           <p:cNvPr id="39" name="Shape 39"/>
           <p:cNvSpPr/>
           <p:nvPr>
-            <p:ph type="title"/>
+            <p:ph type="title" hasCustomPrompt="1"/>
           </p:nvPr>
         </p:nvSpPr>
         <p:spPr>
@@ -1266,7 +1266,6 @@
             </a:lvl1pPr>
           </a:lstStyle>
           <a:p>
-            <a:pPr/>
             <a:r>
               <a:t>标题文本</a:t>
             </a:r>
@@ -1278,7 +1277,7 @@
           <p:cNvPr id="40" name="Shape 40"/>
           <p:cNvSpPr/>
           <p:nvPr>
-            <p:ph type="body" sz="quarter" idx="1"/>
+            <p:ph type="body" sz="quarter" idx="1" hasCustomPrompt="1"/>
           </p:nvPr>
         </p:nvSpPr>
         <p:spPr>
@@ -1335,7 +1334,6 @@
             </a:lvl5pPr>
           </a:lstStyle>
           <a:p>
-            <a:pPr/>
             <a:r>
               <a:t>正文级别 1</a:t>
             </a:r>
@@ -1383,8 +1381,10 @@
           <a:bodyPr/>
           <a:lstStyle/>
           <a:p>
-            <a:pPr/>
-            <a:fld id="{86CB4B4D-7CA3-9044-876B-883B54F8677D}" type="slidenum"/>
+            <a:fld id="{86CB4B4D-7CA3-9044-876B-883B54F8677D}" type="slidenum">
+              <a:rPr/>
+            </a:fld>
+            <a:endParaRPr/>
           </a:p>
         </p:txBody>
       </p:sp>
@@ -1393,12 +1393,12 @@
   <p:clrMapOvr>
     <a:masterClrMapping/>
   </p:clrMapOvr>
-  <p:transition xmlns:p14="http://schemas.microsoft.com/office/powerpoint/2010/main" spd="med" advClick="1"/>
+  <p:transition spd="med"/>
 </p:sldLayout>
 </file>
 
 <file path=ppt/slideLayouts/slideLayout5.xml><?xml version="1.0" encoding="utf-8"?>
-<p:sldLayout xmlns:a="http://schemas.openxmlformats.org/drawingml/2006/main" xmlns:r="http://schemas.openxmlformats.org/officeDocument/2006/relationships" xmlns:p="http://schemas.openxmlformats.org/presentationml/2006/main" type="tx" showMasterSp="1" showMasterPhAnim="1">
+<p:sldLayout xmlns:a="http://schemas.openxmlformats.org/drawingml/2006/main" xmlns:r="http://schemas.openxmlformats.org/officeDocument/2006/relationships" xmlns:p="http://schemas.openxmlformats.org/presentationml/2006/main" type="tx">
   <p:cSld name="标题 - 顶部对齐">
     <p:spTree>
       <p:nvGrpSpPr>
@@ -1419,7 +1419,7 @@
           <p:cNvPr id="48" name="Shape 48"/>
           <p:cNvSpPr/>
           <p:nvPr>
-            <p:ph type="title"/>
+            <p:ph type="title" hasCustomPrompt="1"/>
           </p:nvPr>
         </p:nvSpPr>
         <p:spPr>
@@ -1431,7 +1431,6 @@
           <a:bodyPr/>
           <a:lstStyle/>
           <a:p>
-            <a:pPr/>
             <a:r>
               <a:t>标题文本</a:t>
             </a:r>
@@ -1455,8 +1454,10 @@
           <a:bodyPr/>
           <a:lstStyle/>
           <a:p>
-            <a:pPr/>
-            <a:fld id="{86CB4B4D-7CA3-9044-876B-883B54F8677D}" type="slidenum"/>
+            <a:fld id="{86CB4B4D-7CA3-9044-876B-883B54F8677D}" type="slidenum">
+              <a:rPr/>
+            </a:fld>
+            <a:endParaRPr/>
           </a:p>
         </p:txBody>
       </p:sp>
@@ -1465,12 +1466,12 @@
   <p:clrMapOvr>
     <a:masterClrMapping/>
   </p:clrMapOvr>
-  <p:transition xmlns:p14="http://schemas.microsoft.com/office/powerpoint/2010/main" spd="med" advClick="1"/>
+  <p:transition spd="med"/>
 </p:sldLayout>
 </file>
 
 <file path=ppt/slideLayouts/slideLayout6.xml><?xml version="1.0" encoding="utf-8"?>
-<p:sldLayout xmlns:a="http://schemas.openxmlformats.org/drawingml/2006/main" xmlns:r="http://schemas.openxmlformats.org/officeDocument/2006/relationships" xmlns:p="http://schemas.openxmlformats.org/presentationml/2006/main" type="tx" showMasterSp="1" showMasterPhAnim="1">
+<p:sldLayout xmlns:a="http://schemas.openxmlformats.org/drawingml/2006/main" xmlns:r="http://schemas.openxmlformats.org/officeDocument/2006/relationships" xmlns:p="http://schemas.openxmlformats.org/presentationml/2006/main" type="tx">
   <p:cSld name="标题与项目符号">
     <p:spTree>
       <p:nvGrpSpPr>
@@ -1491,7 +1492,7 @@
           <p:cNvPr id="56" name="Shape 56"/>
           <p:cNvSpPr/>
           <p:nvPr>
-            <p:ph type="title"/>
+            <p:ph type="title" hasCustomPrompt="1"/>
           </p:nvPr>
         </p:nvSpPr>
         <p:spPr>
@@ -1503,7 +1504,6 @@
           <a:bodyPr/>
           <a:lstStyle/>
           <a:p>
-            <a:pPr/>
             <a:r>
               <a:t>标题文本</a:t>
             </a:r>
@@ -1515,7 +1515,7 @@
           <p:cNvPr id="57" name="Shape 57"/>
           <p:cNvSpPr/>
           <p:nvPr>
-            <p:ph type="body" idx="1"/>
+            <p:ph type="body" idx="1" hasCustomPrompt="1"/>
           </p:nvPr>
         </p:nvSpPr>
         <p:spPr>
@@ -1527,7 +1527,6 @@
           <a:bodyPr/>
           <a:lstStyle/>
           <a:p>
-            <a:pPr/>
             <a:r>
               <a:t>正文级别 1</a:t>
             </a:r>
@@ -1575,8 +1574,10 @@
           <a:bodyPr/>
           <a:lstStyle/>
           <a:p>
-            <a:pPr/>
-            <a:fld id="{86CB4B4D-7CA3-9044-876B-883B54F8677D}" type="slidenum"/>
+            <a:fld id="{86CB4B4D-7CA3-9044-876B-883B54F8677D}" type="slidenum">
+              <a:rPr/>
+            </a:fld>
+            <a:endParaRPr/>
           </a:p>
         </p:txBody>
       </p:sp>
@@ -1585,12 +1586,12 @@
   <p:clrMapOvr>
     <a:masterClrMapping/>
   </p:clrMapOvr>
-  <p:transition xmlns:p14="http://schemas.microsoft.com/office/powerpoint/2010/main" spd="med" advClick="1"/>
+  <p:transition spd="med"/>
 </p:sldLayout>
 </file>
 
 <file path=ppt/slideLayouts/slideLayout7.xml><?xml version="1.0" encoding="utf-8"?>
-<p:sldLayout xmlns:a="http://schemas.openxmlformats.org/drawingml/2006/main" xmlns:r="http://schemas.openxmlformats.org/officeDocument/2006/relationships" xmlns:p="http://schemas.openxmlformats.org/presentationml/2006/main" type="tx" showMasterSp="1" showMasterPhAnim="1">
+<p:sldLayout xmlns:a="http://schemas.openxmlformats.org/drawingml/2006/main" xmlns:r="http://schemas.openxmlformats.org/officeDocument/2006/relationships" xmlns:p="http://schemas.openxmlformats.org/presentationml/2006/main" type="tx">
   <p:cSld name="标题、项目符号与照片">
     <p:spTree>
       <p:nvGrpSpPr>
@@ -1628,9 +1629,7 @@
             <a:noAutofit/>
           </a:bodyPr>
           <a:lstStyle/>
-          <a:p>
-            <a:pPr/>
-          </a:p>
+          <a:p/>
         </p:txBody>
       </p:sp>
       <p:sp>
@@ -1638,7 +1637,7 @@
           <p:cNvPr id="66" name="Shape 66"/>
           <p:cNvSpPr/>
           <p:nvPr>
-            <p:ph type="title"/>
+            <p:ph type="title" hasCustomPrompt="1"/>
           </p:nvPr>
         </p:nvSpPr>
         <p:spPr>
@@ -1650,7 +1649,6 @@
           <a:bodyPr/>
           <a:lstStyle/>
           <a:p>
-            <a:pPr/>
             <a:r>
               <a:t>标题文本</a:t>
             </a:r>
@@ -1662,7 +1660,7 @@
           <p:cNvPr id="67" name="Shape 67"/>
           <p:cNvSpPr/>
           <p:nvPr>
-            <p:ph type="body" sz="half" idx="1"/>
+            <p:ph type="body" sz="half" idx="1" hasCustomPrompt="1"/>
           </p:nvPr>
         </p:nvSpPr>
         <p:spPr>
@@ -1709,7 +1707,6 @@
             </a:lvl5pPr>
           </a:lstStyle>
           <a:p>
-            <a:pPr/>
             <a:r>
               <a:t>正文级别 1</a:t>
             </a:r>
@@ -1757,8 +1754,10 @@
           <a:bodyPr/>
           <a:lstStyle/>
           <a:p>
-            <a:pPr/>
-            <a:fld id="{86CB4B4D-7CA3-9044-876B-883B54F8677D}" type="slidenum"/>
+            <a:fld id="{86CB4B4D-7CA3-9044-876B-883B54F8677D}" type="slidenum">
+              <a:rPr/>
+            </a:fld>
+            <a:endParaRPr/>
           </a:p>
         </p:txBody>
       </p:sp>
@@ -1767,12 +1766,12 @@
   <p:clrMapOvr>
     <a:masterClrMapping/>
   </p:clrMapOvr>
-  <p:transition xmlns:p14="http://schemas.microsoft.com/office/powerpoint/2010/main" spd="med" advClick="1"/>
+  <p:transition spd="med"/>
 </p:sldLayout>
 </file>
 
 <file path=ppt/slideLayouts/slideLayout8.xml><?xml version="1.0" encoding="utf-8"?>
-<p:sldLayout xmlns:a="http://schemas.openxmlformats.org/drawingml/2006/main" xmlns:r="http://schemas.openxmlformats.org/officeDocument/2006/relationships" xmlns:p="http://schemas.openxmlformats.org/presentationml/2006/main" type="tx" showMasterSp="1" showMasterPhAnim="1">
+<p:sldLayout xmlns:a="http://schemas.openxmlformats.org/drawingml/2006/main" xmlns:r="http://schemas.openxmlformats.org/officeDocument/2006/relationships" xmlns:p="http://schemas.openxmlformats.org/presentationml/2006/main" type="tx">
   <p:cSld name="项目符号">
     <p:spTree>
       <p:nvGrpSpPr>
@@ -1793,7 +1792,7 @@
           <p:cNvPr id="75" name="Shape 75"/>
           <p:cNvSpPr/>
           <p:nvPr>
-            <p:ph type="body" idx="1"/>
+            <p:ph type="body" idx="1" hasCustomPrompt="1"/>
           </p:nvPr>
         </p:nvSpPr>
         <p:spPr>
@@ -1809,7 +1808,6 @@
           <a:bodyPr/>
           <a:lstStyle/>
           <a:p>
-            <a:pPr/>
             <a:r>
               <a:t>正文级别 1</a:t>
             </a:r>
@@ -1857,8 +1855,10 @@
           <a:bodyPr/>
           <a:lstStyle/>
           <a:p>
-            <a:pPr/>
-            <a:fld id="{86CB4B4D-7CA3-9044-876B-883B54F8677D}" type="slidenum"/>
+            <a:fld id="{86CB4B4D-7CA3-9044-876B-883B54F8677D}" type="slidenum">
+              <a:rPr/>
+            </a:fld>
+            <a:endParaRPr/>
           </a:p>
         </p:txBody>
       </p:sp>
@@ -1867,12 +1867,12 @@
   <p:clrMapOvr>
     <a:masterClrMapping/>
   </p:clrMapOvr>
-  <p:transition xmlns:p14="http://schemas.microsoft.com/office/powerpoint/2010/main" spd="med" advClick="1"/>
+  <p:transition spd="med"/>
 </p:sldLayout>
 </file>
 
 <file path=ppt/slideLayouts/slideLayout9.xml><?xml version="1.0" encoding="utf-8"?>
-<p:sldLayout xmlns:a="http://schemas.openxmlformats.org/drawingml/2006/main" xmlns:r="http://schemas.openxmlformats.org/officeDocument/2006/relationships" xmlns:p="http://schemas.openxmlformats.org/presentationml/2006/main" type="tx" showMasterSp="1" showMasterPhAnim="1">
+<p:sldLayout xmlns:a="http://schemas.openxmlformats.org/drawingml/2006/main" xmlns:r="http://schemas.openxmlformats.org/officeDocument/2006/relationships" xmlns:p="http://schemas.openxmlformats.org/presentationml/2006/main" type="tx">
   <p:cSld name="照片 - 3 联">
     <p:spTree>
       <p:nvGrpSpPr>
@@ -1910,9 +1910,7 @@
             <a:noAutofit/>
           </a:bodyPr>
           <a:lstStyle/>
-          <a:p>
-            <a:pPr/>
-          </a:p>
+          <a:p/>
         </p:txBody>
       </p:sp>
       <p:sp>
@@ -1937,9 +1935,7 @@
             <a:noAutofit/>
           </a:bodyPr>
           <a:lstStyle/>
-          <a:p>
-            <a:pPr/>
-          </a:p>
+          <a:p/>
         </p:txBody>
       </p:sp>
       <p:sp>
@@ -1964,9 +1960,7 @@
             <a:noAutofit/>
           </a:bodyPr>
           <a:lstStyle/>
-          <a:p>
-            <a:pPr/>
-          </a:p>
+          <a:p/>
         </p:txBody>
       </p:sp>
       <p:sp>
@@ -1986,8 +1980,10 @@
           <a:bodyPr/>
           <a:lstStyle/>
           <a:p>
-            <a:pPr/>
-            <a:fld id="{86CB4B4D-7CA3-9044-876B-883B54F8677D}" type="slidenum"/>
+            <a:fld id="{86CB4B4D-7CA3-9044-876B-883B54F8677D}" type="slidenum">
+              <a:rPr/>
+            </a:fld>
+            <a:endParaRPr/>
           </a:p>
         </p:txBody>
       </p:sp>
@@ -1996,7 +1992,7 @@
   <p:clrMapOvr>
     <a:masterClrMapping/>
   </p:clrMapOvr>
-  <p:transition xmlns:p14="http://schemas.microsoft.com/office/powerpoint/2010/main" spd="med" advClick="1"/>
+  <p:transition spd="med"/>
 </p:sldLayout>
 </file>
 
@@ -2008,6 +2004,7 @@
         <a:solidFill>
           <a:srgbClr val="FFFFFF"/>
         </a:solidFill>
+        <a:effectLst/>
       </p:bgPr>
     </p:bg>
     <p:spTree>
@@ -2043,19 +2040,13 @@
           <a:ln w="12700">
             <a:miter lim="400000"/>
           </a:ln>
-          <a:extLst>
-            <a:ext uri="{C572A759-6A51-4108-AA02-DFA0A04FC94B}">
-              <ma14:wrappingTextBoxFlag xmlns:ma14="http://schemas.microsoft.com/office/mac/drawingml/2011/main" val="1"/>
-            </a:ext>
-          </a:extLst>
         </p:spPr>
         <p:txBody>
           <a:bodyPr lIns="50800" tIns="50800" rIns="50800" bIns="50800" anchor="ctr">
-            <a:normAutofit fontScale="100000" lnSpcReduction="0"/>
+            <a:normAutofit/>
           </a:bodyPr>
           <a:lstStyle/>
           <a:p>
-            <a:pPr/>
             <a:r>
               <a:t>标题文本</a:t>
             </a:r>
@@ -2081,19 +2072,13 @@
           <a:ln w="12700">
             <a:miter lim="400000"/>
           </a:ln>
-          <a:extLst>
-            <a:ext uri="{C572A759-6A51-4108-AA02-DFA0A04FC94B}">
-              <ma14:wrappingTextBoxFlag xmlns:ma14="http://schemas.microsoft.com/office/mac/drawingml/2011/main" val="1"/>
-            </a:ext>
-          </a:extLst>
         </p:spPr>
         <p:txBody>
           <a:bodyPr lIns="50800" tIns="50800" rIns="50800" bIns="50800" anchor="ctr">
-            <a:normAutofit fontScale="100000" lnSpcReduction="0"/>
+            <a:normAutofit/>
           </a:bodyPr>
           <a:lstStyle/>
           <a:p>
-            <a:pPr/>
             <a:r>
               <a:t>正文级别 1</a:t>
             </a:r>
@@ -2154,8 +2139,10 @@
             </a:lvl1pPr>
           </a:lstStyle>
           <a:p>
-            <a:pPr/>
-            <a:fld id="{86CB4B4D-7CA3-9044-876B-883B54F8677D}" type="slidenum"/>
+            <a:fld id="{86CB4B4D-7CA3-9044-876B-883B54F8677D}" type="slidenum">
+              <a:rPr/>
+            </a:fld>
+            <a:endParaRPr/>
           </a:p>
         </p:txBody>
       </p:sp>
@@ -2163,20 +2150,20 @@
   </p:cSld>
   <p:clrMap bg1="lt1" tx1="dk1" bg2="lt2" tx2="dk2" accent1="accent1" accent2="accent2" accent3="accent3" accent4="accent4" accent5="accent5" accent6="accent6" hlink="hlink" folHlink="folHlink"/>
   <p:sldLayoutIdLst>
-    <p:sldLayoutId id="2147483649" r:id="rId2"/>
-    <p:sldLayoutId id="2147483650" r:id="rId3"/>
-    <p:sldLayoutId id="2147483651" r:id="rId4"/>
-    <p:sldLayoutId id="2147483652" r:id="rId5"/>
-    <p:sldLayoutId id="2147483653" r:id="rId6"/>
-    <p:sldLayoutId id="2147483654" r:id="rId7"/>
-    <p:sldLayoutId id="2147483655" r:id="rId8"/>
-    <p:sldLayoutId id="2147483656" r:id="rId9"/>
-    <p:sldLayoutId id="2147483657" r:id="rId10"/>
-    <p:sldLayoutId id="2147483658" r:id="rId11"/>
-    <p:sldLayoutId id="2147483659" r:id="rId12"/>
-    <p:sldLayoutId id="2147483660" r:id="rId13"/>
+    <p:sldLayoutId id="2147483649" r:id="rId1"/>
+    <p:sldLayoutId id="2147483650" r:id="rId2"/>
+    <p:sldLayoutId id="2147483651" r:id="rId3"/>
+    <p:sldLayoutId id="2147483652" r:id="rId4"/>
+    <p:sldLayoutId id="2147483653" r:id="rId5"/>
+    <p:sldLayoutId id="2147483654" r:id="rId6"/>
+    <p:sldLayoutId id="2147483655" r:id="rId7"/>
+    <p:sldLayoutId id="2147483656" r:id="rId8"/>
+    <p:sldLayoutId id="2147483657" r:id="rId9"/>
+    <p:sldLayoutId id="2147483658" r:id="rId10"/>
+    <p:sldLayoutId id="2147483659" r:id="rId11"/>
+    <p:sldLayoutId id="2147483660" r:id="rId12"/>
   </p:sldLayoutIdLst>
-  <p:transition xmlns:p14="http://schemas.microsoft.com/office/powerpoint/2010/main" spd="med" advClick="1"/>
+  <p:transition spd="med"/>
   <p:txStyles>
     <p:titleStyle>
       <a:lvl1pPr marL="0" marR="0" indent="0" algn="ctr" defTabSz="825500" rtl="0" latinLnBrk="0">
@@ -2193,8 +2180,7 @@
         <a:buSzTx/>
         <a:buFontTx/>
         <a:buNone/>
-        <a:tabLst/>
-        <a:defRPr b="0" baseline="0" cap="none" i="0" spc="0" strike="noStrike" sz="11200" u="none">
+        <a:defRPr sz="11200" b="0" i="0" u="none" strike="noStrike" cap="none" spc="0" baseline="0">
           <a:ln>
             <a:noFill/>
           </a:ln>
@@ -2222,8 +2208,7 @@
         <a:buSzTx/>
         <a:buFontTx/>
         <a:buNone/>
-        <a:tabLst/>
-        <a:defRPr b="0" baseline="0" cap="none" i="0" spc="0" strike="noStrike" sz="11200" u="none">
+        <a:defRPr sz="11200" b="0" i="0" u="none" strike="noStrike" cap="none" spc="0" baseline="0">
           <a:ln>
             <a:noFill/>
           </a:ln>
@@ -2251,8 +2236,7 @@
         <a:buSzTx/>
         <a:buFontTx/>
         <a:buNone/>
-        <a:tabLst/>
-        <a:defRPr b="0" baseline="0" cap="none" i="0" spc="0" strike="noStrike" sz="11200" u="none">
+        <a:defRPr sz="11200" b="0" i="0" u="none" strike="noStrike" cap="none" spc="0" baseline="0">
           <a:ln>
             <a:noFill/>
           </a:ln>
@@ -2280,8 +2264,7 @@
         <a:buSzTx/>
         <a:buFontTx/>
         <a:buNone/>
-        <a:tabLst/>
-        <a:defRPr b="0" baseline="0" cap="none" i="0" spc="0" strike="noStrike" sz="11200" u="none">
+        <a:defRPr sz="11200" b="0" i="0" u="none" strike="noStrike" cap="none" spc="0" baseline="0">
           <a:ln>
             <a:noFill/>
           </a:ln>
@@ -2309,8 +2292,7 @@
         <a:buSzTx/>
         <a:buFontTx/>
         <a:buNone/>
-        <a:tabLst/>
-        <a:defRPr b="0" baseline="0" cap="none" i="0" spc="0" strike="noStrike" sz="11200" u="none">
+        <a:defRPr sz="11200" b="0" i="0" u="none" strike="noStrike" cap="none" spc="0" baseline="0">
           <a:ln>
             <a:noFill/>
           </a:ln>
@@ -2338,8 +2320,7 @@
         <a:buSzTx/>
         <a:buFontTx/>
         <a:buNone/>
-        <a:tabLst/>
-        <a:defRPr b="0" baseline="0" cap="none" i="0" spc="0" strike="noStrike" sz="11200" u="none">
+        <a:defRPr sz="11200" b="0" i="0" u="none" strike="noStrike" cap="none" spc="0" baseline="0">
           <a:ln>
             <a:noFill/>
           </a:ln>
@@ -2367,8 +2348,7 @@
         <a:buSzTx/>
         <a:buFontTx/>
         <a:buNone/>
-        <a:tabLst/>
-        <a:defRPr b="0" baseline="0" cap="none" i="0" spc="0" strike="noStrike" sz="11200" u="none">
+        <a:defRPr sz="11200" b="0" i="0" u="none" strike="noStrike" cap="none" spc="0" baseline="0">
           <a:ln>
             <a:noFill/>
           </a:ln>
@@ -2396,8 +2376,7 @@
         <a:buSzTx/>
         <a:buFontTx/>
         <a:buNone/>
-        <a:tabLst/>
-        <a:defRPr b="0" baseline="0" cap="none" i="0" spc="0" strike="noStrike" sz="11200" u="none">
+        <a:defRPr sz="11200" b="0" i="0" u="none" strike="noStrike" cap="none" spc="0" baseline="0">
           <a:ln>
             <a:noFill/>
           </a:ln>
@@ -2425,8 +2404,7 @@
         <a:buSzTx/>
         <a:buFontTx/>
         <a:buNone/>
-        <a:tabLst/>
-        <a:defRPr b="0" baseline="0" cap="none" i="0" spc="0" strike="noStrike" sz="11200" u="none">
+        <a:defRPr sz="11200" b="0" i="0" u="none" strike="noStrike" cap="none" spc="0" baseline="0">
           <a:ln>
             <a:noFill/>
           </a:ln>
@@ -2456,8 +2434,7 @@
         <a:buSzPct val="75000"/>
         <a:buFontTx/>
         <a:buChar char="•"/>
-        <a:tabLst/>
-        <a:defRPr b="0" baseline="0" cap="none" i="0" spc="0" strike="noStrike" sz="5200" u="none">
+        <a:defRPr sz="5200" b="0" i="0" u="none" strike="noStrike" cap="none" spc="0" baseline="0">
           <a:ln>
             <a:noFill/>
           </a:ln>
@@ -2485,8 +2462,7 @@
         <a:buSzPct val="75000"/>
         <a:buFontTx/>
         <a:buChar char="•"/>
-        <a:tabLst/>
-        <a:defRPr b="0" baseline="0" cap="none" i="0" spc="0" strike="noStrike" sz="5200" u="none">
+        <a:defRPr sz="5200" b="0" i="0" u="none" strike="noStrike" cap="none" spc="0" baseline="0">
           <a:ln>
             <a:noFill/>
           </a:ln>
@@ -2514,8 +2490,7 @@
         <a:buSzPct val="75000"/>
         <a:buFontTx/>
         <a:buChar char="•"/>
-        <a:tabLst/>
-        <a:defRPr b="0" baseline="0" cap="none" i="0" spc="0" strike="noStrike" sz="5200" u="none">
+        <a:defRPr sz="5200" b="0" i="0" u="none" strike="noStrike" cap="none" spc="0" baseline="0">
           <a:ln>
             <a:noFill/>
           </a:ln>
@@ -2543,8 +2518,7 @@
         <a:buSzPct val="75000"/>
         <a:buFontTx/>
         <a:buChar char="•"/>
-        <a:tabLst/>
-        <a:defRPr b="0" baseline="0" cap="none" i="0" spc="0" strike="noStrike" sz="5200" u="none">
+        <a:defRPr sz="5200" b="0" i="0" u="none" strike="noStrike" cap="none" spc="0" baseline="0">
           <a:ln>
             <a:noFill/>
           </a:ln>
@@ -2572,8 +2546,7 @@
         <a:buSzPct val="75000"/>
         <a:buFontTx/>
         <a:buChar char="•"/>
-        <a:tabLst/>
-        <a:defRPr b="0" baseline="0" cap="none" i="0" spc="0" strike="noStrike" sz="5200" u="none">
+        <a:defRPr sz="5200" b="0" i="0" u="none" strike="noStrike" cap="none" spc="0" baseline="0">
           <a:ln>
             <a:noFill/>
           </a:ln>
@@ -2601,8 +2574,7 @@
         <a:buSzPct val="75000"/>
         <a:buFontTx/>
         <a:buChar char="•"/>
-        <a:tabLst/>
-        <a:defRPr b="0" baseline="0" cap="none" i="0" spc="0" strike="noStrike" sz="5200" u="none">
+        <a:defRPr sz="5200" b="0" i="0" u="none" strike="noStrike" cap="none" spc="0" baseline="0">
           <a:ln>
             <a:noFill/>
           </a:ln>
@@ -2630,8 +2602,7 @@
         <a:buSzPct val="75000"/>
         <a:buFontTx/>
         <a:buChar char="•"/>
-        <a:tabLst/>
-        <a:defRPr b="0" baseline="0" cap="none" i="0" spc="0" strike="noStrike" sz="5200" u="none">
+        <a:defRPr sz="5200" b="0" i="0" u="none" strike="noStrike" cap="none" spc="0" baseline="0">
           <a:ln>
             <a:noFill/>
           </a:ln>
@@ -2659,8 +2630,7 @@
         <a:buSzPct val="75000"/>
         <a:buFontTx/>
         <a:buChar char="•"/>
-        <a:tabLst/>
-        <a:defRPr b="0" baseline="0" cap="none" i="0" spc="0" strike="noStrike" sz="5200" u="none">
+        <a:defRPr sz="5200" b="0" i="0" u="none" strike="noStrike" cap="none" spc="0" baseline="0">
           <a:ln>
             <a:noFill/>
           </a:ln>
@@ -2688,8 +2658,7 @@
         <a:buSzPct val="75000"/>
         <a:buFontTx/>
         <a:buChar char="•"/>
-        <a:tabLst/>
-        <a:defRPr b="0" baseline="0" cap="none" i="0" spc="0" strike="noStrike" sz="5200" u="none">
+        <a:defRPr sz="5200" b="0" i="0" u="none" strike="noStrike" cap="none" spc="0" baseline="0">
           <a:ln>
             <a:noFill/>
           </a:ln>
@@ -2719,8 +2688,7 @@
         <a:buSzTx/>
         <a:buFontTx/>
         <a:buNone/>
-        <a:tabLst/>
-        <a:defRPr b="0" baseline="0" cap="none" i="0" spc="0" strike="noStrike" sz="2400" u="none">
+        <a:defRPr sz="2400" b="0" i="0" u="none" strike="noStrike" cap="none" spc="0" baseline="0">
           <a:ln>
             <a:noFill/>
           </a:ln>
@@ -2748,8 +2716,7 @@
         <a:buSzTx/>
         <a:buFontTx/>
         <a:buNone/>
-        <a:tabLst/>
-        <a:defRPr b="0" baseline="0" cap="none" i="0" spc="0" strike="noStrike" sz="2400" u="none">
+        <a:defRPr sz="2400" b="0" i="0" u="none" strike="noStrike" cap="none" spc="0" baseline="0">
           <a:ln>
             <a:noFill/>
           </a:ln>
@@ -2777,8 +2744,7 @@
         <a:buSzTx/>
         <a:buFontTx/>
         <a:buNone/>
-        <a:tabLst/>
-        <a:defRPr b="0" baseline="0" cap="none" i="0" spc="0" strike="noStrike" sz="2400" u="none">
+        <a:defRPr sz="2400" b="0" i="0" u="none" strike="noStrike" cap="none" spc="0" baseline="0">
           <a:ln>
             <a:noFill/>
           </a:ln>
@@ -2806,8 +2772,7 @@
         <a:buSzTx/>
         <a:buFontTx/>
         <a:buNone/>
-        <a:tabLst/>
-        <a:defRPr b="0" baseline="0" cap="none" i="0" spc="0" strike="noStrike" sz="2400" u="none">
+        <a:defRPr sz="2400" b="0" i="0" u="none" strike="noStrike" cap="none" spc="0" baseline="0">
           <a:ln>
             <a:noFill/>
           </a:ln>
@@ -2835,8 +2800,7 @@
         <a:buSzTx/>
         <a:buFontTx/>
         <a:buNone/>
-        <a:tabLst/>
-        <a:defRPr b="0" baseline="0" cap="none" i="0" spc="0" strike="noStrike" sz="2400" u="none">
+        <a:defRPr sz="2400" b="0" i="0" u="none" strike="noStrike" cap="none" spc="0" baseline="0">
           <a:ln>
             <a:noFill/>
           </a:ln>
@@ -2864,8 +2828,7 @@
         <a:buSzTx/>
         <a:buFontTx/>
         <a:buNone/>
-        <a:tabLst/>
-        <a:defRPr b="0" baseline="0" cap="none" i="0" spc="0" strike="noStrike" sz="2400" u="none">
+        <a:defRPr sz="2400" b="0" i="0" u="none" strike="noStrike" cap="none" spc="0" baseline="0">
           <a:ln>
             <a:noFill/>
           </a:ln>
@@ -2893,8 +2856,7 @@
         <a:buSzTx/>
         <a:buFontTx/>
         <a:buNone/>
-        <a:tabLst/>
-        <a:defRPr b="0" baseline="0" cap="none" i="0" spc="0" strike="noStrike" sz="2400" u="none">
+        <a:defRPr sz="2400" b="0" i="0" u="none" strike="noStrike" cap="none" spc="0" baseline="0">
           <a:ln>
             <a:noFill/>
           </a:ln>
@@ -2922,8 +2884,7 @@
         <a:buSzTx/>
         <a:buFontTx/>
         <a:buNone/>
-        <a:tabLst/>
-        <a:defRPr b="0" baseline="0" cap="none" i="0" spc="0" strike="noStrike" sz="2400" u="none">
+        <a:defRPr sz="2400" b="0" i="0" u="none" strike="noStrike" cap="none" spc="0" baseline="0">
           <a:ln>
             <a:noFill/>
           </a:ln>
@@ -2951,8 +2912,7 @@
         <a:buSzTx/>
         <a:buFontTx/>
         <a:buNone/>
-        <a:tabLst/>
-        <a:defRPr b="0" baseline="0" cap="none" i="0" spc="0" strike="noStrike" sz="2400" u="none">
+        <a:defRPr sz="2400" b="0" i="0" u="none" strike="noStrike" cap="none" spc="0" baseline="0">
           <a:ln>
             <a:noFill/>
           </a:ln>
@@ -2972,7 +2932,7 @@
 </file>
 
 <file path=ppt/slides/slide1.xml><?xml version="1.0" encoding="utf-8"?>
-<p:sld xmlns:a="http://schemas.openxmlformats.org/drawingml/2006/main" xmlns:r="http://schemas.openxmlformats.org/officeDocument/2006/relationships" xmlns:p="http://schemas.openxmlformats.org/presentationml/2006/main" showMasterSp="1" showMasterPhAnim="1">
+<p:sld xmlns:a="http://schemas.openxmlformats.org/drawingml/2006/main" xmlns:r="http://schemas.openxmlformats.org/officeDocument/2006/relationships" xmlns:p="http://schemas.openxmlformats.org/presentationml/2006/main">
   <p:cSld>
     <p:spTree>
       <p:nvGrpSpPr>
@@ -3005,7 +2965,6 @@
           <a:bodyPr/>
           <a:lstStyle/>
           <a:p>
-            <a:pPr/>
             <a:r>
               <a:t>Linux常见试题解析</a:t>
             </a:r>
@@ -3033,7 +2992,6 @@
           <a:bodyPr/>
           <a:lstStyle/>
           <a:p>
-            <a:pPr/>
             <a:r>
               <a:t>孟宁</a:t>
             </a:r>
@@ -3049,9 +3007,7 @@
           <p:nvPr/>
         </p:nvPicPr>
         <p:blipFill>
-          <a:blip r:embed="rId2">
-            <a:extLst/>
-          </a:blip>
+          <a:blip r:embed="rId1"/>
           <a:stretch>
             <a:fillRect/>
           </a:stretch>
@@ -3066,6 +3022,8 @@
           </a:prstGeom>
           <a:ln w="12700">
             <a:miter lim="400000"/>
+            <a:headEnd/>
+            <a:tailEnd/>
           </a:ln>
         </p:spPr>
       </p:pic>
@@ -3086,11 +3044,6 @@
           <a:ln w="12700">
             <a:miter lim="400000"/>
           </a:ln>
-          <a:extLst>
-            <a:ext uri="{C572A759-6A51-4108-AA02-DFA0A04FC94B}">
-              <ma14:wrappingTextBoxFlag xmlns:ma14="http://schemas.microsoft.com/office/mac/drawingml/2011/main" val="1"/>
-            </a:ext>
-          </a:extLst>
         </p:spPr>
         <p:txBody>
           <a:bodyPr wrap="none" lIns="50800" tIns="50800" rIns="50800" bIns="50800" anchor="ctr">
@@ -3102,7 +3055,6 @@
             </a:lvl1pPr>
           </a:lstStyle>
           <a:p>
-            <a:pPr/>
             <a:r>
               <a:t>关注孟宁</a:t>
             </a:r>
@@ -3114,12 +3066,12 @@
   <p:clrMapOvr>
     <a:masterClrMapping/>
   </p:clrMapOvr>
-  <p:transition xmlns:p14="http://schemas.microsoft.com/office/powerpoint/2010/main" spd="med" advClick="1"/>
+  <p:transition spd="med"/>
 </p:sld>
 </file>
 
 <file path=ppt/slides/slide10.xml><?xml version="1.0" encoding="utf-8"?>
-<p:sld xmlns:a="http://schemas.openxmlformats.org/drawingml/2006/main" xmlns:r="http://schemas.openxmlformats.org/officeDocument/2006/relationships" xmlns:p="http://schemas.openxmlformats.org/presentationml/2006/main" showMasterSp="1" showMasterPhAnim="1">
+<p:sld xmlns:a="http://schemas.openxmlformats.org/drawingml/2006/main" xmlns:r="http://schemas.openxmlformats.org/officeDocument/2006/relationships" xmlns:p="http://schemas.openxmlformats.org/presentationml/2006/main">
   <p:cSld>
     <p:spTree>
       <p:nvGrpSpPr>
@@ -3137,7 +3089,7 @@
       </p:grpSpPr>
       <p:sp>
         <p:nvSpPr>
-          <p:cNvPr id="148" name="Shape 148"/>
+          <p:cNvPr id="145" name="Shape 145"/>
           <p:cNvSpPr/>
           <p:nvPr>
             <p:ph type="title"/>
@@ -3151,21 +3103,29 @@
         <p:txBody>
           <a:bodyPr/>
           <a:lstStyle>
-            <a:lvl1pPr defTabSz="536575">
-              <a:defRPr sz="7279"/>
+            <a:lvl1pPr defTabSz="454025">
+              <a:defRPr sz="6160"/>
             </a:lvl1pPr>
           </a:lstStyle>
           <a:p>
-            <a:pPr/>
-            <a:r>
-              <a:t>vmstat中r, b, si, so, bi, bo 这几列表示什么含义呢？</a:t>
-            </a:r>
-          </a:p>
-        </p:txBody>
-      </p:sp>
-      <p:sp>
-        <p:nvSpPr>
-          <p:cNvPr id="149" name="Shape 149"/>
+            <a:r>
+              <a:t>查看系统负载有两个常用的命令</a:t>
+            </a:r>
+            <a:r>
+              <a:rPr sz="6155">
+                <a:sym typeface="+mn-ea"/>
+              </a:rPr>
+              <a:t>w 和uptime</a:t>
+            </a:r>
+            <a:endParaRPr sz="6155">
+              <a:sym typeface="+mn-ea"/>
+            </a:endParaRPr>
+          </a:p>
+        </p:txBody>
+      </p:sp>
+      <p:sp>
+        <p:nvSpPr>
+          <p:cNvPr id="146" name="Shape 146"/>
           <p:cNvSpPr/>
           <p:nvPr>
             <p:ph type="body" idx="1"/>
@@ -3180,177 +3140,8 @@
           <a:bodyPr/>
           <a:lstStyle/>
           <a:p>
-            <a:pPr marL="622300" indent="-622300" defTabSz="808990">
-              <a:spcBef>
-                <a:spcPts val="5700"/>
-              </a:spcBef>
-              <a:defRPr sz="5096"/>
-            </a:pPr>
-            <a:r>
-              <a:t>r即running，表示正在跑的任务数</a:t>
-            </a:r>
-          </a:p>
-          <a:p>
-            <a:pPr marL="622300" indent="-622300" defTabSz="808990">
-              <a:spcBef>
-                <a:spcPts val="5700"/>
-              </a:spcBef>
-              <a:defRPr sz="5096"/>
-            </a:pPr>
-            <a:r>
-              <a:t>b即blocked，表示被阻塞的任务数</a:t>
-            </a:r>
-          </a:p>
-          <a:p>
-            <a:pPr marL="622300" indent="-622300" defTabSz="808990">
-              <a:spcBef>
-                <a:spcPts val="5700"/>
-              </a:spcBef>
-              <a:defRPr sz="5096"/>
-            </a:pPr>
-            <a:r>
-              <a:t>si表示有多少数据从交换分区读入内存</a:t>
-            </a:r>
-          </a:p>
-          <a:p>
-            <a:pPr marL="622300" indent="-622300" defTabSz="808990">
-              <a:spcBef>
-                <a:spcPts val="5700"/>
-              </a:spcBef>
-              <a:defRPr sz="5096"/>
-            </a:pPr>
-            <a:r>
-              <a:t>so表示有多少数据从内存写入交换分区</a:t>
-            </a:r>
-          </a:p>
-          <a:p>
-            <a:pPr marL="622300" indent="-622300" defTabSz="808990">
-              <a:spcBef>
-                <a:spcPts val="5700"/>
-              </a:spcBef>
-              <a:defRPr sz="5096"/>
-            </a:pPr>
-            <a:r>
-              <a:t>bi表示有多少数据从磁盘读入内存</a:t>
-            </a:r>
-          </a:p>
-          <a:p>
-            <a:pPr marL="622300" indent="-622300" defTabSz="808990">
-              <a:spcBef>
-                <a:spcPts val="5700"/>
-              </a:spcBef>
-              <a:defRPr sz="5096"/>
-            </a:pPr>
-            <a:r>
-              <a:t>bo表示有多少数据从内存写入磁盘</a:t>
-            </a:r>
-          </a:p>
-        </p:txBody>
-      </p:sp>
-      <p:sp>
-        <p:nvSpPr>
-          <p:cNvPr id="150" name="Shape 150"/>
-          <p:cNvSpPr/>
-          <p:nvPr/>
-        </p:nvSpPr>
-        <p:spPr>
-          <a:xfrm>
-            <a:off x="14578917" y="3136900"/>
-            <a:ext cx="8197292" cy="9410701"/>
-          </a:xfrm>
-          <a:prstGeom prst="rect">
-            <a:avLst/>
-          </a:prstGeom>
-          <a:ln w="12700">
-            <a:miter lim="400000"/>
-          </a:ln>
-          <a:extLst>
-            <a:ext uri="{C572A759-6A51-4108-AA02-DFA0A04FC94B}">
-              <ma14:wrappingTextBoxFlag xmlns:ma14="http://schemas.microsoft.com/office/mac/drawingml/2011/main" val="1"/>
-            </a:ext>
-          </a:extLst>
-        </p:spPr>
-        <p:txBody>
-          <a:bodyPr wrap="none" lIns="50800" tIns="50800" rIns="50800" bIns="50800" anchor="ctr">
-            <a:spAutoFit/>
-          </a:bodyPr>
-          <a:lstStyle/>
-          <a:p>
-            <a:pPr marL="635000" indent="-635000" algn="l">
-              <a:spcBef>
-                <a:spcPts val="5900"/>
-              </a:spcBef>
-              <a:buSzPct val="75000"/>
-              <a:buChar char="•"/>
-              <a:defRPr sz="5200"/>
-            </a:pPr>
-            <a:r>
-              <a:t>简记：</a:t>
-            </a:r>
-          </a:p>
-          <a:p>
-            <a:pPr marL="635000" indent="-635000" algn="l">
-              <a:spcBef>
-                <a:spcPts val="5900"/>
-              </a:spcBef>
-              <a:buSzPct val="75000"/>
-              <a:buChar char="•"/>
-              <a:defRPr sz="5200"/>
-            </a:pPr>
-            <a:r>
-              <a:t>i --input，进入内存</a:t>
-            </a:r>
-          </a:p>
-          <a:p>
-            <a:pPr marL="635000" indent="-635000" algn="l">
-              <a:spcBef>
-                <a:spcPts val="5900"/>
-              </a:spcBef>
-              <a:buSzPct val="75000"/>
-              <a:buChar char="•"/>
-              <a:defRPr sz="5200"/>
-            </a:pPr>
-            <a:r>
-              <a:t>o --output，从内存出去</a:t>
-            </a:r>
-          </a:p>
-          <a:p>
-            <a:pPr marL="635000" indent="-635000" algn="l">
-              <a:spcBef>
-                <a:spcPts val="5900"/>
-              </a:spcBef>
-              <a:buSzPct val="75000"/>
-              <a:buChar char="•"/>
-              <a:defRPr sz="5200"/>
-            </a:pPr>
-            <a:r>
-              <a:t>s --swap，交换分区</a:t>
-            </a:r>
-          </a:p>
-          <a:p>
-            <a:pPr marL="635000" indent="-635000" algn="l">
-              <a:spcBef>
-                <a:spcPts val="5900"/>
-              </a:spcBef>
-              <a:buSzPct val="75000"/>
-              <a:buChar char="•"/>
-              <a:defRPr sz="5200"/>
-            </a:pPr>
-            <a:r>
-              <a:t>b --block，块设备，磁盘</a:t>
-            </a:r>
-          </a:p>
-          <a:p>
-            <a:pPr marL="635000" indent="-635000" algn="l">
-              <a:spcBef>
-                <a:spcPts val="5900"/>
-              </a:spcBef>
-              <a:buSzPct val="75000"/>
-              <a:buChar char="•"/>
-              <a:defRPr sz="5200"/>
-            </a:pPr>
-            <a:r>
-              <a:t>单位都是KB</a:t>
+            <a:r>
+              <a:t>load average即系统负载，三个数值分别表示一分钟、五分钟、十五分钟内系统的平均负载，即平均任务数。</a:t>
             </a:r>
           </a:p>
         </p:txBody>
@@ -3360,12 +3151,19 @@
   <p:clrMapOvr>
     <a:masterClrMapping/>
   </p:clrMapOvr>
-  <p:transition xmlns:p14="http://schemas.microsoft.com/office/powerpoint/2010/main" spd="med" advClick="1" p14:dur="1000"/>
+  <mc:AlternateContent xmlns:mc="http://schemas.openxmlformats.org/markup-compatibility/2006">
+    <mc:Choice xmlns:p14="http://schemas.microsoft.com/office/powerpoint/2010/main" Requires="p14">
+      <p:transition spd="med" p14:dur="1000"/>
+    </mc:Choice>
+    <mc:Fallback>
+      <p:transition spd="med"/>
+    </mc:Fallback>
+  </mc:AlternateContent>
 </p:sld>
 </file>
 
 <file path=ppt/slides/slide11.xml><?xml version="1.0" encoding="utf-8"?>
-<p:sld xmlns:a="http://schemas.openxmlformats.org/drawingml/2006/main" xmlns:r="http://schemas.openxmlformats.org/officeDocument/2006/relationships" xmlns:p="http://schemas.openxmlformats.org/presentationml/2006/main" showMasterSp="1" showMasterPhAnim="1">
+<p:sld xmlns:a="http://schemas.openxmlformats.org/drawingml/2006/main" xmlns:r="http://schemas.openxmlformats.org/officeDocument/2006/relationships" xmlns:p="http://schemas.openxmlformats.org/presentationml/2006/main">
   <p:cSld>
     <p:spTree>
       <p:nvGrpSpPr>
@@ -3383,10 +3181,37 @@
       </p:grpSpPr>
       <p:sp>
         <p:nvSpPr>
-          <p:cNvPr id="152" name="Shape 152"/>
+          <p:cNvPr id="148" name="Shape 148"/>
           <p:cNvSpPr/>
           <p:nvPr>
             <p:ph type="title"/>
+          </p:nvPr>
+        </p:nvSpPr>
+        <p:spPr>
+          <a:prstGeom prst="rect">
+            <a:avLst/>
+          </a:prstGeom>
+        </p:spPr>
+        <p:txBody>
+          <a:bodyPr/>
+          <a:lstStyle>
+            <a:lvl1pPr defTabSz="536575">
+              <a:defRPr sz="7280"/>
+            </a:lvl1pPr>
+          </a:lstStyle>
+          <a:p>
+            <a:r>
+              <a:t>vmstat中r, b, si, so, bi, bo 这几列表示什么含义呢？</a:t>
+            </a:r>
+          </a:p>
+        </p:txBody>
+      </p:sp>
+      <p:sp>
+        <p:nvSpPr>
+          <p:cNvPr id="149" name="Shape 149"/>
+          <p:cNvSpPr/>
+          <p:nvPr>
+            <p:ph type="body" idx="1"/>
           </p:nvPr>
         </p:nvSpPr>
         <p:spPr>
@@ -3398,51 +3223,172 @@
           <a:bodyPr/>
           <a:lstStyle/>
           <a:p>
-            <a:pPr/>
-            <a:r>
-              <a:t>使用top查看系统资源占用情况</a:t>
-            </a:r>
-          </a:p>
-        </p:txBody>
-      </p:sp>
-      <p:sp>
-        <p:nvSpPr>
-          <p:cNvPr id="153" name="Shape 153"/>
-          <p:cNvSpPr/>
-          <p:nvPr>
-            <p:ph type="body" idx="1"/>
-          </p:nvPr>
-        </p:nvSpPr>
-        <p:spPr>
-          <a:prstGeom prst="rect">
-            <a:avLst/>
-          </a:prstGeom>
-        </p:spPr>
-        <p:txBody>
-          <a:bodyPr/>
+            <a:pPr marL="622300" indent="-622300" defTabSz="808990">
+              <a:spcBef>
+                <a:spcPts val="5700"/>
+              </a:spcBef>
+              <a:defRPr sz="5095"/>
+            </a:pPr>
+            <a:r>
+              <a:t>r即running，表示正在跑的任务数</a:t>
+            </a:r>
+          </a:p>
+          <a:p>
+            <a:pPr marL="622300" indent="-622300" defTabSz="808990">
+              <a:spcBef>
+                <a:spcPts val="5700"/>
+              </a:spcBef>
+              <a:defRPr sz="5095"/>
+            </a:pPr>
+            <a:r>
+              <a:t>b即blocked，表示被阻塞的任务数</a:t>
+            </a:r>
+          </a:p>
+          <a:p>
+            <a:pPr marL="622300" indent="-622300" defTabSz="808990">
+              <a:spcBef>
+                <a:spcPts val="5700"/>
+              </a:spcBef>
+              <a:defRPr sz="5095"/>
+            </a:pPr>
+            <a:r>
+              <a:t>si表示有多少数据从交换分区读入内存</a:t>
+            </a:r>
+          </a:p>
+          <a:p>
+            <a:pPr marL="622300" indent="-622300" defTabSz="808990">
+              <a:spcBef>
+                <a:spcPts val="5700"/>
+              </a:spcBef>
+              <a:defRPr sz="5095"/>
+            </a:pPr>
+            <a:r>
+              <a:t>so表示有多少数据从内存写入交换分区</a:t>
+            </a:r>
+          </a:p>
+          <a:p>
+            <a:pPr marL="622300" indent="-622300" defTabSz="808990">
+              <a:spcBef>
+                <a:spcPts val="5700"/>
+              </a:spcBef>
+              <a:defRPr sz="5095"/>
+            </a:pPr>
+            <a:r>
+              <a:t>bi表示有多少数据从磁盘读入内存</a:t>
+            </a:r>
+          </a:p>
+          <a:p>
+            <a:pPr marL="622300" indent="-622300" defTabSz="808990">
+              <a:spcBef>
+                <a:spcPts val="5700"/>
+              </a:spcBef>
+              <a:defRPr sz="5095"/>
+            </a:pPr>
+            <a:r>
+              <a:t>bo表示有多少数据从内存写入磁盘</a:t>
+            </a:r>
+          </a:p>
+        </p:txBody>
+      </p:sp>
+      <p:sp>
+        <p:nvSpPr>
+          <p:cNvPr id="150" name="Shape 150"/>
+          <p:cNvSpPr/>
+          <p:nvPr/>
+        </p:nvSpPr>
+        <p:spPr>
+          <a:xfrm>
+            <a:off x="14578917" y="3136900"/>
+            <a:ext cx="8197292" cy="9410701"/>
+          </a:xfrm>
+          <a:prstGeom prst="rect">
+            <a:avLst/>
+          </a:prstGeom>
+          <a:ln w="12700">
+            <a:miter lim="400000"/>
+          </a:ln>
+        </p:spPr>
+        <p:txBody>
+          <a:bodyPr wrap="none" lIns="50800" tIns="50800" rIns="50800" bIns="50800" anchor="ctr">
+            <a:spAutoFit/>
+          </a:bodyPr>
           <a:lstStyle/>
           <a:p>
-            <a:pPr/>
-            <a:r>
-              <a:t>VIRT虚拟内存用量</a:t>
-            </a:r>
-          </a:p>
-          <a:p>
-            <a:pPr/>
-            <a:r>
-              <a:t>RES物理内存用量</a:t>
-            </a:r>
-          </a:p>
-          <a:p>
-            <a:pPr/>
-            <a:r>
-              <a:t>SHR共享内存用量</a:t>
-            </a:r>
-          </a:p>
-          <a:p>
-            <a:pPr/>
-            <a:r>
-              <a:t>MEM内存用量</a:t>
+            <a:pPr marL="635000" indent="-635000" algn="l">
+              <a:spcBef>
+                <a:spcPts val="5900"/>
+              </a:spcBef>
+              <a:buSzPct val="75000"/>
+              <a:buChar char="•"/>
+              <a:defRPr sz="5200"/>
+            </a:pPr>
+            <a:r>
+              <a:t>简记：</a:t>
+            </a:r>
+          </a:p>
+          <a:p>
+            <a:pPr marL="635000" indent="-635000" algn="l">
+              <a:spcBef>
+                <a:spcPts val="5900"/>
+              </a:spcBef>
+              <a:buSzPct val="75000"/>
+              <a:buChar char="•"/>
+              <a:defRPr sz="5200"/>
+            </a:pPr>
+            <a:r>
+              <a:t>i --input，进入内存</a:t>
+            </a:r>
+          </a:p>
+          <a:p>
+            <a:pPr marL="635000" indent="-635000" algn="l">
+              <a:spcBef>
+                <a:spcPts val="5900"/>
+              </a:spcBef>
+              <a:buSzPct val="75000"/>
+              <a:buChar char="•"/>
+              <a:defRPr sz="5200"/>
+            </a:pPr>
+            <a:r>
+              <a:t>o --output，从内存出去</a:t>
+            </a:r>
+          </a:p>
+          <a:p>
+            <a:pPr marL="635000" indent="-635000" algn="l">
+              <a:spcBef>
+                <a:spcPts val="5900"/>
+              </a:spcBef>
+              <a:buSzPct val="75000"/>
+              <a:buChar char="•"/>
+              <a:defRPr sz="5200"/>
+            </a:pPr>
+            <a:r>
+              <a:t>s --swap，交换分区</a:t>
+            </a:r>
+          </a:p>
+          <a:p>
+            <a:pPr marL="635000" indent="-635000" algn="l">
+              <a:spcBef>
+                <a:spcPts val="5900"/>
+              </a:spcBef>
+              <a:buSzPct val="75000"/>
+              <a:buChar char="•"/>
+              <a:defRPr sz="5200"/>
+            </a:pPr>
+            <a:r>
+              <a:t>b --block，块设备，磁盘</a:t>
+            </a:r>
+          </a:p>
+          <a:p>
+            <a:pPr marL="635000" indent="-635000" algn="l">
+              <a:spcBef>
+                <a:spcPts val="5900"/>
+              </a:spcBef>
+              <a:buSzPct val="75000"/>
+              <a:buChar char="•"/>
+              <a:defRPr sz="5200"/>
+            </a:pPr>
+            <a:r>
+              <a:t>单位都是KB</a:t>
             </a:r>
           </a:p>
         </p:txBody>
@@ -3452,12 +3398,19 @@
   <p:clrMapOvr>
     <a:masterClrMapping/>
   </p:clrMapOvr>
-  <p:transition xmlns:p14="http://schemas.microsoft.com/office/powerpoint/2010/main" spd="med" advClick="1" p14:dur="1000"/>
+  <mc:AlternateContent xmlns:mc="http://schemas.openxmlformats.org/markup-compatibility/2006">
+    <mc:Choice xmlns:p14="http://schemas.microsoft.com/office/powerpoint/2010/main" Requires="p14">
+      <p:transition spd="med" p14:dur="1000"/>
+    </mc:Choice>
+    <mc:Fallback>
+      <p:transition spd="med"/>
+    </mc:Fallback>
+  </mc:AlternateContent>
 </p:sld>
 </file>
 
 <file path=ppt/slides/slide12.xml><?xml version="1.0" encoding="utf-8"?>
-<p:sld xmlns:a="http://schemas.openxmlformats.org/drawingml/2006/main" xmlns:r="http://schemas.openxmlformats.org/officeDocument/2006/relationships" xmlns:p="http://schemas.openxmlformats.org/presentationml/2006/main" showMasterSp="1" showMasterPhAnim="1">
+<p:sld xmlns:a="http://schemas.openxmlformats.org/drawingml/2006/main" xmlns:r="http://schemas.openxmlformats.org/officeDocument/2006/relationships" xmlns:p="http://schemas.openxmlformats.org/presentationml/2006/main">
   <p:cSld>
     <p:spTree>
       <p:nvGrpSpPr>
@@ -3475,10 +3428,37 @@
       </p:grpSpPr>
       <p:sp>
         <p:nvSpPr>
-          <p:cNvPr id="155" name="Shape 155"/>
+          <p:cNvPr id="158" name="Shape 158"/>
           <p:cNvSpPr/>
           <p:nvPr>
             <p:ph type="title"/>
+          </p:nvPr>
+        </p:nvSpPr>
+        <p:spPr>
+          <a:prstGeom prst="rect">
+            <a:avLst/>
+          </a:prstGeom>
+        </p:spPr>
+        <p:txBody>
+          <a:bodyPr/>
+          <a:lstStyle>
+            <a:lvl1pPr defTabSz="553085">
+              <a:defRPr sz="7505"/>
+            </a:lvl1pPr>
+          </a:lstStyle>
+          <a:p>
+            <a:r>
+              <a:t>Linux系统里，您知道buffer和cache如何区分吗？</a:t>
+            </a:r>
+          </a:p>
+        </p:txBody>
+      </p:sp>
+      <p:sp>
+        <p:nvSpPr>
+          <p:cNvPr id="159" name="Shape 159"/>
+          <p:cNvSpPr/>
+          <p:nvPr>
+            <p:ph type="body" idx="1"/>
           </p:nvPr>
         </p:nvSpPr>
         <p:spPr>
@@ -3490,45 +3470,13 @@
           <a:bodyPr/>
           <a:lstStyle/>
           <a:p>
-            <a:pPr/>
-            <a:r>
-              <a:t>rsync</a:t>
-            </a:r>
-          </a:p>
-        </p:txBody>
-      </p:sp>
-      <p:sp>
-        <p:nvSpPr>
-          <p:cNvPr id="156" name="Shape 156"/>
-          <p:cNvSpPr/>
-          <p:nvPr>
-            <p:ph type="body" idx="1"/>
-          </p:nvPr>
-        </p:nvSpPr>
-        <p:spPr>
-          <a:prstGeom prst="rect">
-            <a:avLst/>
-          </a:prstGeom>
-        </p:spPr>
-        <p:txBody>
-          <a:bodyPr/>
-          <a:lstStyle/>
-          <a:p>
-            <a:pPr/>
-            <a:r>
-              <a:t>sudo apt install rsync</a:t>
-            </a:r>
-          </a:p>
-          <a:p>
-            <a:pPr/>
-            <a:r>
-              <a:t>rsync命令的基本语法：rsync options source destination</a:t>
-            </a:r>
-          </a:p>
-          <a:p>
-            <a:pPr/>
-            <a:r>
-              <a:t>常见选项-v：详细；-r：将数据递归（但不保存时间戳和权限，同时传输数据；-a：归档模式下，归档模式允许递归地拷贝文件，同时也保留了符号链接，文件权限，用户组所有权和时间戳；-z：压缩文件中的数据；-h：在人类可读的格式输出数字；-e：想使用的协议名称，比如ssh；-progress：显示完成传输的文件和剩余时间。</a:t>
+            <a:r>
+              <a:t>buffer和cache都是内存中的一块区域，当CPU需要写数据到磁盘时，由于磁盘速度比较慢，所以CPU先把数据存进buffer，然后CPU去执行其他任务，buffer中的数据会定期写入磁盘；</a:t>
+            </a:r>
+          </a:p>
+          <a:p>
+            <a:r>
+              <a:t>当CPU需要从磁盘读入数据时，由于磁盘速度比较慢，可以把即将用到的数据提前存入cache，CPU直接从Cache中拿数据要快的多。</a:t>
             </a:r>
           </a:p>
         </p:txBody>
@@ -3538,12 +3486,19 @@
   <p:clrMapOvr>
     <a:masterClrMapping/>
   </p:clrMapOvr>
-  <p:transition xmlns:p14="http://schemas.microsoft.com/office/powerpoint/2010/main" spd="med" advClick="1" p14:dur="1000"/>
+  <mc:AlternateContent xmlns:mc="http://schemas.openxmlformats.org/markup-compatibility/2006">
+    <mc:Choice xmlns:p14="http://schemas.microsoft.com/office/powerpoint/2010/main" Requires="p14">
+      <p:transition spd="med" p14:dur="1000"/>
+    </mc:Choice>
+    <mc:Fallback>
+      <p:transition spd="med"/>
+    </mc:Fallback>
+  </mc:AlternateContent>
 </p:sld>
 </file>
 
 <file path=ppt/slides/slide13.xml><?xml version="1.0" encoding="utf-8"?>
-<p:sld xmlns:a="http://schemas.openxmlformats.org/drawingml/2006/main" xmlns:r="http://schemas.openxmlformats.org/officeDocument/2006/relationships" xmlns:p="http://schemas.openxmlformats.org/presentationml/2006/main" showMasterSp="1" showMasterPhAnim="1">
+<p:sld xmlns:a="http://schemas.openxmlformats.org/drawingml/2006/main" xmlns:r="http://schemas.openxmlformats.org/officeDocument/2006/relationships" xmlns:p="http://schemas.openxmlformats.org/presentationml/2006/main">
   <p:cSld>
     <p:spTree>
       <p:nvGrpSpPr>
@@ -3561,38 +3516,10 @@
       </p:grpSpPr>
       <p:sp>
         <p:nvSpPr>
-          <p:cNvPr id="158" name="Shape 158"/>
+          <p:cNvPr id="152" name="Shape 152"/>
           <p:cNvSpPr/>
           <p:nvPr>
             <p:ph type="title"/>
-          </p:nvPr>
-        </p:nvSpPr>
-        <p:spPr>
-          <a:prstGeom prst="rect">
-            <a:avLst/>
-          </a:prstGeom>
-        </p:spPr>
-        <p:txBody>
-          <a:bodyPr/>
-          <a:lstStyle>
-            <a:lvl1pPr defTabSz="553084">
-              <a:defRPr sz="7504"/>
-            </a:lvl1pPr>
-          </a:lstStyle>
-          <a:p>
-            <a:pPr/>
-            <a:r>
-              <a:t>Linux系统里，您知道buffer和cache如何区分吗？</a:t>
-            </a:r>
-          </a:p>
-        </p:txBody>
-      </p:sp>
-      <p:sp>
-        <p:nvSpPr>
-          <p:cNvPr id="159" name="Shape 159"/>
-          <p:cNvSpPr/>
-          <p:nvPr>
-            <p:ph type="body" idx="1"/>
           </p:nvPr>
         </p:nvSpPr>
         <p:spPr>
@@ -3604,15 +3531,48 @@
           <a:bodyPr/>
           <a:lstStyle/>
           <a:p>
-            <a:pPr/>
-            <a:r>
-              <a:t>buffer和cache都是内存中的一块区域，当CPU需要写数据到磁盘时，由于磁盘速度比较慢，所以CPU先把数据存进buffer，然后CPU去执行其他任务，buffer中的数据会定期写入磁盘；</a:t>
-            </a:r>
-          </a:p>
-          <a:p>
-            <a:pPr/>
-            <a:r>
-              <a:t>当CPU需要从磁盘读入数据时，由于磁盘速度比较慢，可以把即将用到的数据提前存入cache，CPU直接从Cache中拿数据要快的多。</a:t>
+            <a:r>
+              <a:rPr lang="en-US"/>
+              <a:t>ps</a:t>
+            </a:r>
+            <a:endParaRPr lang="en-US"/>
+          </a:p>
+        </p:txBody>
+      </p:sp>
+      <p:sp>
+        <p:nvSpPr>
+          <p:cNvPr id="153" name="Shape 153"/>
+          <p:cNvSpPr/>
+          <p:nvPr>
+            <p:ph type="body" idx="1"/>
+          </p:nvPr>
+        </p:nvSpPr>
+        <p:spPr>
+          <a:prstGeom prst="rect">
+            <a:avLst/>
+          </a:prstGeom>
+        </p:spPr>
+        <p:txBody>
+          <a:bodyPr/>
+          <a:lstStyle/>
+          <a:p>
+            <a:r>
+              <a:t>VIRT虚拟内存用量</a:t>
+            </a:r>
+          </a:p>
+          <a:p>
+            <a:r>
+              <a:t>RES物理内存用量</a:t>
+            </a:r>
+          </a:p>
+          <a:p>
+            <a:r>
+              <a:t>SHR共享内存用量</a:t>
+            </a:r>
+          </a:p>
+          <a:p>
+            <a:r>
+              <a:t>MEM内存用量</a:t>
             </a:r>
           </a:p>
         </p:txBody>
@@ -3622,12 +3582,19 @@
   <p:clrMapOvr>
     <a:masterClrMapping/>
   </p:clrMapOvr>
-  <p:transition xmlns:p14="http://schemas.microsoft.com/office/powerpoint/2010/main" spd="med" advClick="1" p14:dur="1000"/>
+  <mc:AlternateContent xmlns:mc="http://schemas.openxmlformats.org/markup-compatibility/2006">
+    <mc:Choice xmlns:p14="http://schemas.microsoft.com/office/powerpoint/2010/main" Requires="p14">
+      <p:transition spd="med" p14:dur="1000"/>
+    </mc:Choice>
+    <mc:Fallback>
+      <p:transition spd="med"/>
+    </mc:Fallback>
+  </mc:AlternateContent>
 </p:sld>
 </file>
 
-<file path=ppt/slides/slide2.xml><?xml version="1.0" encoding="utf-8"?>
-<p:sld xmlns:a="http://schemas.openxmlformats.org/drawingml/2006/main" xmlns:r="http://schemas.openxmlformats.org/officeDocument/2006/relationships" xmlns:p="http://schemas.openxmlformats.org/presentationml/2006/main" showMasterSp="1" showMasterPhAnim="1">
+<file path=ppt/slides/slide14.xml><?xml version="1.0" encoding="utf-8"?>
+<p:sld xmlns:a="http://schemas.openxmlformats.org/drawingml/2006/main" xmlns:r="http://schemas.openxmlformats.org/officeDocument/2006/relationships" xmlns:p="http://schemas.openxmlformats.org/presentationml/2006/main">
   <p:cSld>
     <p:spTree>
       <p:nvGrpSpPr>
@@ -3645,7 +3612,7 @@
       </p:grpSpPr>
       <p:sp>
         <p:nvSpPr>
-          <p:cNvPr id="124" name="Shape 124"/>
+          <p:cNvPr id="152" name="Shape 152"/>
           <p:cNvSpPr/>
           <p:nvPr>
             <p:ph type="title"/>
@@ -3660,16 +3627,15 @@
           <a:bodyPr/>
           <a:lstStyle/>
           <a:p>
-            <a:pPr/>
-            <a:r>
-              <a:t>Linux文件属性有哪些？</a:t>
-            </a:r>
-          </a:p>
-        </p:txBody>
-      </p:sp>
-      <p:sp>
-        <p:nvSpPr>
-          <p:cNvPr id="125" name="Shape 125"/>
+            <a:r>
+              <a:t>top</a:t>
+            </a:r>
+          </a:p>
+        </p:txBody>
+      </p:sp>
+      <p:sp>
+        <p:nvSpPr>
+          <p:cNvPr id="153" name="Shape 153"/>
           <p:cNvSpPr/>
           <p:nvPr>
             <p:ph type="body" idx="1"/>
@@ -3684,21 +3650,23 @@
           <a:bodyPr/>
           <a:lstStyle/>
           <a:p>
-            <a:pPr/>
-            <a:r>
-              <a:t>$ ls -l</a:t>
-            </a:r>
-          </a:p>
-          <a:p>
-            <a:pPr/>
-            <a:r>
-              <a:t>-rwxr-xr-x    1 ubuntu     ubuntu      430540 Dec 23 18:27 example.file</a:t>
-            </a:r>
-          </a:p>
-          <a:p>
-            <a:pPr/>
-            <a:r>
-              <a:t>文件的类型和权限、硬链接个数、User、Group、文件大小、日期、文件名</a:t>
+            <a:r>
+              <a:t>VIRT虚拟内存用量</a:t>
+            </a:r>
+          </a:p>
+          <a:p>
+            <a:r>
+              <a:t>RES物理内存用量</a:t>
+            </a:r>
+          </a:p>
+          <a:p>
+            <a:r>
+              <a:t>SHR共享内存用量</a:t>
+            </a:r>
+          </a:p>
+          <a:p>
+            <a:r>
+              <a:t>MEM内存用量</a:t>
             </a:r>
           </a:p>
         </p:txBody>
@@ -3708,12 +3676,19 @@
   <p:clrMapOvr>
     <a:masterClrMapping/>
   </p:clrMapOvr>
-  <p:transition xmlns:p14="http://schemas.microsoft.com/office/powerpoint/2010/main" spd="med" advClick="1" p14:dur="1000"/>
+  <mc:AlternateContent xmlns:mc="http://schemas.openxmlformats.org/markup-compatibility/2006">
+    <mc:Choice xmlns:p14="http://schemas.microsoft.com/office/powerpoint/2010/main" Requires="p14">
+      <p:transition spd="med" p14:dur="1000"/>
+    </mc:Choice>
+    <mc:Fallback>
+      <p:transition spd="med"/>
+    </mc:Fallback>
+  </mc:AlternateContent>
 </p:sld>
 </file>
 
-<file path=ppt/slides/slide3.xml><?xml version="1.0" encoding="utf-8"?>
-<p:sld xmlns:a="http://schemas.openxmlformats.org/drawingml/2006/main" xmlns:r="http://schemas.openxmlformats.org/officeDocument/2006/relationships" xmlns:p="http://schemas.openxmlformats.org/presentationml/2006/main" showMasterSp="1" showMasterPhAnim="1">
+<file path=ppt/slides/slide15.xml><?xml version="1.0" encoding="utf-8"?>
+<p:sld xmlns:a="http://schemas.openxmlformats.org/drawingml/2006/main" xmlns:r="http://schemas.openxmlformats.org/officeDocument/2006/relationships" xmlns:p="http://schemas.openxmlformats.org/presentationml/2006/main">
   <p:cSld>
     <p:spTree>
       <p:nvGrpSpPr>
@@ -3731,10 +3706,37 @@
       </p:grpSpPr>
       <p:sp>
         <p:nvSpPr>
-          <p:cNvPr id="127" name="Shape 127"/>
+          <p:cNvPr id="158" name="Shape 158"/>
           <p:cNvSpPr/>
           <p:nvPr>
             <p:ph type="title"/>
+          </p:nvPr>
+        </p:nvSpPr>
+        <p:spPr>
+          <a:prstGeom prst="rect">
+            <a:avLst/>
+          </a:prstGeom>
+        </p:spPr>
+        <p:txBody>
+          <a:bodyPr/>
+          <a:lstStyle>
+            <a:lvl1pPr defTabSz="553085">
+              <a:defRPr sz="7505"/>
+            </a:lvl1pPr>
+          </a:lstStyle>
+          <a:p>
+            <a:r>
+              <a:t>如何可以把系统中不用的服务关掉？</a:t>
+            </a:r>
+          </a:p>
+        </p:txBody>
+      </p:sp>
+      <p:sp>
+        <p:nvSpPr>
+          <p:cNvPr id="159" name="Shape 159"/>
+          <p:cNvSpPr/>
+          <p:nvPr>
+            <p:ph type="body" idx="1"/>
           </p:nvPr>
         </p:nvSpPr>
         <p:spPr>
@@ -3746,58 +3748,21 @@
           <a:bodyPr/>
           <a:lstStyle/>
           <a:p>
-            <a:pPr/>
-            <a:r>
-              <a:t>修改所属的用户或组</a:t>
-            </a:r>
-          </a:p>
-        </p:txBody>
-      </p:sp>
-      <p:sp>
-        <p:nvSpPr>
-          <p:cNvPr id="128" name="Shape 128"/>
-          <p:cNvSpPr/>
-          <p:nvPr>
-            <p:ph type="body" idx="1"/>
-          </p:nvPr>
-        </p:nvSpPr>
-        <p:spPr>
-          <a:prstGeom prst="rect">
-            <a:avLst/>
-          </a:prstGeom>
-        </p:spPr>
-        <p:txBody>
-          <a:bodyPr/>
-          <a:lstStyle/>
-          <a:p>
-            <a:pPr/>
-            <a:r>
-              <a:t>chown username filename</a:t>
-            </a:r>
-          </a:p>
-          <a:p>
-            <a:pPr/>
-            <a:r>
-              <a:t>chgrp groupname filename</a:t>
-            </a:r>
-          </a:p>
-          <a:p>
-            <a:pPr/>
-            <a:r>
-              <a:t>chown username.groupname filename</a:t>
-            </a:r>
-          </a:p>
-          <a:p>
-            <a:pPr/>
-            <a:r>
-              <a:t>chown 和 chgrp 都有一个 -R 选项，该选项可以用来告诉它们递归地将所属权和组改变应用到整个目录树中</a:t>
-            </a:r>
-          </a:p>
-          <a:p>
-            <a:pPr/>
-            <a:r>
-              <a:t>chown -R ubuntu /home/ubuntu</a:t>
-            </a:r>
+            <a:r>
+              <a:t>service --status-all</a:t>
+            </a:r>
+          </a:p>
+          <a:p>
+            <a:r>
+              <a:t>service nginx </a:t>
+            </a:r>
+            <a:r>
+              <a:rPr lang="en-US"/>
+              <a:t>stop/start/restart</a:t>
+            </a:r>
+            <a:endParaRPr lang="zh-CN" altLang="en-US">
+              <a:ea typeface="宋体" panose="02010600030101010101" pitchFamily="2" charset="-122"/>
+            </a:endParaRPr>
           </a:p>
         </p:txBody>
       </p:sp>
@@ -3806,12 +3771,19 @@
   <p:clrMapOvr>
     <a:masterClrMapping/>
   </p:clrMapOvr>
-  <p:transition xmlns:p14="http://schemas.microsoft.com/office/powerpoint/2010/main" spd="med" advClick="1" p14:dur="1000"/>
+  <mc:AlternateContent xmlns:mc="http://schemas.openxmlformats.org/markup-compatibility/2006">
+    <mc:Choice xmlns:p14="http://schemas.microsoft.com/office/powerpoint/2010/main" Requires="p14">
+      <p:transition spd="med" p14:dur="1000"/>
+    </mc:Choice>
+    <mc:Fallback>
+      <p:transition spd="med"/>
+    </mc:Fallback>
+  </mc:AlternateContent>
 </p:sld>
 </file>
 
-<file path=ppt/slides/slide4.xml><?xml version="1.0" encoding="utf-8"?>
-<p:sld xmlns:a="http://schemas.openxmlformats.org/drawingml/2006/main" xmlns:r="http://schemas.openxmlformats.org/officeDocument/2006/relationships" xmlns:p="http://schemas.openxmlformats.org/presentationml/2006/main" showMasterSp="1" showMasterPhAnim="1">
+<file path=ppt/slides/slide16.xml><?xml version="1.0" encoding="utf-8"?>
+<p:sld xmlns:a="http://schemas.openxmlformats.org/drawingml/2006/main" xmlns:r="http://schemas.openxmlformats.org/officeDocument/2006/relationships" xmlns:p="http://schemas.openxmlformats.org/presentationml/2006/main">
   <p:cSld>
     <p:spTree>
       <p:nvGrpSpPr>
@@ -3829,7 +3801,7 @@
       </p:grpSpPr>
       <p:sp>
         <p:nvSpPr>
-          <p:cNvPr id="130" name="Shape 130"/>
+          <p:cNvPr id="158" name="Shape 158"/>
           <p:cNvSpPr/>
           <p:nvPr>
             <p:ph type="title"/>
@@ -3841,97 +3813,79 @@
           </a:prstGeom>
         </p:spPr>
         <p:txBody>
-          <a:bodyPr/>
+          <a:bodyPr>
+            <a:normAutofit/>
+          </a:bodyPr>
+          <a:lstStyle>
+            <a:lvl1pPr defTabSz="553085">
+              <a:defRPr sz="7505"/>
+            </a:lvl1pPr>
+          </a:lstStyle>
+          <a:p>
+            <a:r>
+              <a:t>ubuntu</a:t>
+            </a:r>
+            <a:r>
+              <a:rPr lang="zh-CN">
+                <a:ea typeface="宋体" panose="02010600030101010101" pitchFamily="2" charset="-122"/>
+              </a:rPr>
+              <a:t>的</a:t>
+            </a:r>
+            <a:r>
+              <a:t>日志文件</a:t>
+            </a:r>
+          </a:p>
+        </p:txBody>
+      </p:sp>
+      <p:sp>
+        <p:nvSpPr>
+          <p:cNvPr id="159" name="Shape 159"/>
+          <p:cNvSpPr/>
+          <p:nvPr>
+            <p:ph type="body" idx="1"/>
+          </p:nvPr>
+        </p:nvSpPr>
+        <p:spPr>
+          <a:prstGeom prst="rect">
+            <a:avLst/>
+          </a:prstGeom>
+        </p:spPr>
+        <p:txBody>
+          <a:bodyPr>
+            <a:normAutofit lnSpcReduction="10000"/>
+          </a:bodyPr>
           <a:lstStyle/>
           <a:p>
-            <a:pPr/>
-            <a:r>
-              <a:t>文件属性与权限操作</a:t>
-            </a:r>
-          </a:p>
-        </p:txBody>
-      </p:sp>
-      <p:sp>
-        <p:nvSpPr>
-          <p:cNvPr id="131" name="Shape 131"/>
-          <p:cNvSpPr/>
-          <p:nvPr>
-            <p:ph type="body" idx="1"/>
-          </p:nvPr>
-        </p:nvSpPr>
-        <p:spPr>
-          <a:prstGeom prst="rect">
-            <a:avLst/>
-          </a:prstGeom>
-        </p:spPr>
-        <p:txBody>
-          <a:bodyPr/>
-          <a:lstStyle/>
-          <a:p>
-            <a:pPr marL="469900" indent="-469900" defTabSz="610870">
-              <a:spcBef>
-                <a:spcPts val="4300"/>
-              </a:spcBef>
-              <a:defRPr sz="3848"/>
-            </a:pPr>
-            <a:r>
-              <a:t>Linux的权限只有rwx三种：</a:t>
-            </a:r>
-          </a:p>
-          <a:p>
-            <a:pPr marL="469900" indent="-469900" defTabSz="610870">
-              <a:spcBef>
-                <a:spcPts val="4300"/>
-              </a:spcBef>
-              <a:defRPr sz="3848"/>
-            </a:pPr>
-            <a:r>
-              <a:t>r(Read，读取)：对文件而言，具有读取文件内容的权限；对目录来说，具有浏览目录的权限。</a:t>
-            </a:r>
-          </a:p>
-          <a:p>
-            <a:pPr marL="469900" indent="-469900" defTabSz="610870">
-              <a:spcBef>
-                <a:spcPts val="4300"/>
-              </a:spcBef>
-              <a:defRPr sz="3848"/>
-            </a:pPr>
-            <a:r>
-              <a:t>w(Write,写入)：对文件而言，具有新增,修改,删除文件内容的权限；对目录来说，具有新建，删除，修改，移动目录内文件的权限。</a:t>
-            </a:r>
-          </a:p>
-          <a:p>
-            <a:pPr marL="469900" indent="-469900" defTabSz="610870">
-              <a:spcBef>
-                <a:spcPts val="4300"/>
-              </a:spcBef>
-              <a:defRPr sz="3848"/>
-            </a:pPr>
-            <a:r>
-              <a:t>x(eXecute，执行)：对文件而言，具有执行文件的权限；对目录了来说该用户具有进入目录的权限。</a:t>
-            </a:r>
-          </a:p>
-          <a:p>
-            <a:pPr marL="469900" indent="-469900" defTabSz="610870">
-              <a:spcBef>
-                <a:spcPts val="4300"/>
-              </a:spcBef>
-              <a:defRPr sz="3848"/>
-            </a:pPr>
-            <a:r>
-              <a:t>例如drwxrwxrwx，文件类型、User、Group、Others</a:t>
-            </a:r>
-          </a:p>
-          <a:p>
-            <a:pPr marL="469900" indent="-469900" defTabSz="610870">
-              <a:spcBef>
-                <a:spcPts val="4300"/>
-              </a:spcBef>
-              <a:defRPr sz="3848"/>
-            </a:pPr>
-            <a:r>
-              <a:t>文件类型除了“-”普通文件外，“d”目录、“l”符号链接、“c”字符专门设备文件、“b”块专门设备文件、“p”先进先出、“s”套接字</a:t>
-            </a:r>
+            <a:r>
+              <a:t>/var/log/apt/   -用apt-get安装卸载软件的信息</a:t>
+            </a:r>
+          </a:p>
+          <a:p>
+            <a:r>
+              <a:t>/var/log/auth.log  -登录认证log</a:t>
+            </a:r>
+          </a:p>
+          <a:p>
+            <a:r>
+              <a:t>/var/log/faillog    - 包含用户登录失败信息。此外，错误登录命令也会记录在本文件中。</a:t>
+            </a:r>
+          </a:p>
+          <a:p>
+            <a:r>
+              <a:t>/var/log/wtmp —包含登录信息。使用wtmp可以找出谁正在登陆进入系统，谁使用命令显示这个文件或信息等</a:t>
+            </a:r>
+          </a:p>
+          <a:p>
+            <a:r>
+              <a:rPr lang="en-US"/>
+              <a:t>dmesg</a:t>
+            </a:r>
+            <a:r>
+              <a:t> –包含内核产生的日志，有助于在定制内核时解决问题。</a:t>
+            </a:r>
+          </a:p>
+          <a:p>
+            <a:endParaRPr lang="en-US"/>
           </a:p>
         </p:txBody>
       </p:sp>
@@ -3940,12 +3894,19 @@
   <p:clrMapOvr>
     <a:masterClrMapping/>
   </p:clrMapOvr>
-  <p:transition xmlns:p14="http://schemas.microsoft.com/office/powerpoint/2010/main" spd="med" advClick="1" p14:dur="1000"/>
+  <mc:AlternateContent xmlns:mc="http://schemas.openxmlformats.org/markup-compatibility/2006">
+    <mc:Choice xmlns:p14="http://schemas.microsoft.com/office/powerpoint/2010/main" Requires="p14">
+      <p:transition spd="med" p14:dur="1000"/>
+    </mc:Choice>
+    <mc:Fallback>
+      <p:transition spd="med"/>
+    </mc:Fallback>
+  </mc:AlternateContent>
 </p:sld>
 </file>
 
-<file path=ppt/slides/slide5.xml><?xml version="1.0" encoding="utf-8"?>
-<p:sld xmlns:a="http://schemas.openxmlformats.org/drawingml/2006/main" xmlns:r="http://schemas.openxmlformats.org/officeDocument/2006/relationships" xmlns:p="http://schemas.openxmlformats.org/presentationml/2006/main" showMasterSp="1" showMasterPhAnim="1">
+<file path=ppt/slides/slide17.xml><?xml version="1.0" encoding="utf-8"?>
+<p:sld xmlns:a="http://schemas.openxmlformats.org/drawingml/2006/main" xmlns:r="http://schemas.openxmlformats.org/officeDocument/2006/relationships" xmlns:p="http://schemas.openxmlformats.org/presentationml/2006/main">
   <p:cSld>
     <p:spTree>
       <p:nvGrpSpPr>
@@ -3963,10 +3924,37 @@
       </p:grpSpPr>
       <p:sp>
         <p:nvSpPr>
-          <p:cNvPr id="133" name="Shape 133"/>
+          <p:cNvPr id="158" name="Shape 158"/>
           <p:cNvSpPr/>
           <p:nvPr>
             <p:ph type="title"/>
+          </p:nvPr>
+        </p:nvSpPr>
+        <p:spPr>
+          <a:prstGeom prst="rect">
+            <a:avLst/>
+          </a:prstGeom>
+        </p:spPr>
+        <p:txBody>
+          <a:bodyPr/>
+          <a:lstStyle>
+            <a:lvl1pPr defTabSz="553085">
+              <a:defRPr sz="7505"/>
+            </a:lvl1pPr>
+          </a:lstStyle>
+          <a:p>
+            <a:r>
+              <a:t>xargs和exec</a:t>
+            </a:r>
+          </a:p>
+        </p:txBody>
+      </p:sp>
+      <p:sp>
+        <p:nvSpPr>
+          <p:cNvPr id="159" name="Shape 159"/>
+          <p:cNvSpPr/>
+          <p:nvPr>
+            <p:ph type="body" idx="1"/>
           </p:nvPr>
         </p:nvSpPr>
         <p:spPr>
@@ -3978,46 +3966,26 @@
           <a:bodyPr/>
           <a:lstStyle/>
           <a:p>
-            <a:pPr/>
-            <a:r>
-              <a:t>修改文件的权限</a:t>
-            </a:r>
-          </a:p>
-        </p:txBody>
-      </p:sp>
-      <p:sp>
-        <p:nvSpPr>
-          <p:cNvPr id="134" name="Shape 134"/>
-          <p:cNvSpPr/>
-          <p:nvPr>
-            <p:ph type="body" idx="1"/>
-          </p:nvPr>
-        </p:nvSpPr>
-        <p:spPr>
-          <a:prstGeom prst="rect">
-            <a:avLst/>
-          </a:prstGeom>
-        </p:spPr>
-        <p:txBody>
-          <a:bodyPr/>
-          <a:lstStyle/>
-          <a:p>
-            <a:pPr/>
-            <a:r>
-              <a:t>chmod [ugo][=+-][rwx] filename</a:t>
-            </a:r>
-          </a:p>
-          <a:p>
-            <a:pPr/>
-            <a:r>
-              <a:t>用三个八进制数表示文件权限</a:t>
-            </a:r>
-          </a:p>
-          <a:p>
-            <a:pPr/>
-            <a:r>
-              <a:t>chmod 777 filename = chmod ugo=rwx filename</a:t>
-            </a:r>
+            <a:r>
+              <a:rPr>
+                <a:sym typeface="+mn-ea"/>
+              </a:rPr>
+              <a:t>find   path   -option   [   -print ]   [ -exec   -ok   command ]   {} \;</a:t>
+            </a:r>
+            <a:endParaRPr>
+              <a:sym typeface="+mn-ea"/>
+            </a:endParaRPr>
+          </a:p>
+          <a:p>
+            <a:r>
+              <a:rPr lang="zh-CN" altLang="en-US">
+                <a:ea typeface="宋体" panose="02010600030101010101" pitchFamily="2" charset="-122"/>
+              </a:rPr>
+              <a:t>xargs从管道或者stdin中读取数据，但是它也能够从文件的输出中读取数据。xargs的默认命令是echo，这意味着通过管道传递给xargs的输入将会包含换行和空白，不过通过xargs的处理，换行和空白将被空格取代。</a:t>
+            </a:r>
+            <a:endParaRPr lang="zh-CN" altLang="en-US">
+              <a:ea typeface="宋体" panose="02010600030101010101" pitchFamily="2" charset="-122"/>
+            </a:endParaRPr>
           </a:p>
         </p:txBody>
       </p:sp>
@@ -4026,12 +3994,19 @@
   <p:clrMapOvr>
     <a:masterClrMapping/>
   </p:clrMapOvr>
-  <p:transition xmlns:p14="http://schemas.microsoft.com/office/powerpoint/2010/main" spd="med" advClick="1" p14:dur="1000"/>
+  <mc:AlternateContent xmlns:mc="http://schemas.openxmlformats.org/markup-compatibility/2006">
+    <mc:Choice xmlns:p14="http://schemas.microsoft.com/office/powerpoint/2010/main" Requires="p14">
+      <p:transition spd="med" p14:dur="1000"/>
+    </mc:Choice>
+    <mc:Fallback>
+      <p:transition spd="med"/>
+    </mc:Fallback>
+  </mc:AlternateContent>
 </p:sld>
 </file>
 
-<file path=ppt/slides/slide6.xml><?xml version="1.0" encoding="utf-8"?>
-<p:sld xmlns:a="http://schemas.openxmlformats.org/drawingml/2006/main" xmlns:r="http://schemas.openxmlformats.org/officeDocument/2006/relationships" xmlns:p="http://schemas.openxmlformats.org/presentationml/2006/main" showMasterSp="1" showMasterPhAnim="1">
+<file path=ppt/slides/slide18.xml><?xml version="1.0" encoding="utf-8"?>
+<p:sld xmlns:a="http://schemas.openxmlformats.org/drawingml/2006/main" xmlns:r="http://schemas.openxmlformats.org/officeDocument/2006/relationships" xmlns:p="http://schemas.openxmlformats.org/presentationml/2006/main">
   <p:cSld>
     <p:spTree>
       <p:nvGrpSpPr>
@@ -4049,7 +4024,7 @@
       </p:grpSpPr>
       <p:sp>
         <p:nvSpPr>
-          <p:cNvPr id="136" name="Shape 136"/>
+          <p:cNvPr id="155" name="Shape 155"/>
           <p:cNvSpPr/>
           <p:nvPr>
             <p:ph type="title"/>
@@ -4064,16 +4039,15 @@
           <a:bodyPr/>
           <a:lstStyle/>
           <a:p>
-            <a:pPr/>
-            <a:r>
-              <a:t>Linux的权限rwx的数值表示</a:t>
-            </a:r>
-          </a:p>
-        </p:txBody>
-      </p:sp>
-      <p:sp>
-        <p:nvSpPr>
-          <p:cNvPr id="137" name="Shape 137"/>
+            <a:r>
+              <a:t>rsync</a:t>
+            </a:r>
+          </a:p>
+        </p:txBody>
+      </p:sp>
+      <p:sp>
+        <p:nvSpPr>
+          <p:cNvPr id="156" name="Shape 156"/>
           <p:cNvSpPr/>
           <p:nvPr>
             <p:ph type="body" idx="1"/>
@@ -4088,91 +4062,18 @@
           <a:bodyPr/>
           <a:lstStyle/>
           <a:p>
-            <a:pPr marL="495300" indent="-495300" defTabSz="643889">
-              <a:spcBef>
-                <a:spcPts val="4600"/>
-              </a:spcBef>
-              <a:defRPr sz="4055"/>
-            </a:pPr>
-            <a:r>
-              <a:t>rwx 7 </a:t>
-            </a:r>
-          </a:p>
-          <a:p>
-            <a:pPr marL="495300" indent="-495300" defTabSz="643889">
-              <a:spcBef>
-                <a:spcPts val="4600"/>
-              </a:spcBef>
-              <a:defRPr sz="4055"/>
-            </a:pPr>
-            <a:r>
-              <a:t>rw- 6 </a:t>
-            </a:r>
-          </a:p>
-          <a:p>
-            <a:pPr marL="495300" indent="-495300" defTabSz="643889">
-              <a:spcBef>
-                <a:spcPts val="4600"/>
-              </a:spcBef>
-              <a:defRPr sz="4055"/>
-            </a:pPr>
-            <a:r>
-              <a:t>r-x 5 </a:t>
-            </a:r>
-          </a:p>
-          <a:p>
-            <a:pPr marL="495300" indent="-495300" defTabSz="643889">
-              <a:spcBef>
-                <a:spcPts val="4600"/>
-              </a:spcBef>
-              <a:defRPr sz="4055"/>
-            </a:pPr>
-            <a:r>
-              <a:t>r-- 4 </a:t>
-            </a:r>
-          </a:p>
-          <a:p>
-            <a:pPr marL="495300" indent="-495300" defTabSz="643889">
-              <a:spcBef>
-                <a:spcPts val="4600"/>
-              </a:spcBef>
-              <a:defRPr sz="4055"/>
-            </a:pPr>
-            <a:r>
-              <a:t>-wx 3 </a:t>
-            </a:r>
-          </a:p>
-          <a:p>
-            <a:pPr marL="495300" indent="-495300" defTabSz="643889">
-              <a:spcBef>
-                <a:spcPts val="4600"/>
-              </a:spcBef>
-              <a:defRPr sz="4055"/>
-            </a:pPr>
-            <a:r>
-              <a:t>-w- 2 </a:t>
-            </a:r>
-          </a:p>
-          <a:p>
-            <a:pPr marL="495300" indent="-495300" defTabSz="643889">
-              <a:spcBef>
-                <a:spcPts val="4600"/>
-              </a:spcBef>
-              <a:defRPr sz="4055"/>
-            </a:pPr>
-            <a:r>
-              <a:t>--x 1 </a:t>
-            </a:r>
-          </a:p>
-          <a:p>
-            <a:pPr marL="495300" indent="-495300" defTabSz="643889">
-              <a:spcBef>
-                <a:spcPts val="4600"/>
-              </a:spcBef>
-              <a:defRPr sz="4055"/>
-            </a:pPr>
-            <a:r>
-              <a:t>--- 0</a:t>
+            <a:r>
+              <a:t>sudo apt install rsync</a:t>
+            </a:r>
+          </a:p>
+          <a:p>
+            <a:r>
+              <a:t>rsync命令的基本语法：rsync options source destination</a:t>
+            </a:r>
+          </a:p>
+          <a:p>
+            <a:r>
+              <a:t>常见选项-v：详细；-r：将数据递归（但不保存时间戳和权限，同时传输数据；-a：归档模式下，归档模式允许递归地拷贝文件，同时也保留了符号链接，文件权限，用户组所有权和时间戳；-z：压缩文件中的数据；-h：在人类可读的格式输出数字；-e：想使用的协议名称，比如ssh；-progress：显示完成传输的文件和剩余时间。</a:t>
             </a:r>
           </a:p>
         </p:txBody>
@@ -4182,12 +4083,19 @@
   <p:clrMapOvr>
     <a:masterClrMapping/>
   </p:clrMapOvr>
-  <p:transition xmlns:p14="http://schemas.microsoft.com/office/powerpoint/2010/main" spd="med" advClick="1" p14:dur="1000"/>
+  <mc:AlternateContent xmlns:mc="http://schemas.openxmlformats.org/markup-compatibility/2006">
+    <mc:Choice xmlns:p14="http://schemas.microsoft.com/office/powerpoint/2010/main" Requires="p14">
+      <p:transition spd="med" p14:dur="1000"/>
+    </mc:Choice>
+    <mc:Fallback>
+      <p:transition spd="med"/>
+    </mc:Fallback>
+  </mc:AlternateContent>
 </p:sld>
 </file>
 
-<file path=ppt/slides/slide7.xml><?xml version="1.0" encoding="utf-8"?>
-<p:sld xmlns:a="http://schemas.openxmlformats.org/drawingml/2006/main" xmlns:r="http://schemas.openxmlformats.org/officeDocument/2006/relationships" xmlns:p="http://schemas.openxmlformats.org/presentationml/2006/main" showMasterSp="1" showMasterPhAnim="1">
+<file path=ppt/slides/slide19.xml><?xml version="1.0" encoding="utf-8"?>
+<p:sld xmlns:a="http://schemas.openxmlformats.org/drawingml/2006/main" xmlns:r="http://schemas.openxmlformats.org/officeDocument/2006/relationships" xmlns:p="http://schemas.openxmlformats.org/presentationml/2006/main">
   <p:cSld>
     <p:spTree>
       <p:nvGrpSpPr>
@@ -4205,38 +4113,10 @@
       </p:grpSpPr>
       <p:sp>
         <p:nvSpPr>
-          <p:cNvPr id="139" name="Shape 139"/>
+          <p:cNvPr id="155" name="Shape 155"/>
           <p:cNvSpPr/>
           <p:nvPr>
             <p:ph type="title"/>
-          </p:nvPr>
-        </p:nvSpPr>
-        <p:spPr>
-          <a:prstGeom prst="rect">
-            <a:avLst/>
-          </a:prstGeom>
-        </p:spPr>
-        <p:txBody>
-          <a:bodyPr/>
-          <a:lstStyle>
-            <a:lvl1pPr defTabSz="454025">
-              <a:defRPr sz="6160"/>
-            </a:lvl1pPr>
-          </a:lstStyle>
-          <a:p>
-            <a:pPr/>
-            <a:r>
-              <a:t>如果用户指定了一个密码文件，那么这个密码文件的权限应该设置成多少才合适？</a:t>
-            </a:r>
-          </a:p>
-        </p:txBody>
-      </p:sp>
-      <p:sp>
-        <p:nvSpPr>
-          <p:cNvPr id="140" name="Shape 140"/>
-          <p:cNvSpPr/>
-          <p:nvPr>
-            <p:ph type="body" idx="1"/>
           </p:nvPr>
         </p:nvSpPr>
         <p:spPr>
@@ -4248,17 +4128,53 @@
           <a:bodyPr/>
           <a:lstStyle/>
           <a:p>
-            <a:pPr/>
-            <a:r>
-              <a:t>600</a:t>
-            </a:r>
-          </a:p>
-          <a:p>
-            <a:pPr/>
-            <a:r>
-              <a:t>400</a:t>
-            </a:r>
-          </a:p>
+            <a:r>
+              <a:rPr lang="en-US">
+                <a:sym typeface="+mn-ea"/>
+              </a:rPr>
+              <a:t>s</a:t>
+            </a:r>
+            <a:r>
+              <a:rPr>
+                <a:sym typeface="+mn-ea"/>
+              </a:rPr>
+              <a:t>creen</a:t>
+            </a:r>
+            <a:endParaRPr>
+              <a:sym typeface="+mn-ea"/>
+            </a:endParaRPr>
+          </a:p>
+        </p:txBody>
+      </p:sp>
+      <p:sp>
+        <p:nvSpPr>
+          <p:cNvPr id="156" name="Shape 156"/>
+          <p:cNvSpPr/>
+          <p:nvPr>
+            <p:ph type="body" idx="1"/>
+          </p:nvPr>
+        </p:nvSpPr>
+        <p:spPr>
+          <a:prstGeom prst="rect">
+            <a:avLst/>
+          </a:prstGeom>
+        </p:spPr>
+        <p:txBody>
+          <a:bodyPr>
+            <a:normAutofit/>
+          </a:bodyPr>
+          <a:lstStyle/>
+          <a:p>
+            <a:r>
+              <a:t>sudo apt install screen</a:t>
+            </a:r>
+          </a:p>
+          <a:p>
+            <a:r>
+              <a:t>GNU Screen是一款由GNU计划开发的用于命令行终端切换的自由软件。用户可以通过该软件同时连接多个本地或远程的命令行会话，并在其间自由切换。GNU Screen可以看作是窗口管理器的命令行界面版本。它提供了统一的管理多个会话的界面和相应的功能。</a:t>
+            </a:r>
+          </a:p>
+          <a:p/>
         </p:txBody>
       </p:sp>
     </p:spTree>
@@ -4266,12 +4182,19 @@
   <p:clrMapOvr>
     <a:masterClrMapping/>
   </p:clrMapOvr>
-  <p:transition xmlns:p14="http://schemas.microsoft.com/office/powerpoint/2010/main" spd="med" advClick="1" p14:dur="1000"/>
+  <mc:AlternateContent xmlns:mc="http://schemas.openxmlformats.org/markup-compatibility/2006">
+    <mc:Choice xmlns:p14="http://schemas.microsoft.com/office/powerpoint/2010/main" Requires="p14">
+      <p:transition spd="med" p14:dur="1000"/>
+    </mc:Choice>
+    <mc:Fallback>
+      <p:transition spd="med"/>
+    </mc:Fallback>
+  </mc:AlternateContent>
 </p:sld>
 </file>
 
-<file path=ppt/slides/slide8.xml><?xml version="1.0" encoding="utf-8"?>
-<p:sld xmlns:a="http://schemas.openxmlformats.org/drawingml/2006/main" xmlns:r="http://schemas.openxmlformats.org/officeDocument/2006/relationships" xmlns:p="http://schemas.openxmlformats.org/presentationml/2006/main" showMasterSp="1" showMasterPhAnim="1">
+<file path=ppt/slides/slide2.xml><?xml version="1.0" encoding="utf-8"?>
+<p:sld xmlns:a="http://schemas.openxmlformats.org/drawingml/2006/main" xmlns:r="http://schemas.openxmlformats.org/officeDocument/2006/relationships" xmlns:p="http://schemas.openxmlformats.org/presentationml/2006/main">
   <p:cSld>
     <p:spTree>
       <p:nvGrpSpPr>
@@ -4289,38 +4212,10 @@
       </p:grpSpPr>
       <p:sp>
         <p:nvSpPr>
-          <p:cNvPr id="142" name="Shape 142"/>
+          <p:cNvPr id="124" name="Shape 124"/>
           <p:cNvSpPr/>
           <p:nvPr>
             <p:ph type="title"/>
-          </p:nvPr>
-        </p:nvSpPr>
-        <p:spPr>
-          <a:prstGeom prst="rect">
-            <a:avLst/>
-          </a:prstGeom>
-        </p:spPr>
-        <p:txBody>
-          <a:bodyPr/>
-          <a:lstStyle>
-            <a:lvl1pPr defTabSz="470534">
-              <a:defRPr sz="6384"/>
-            </a:lvl1pPr>
-          </a:lstStyle>
-          <a:p>
-            <a:pPr/>
-            <a:r>
-              <a:t>如何看当前Linux系统有几颗物理CPU和每颗CPU的核数？</a:t>
-            </a:r>
-          </a:p>
-        </p:txBody>
-      </p:sp>
-      <p:sp>
-        <p:nvSpPr>
-          <p:cNvPr id="143" name="Shape 143"/>
-          <p:cNvSpPr/>
-          <p:nvPr>
-            <p:ph type="body" idx="1"/>
           </p:nvPr>
         </p:nvSpPr>
         <p:spPr>
@@ -4332,16 +4227,89 @@
           <a:bodyPr/>
           <a:lstStyle/>
           <a:p>
-            <a:pPr/>
-            <a:r>
-              <a:t>cat /proc/cpuinfo|grep -c 'physical id’</a:t>
-            </a:r>
-          </a:p>
-          <a:p>
-            <a:pPr/>
-            <a:r>
-              <a:t>cat /proc/cpuinfo|grep -c 'processor'</a:t>
-            </a:r>
+            <a:r>
+              <a:rPr>
+                <a:sym typeface="+mn-ea"/>
+              </a:rPr>
+              <a:t>Linux常见试题解析</a:t>
+            </a:r>
+            <a:endParaRPr>
+              <a:sym typeface="+mn-ea"/>
+            </a:endParaRPr>
+          </a:p>
+        </p:txBody>
+      </p:sp>
+      <p:sp>
+        <p:nvSpPr>
+          <p:cNvPr id="125" name="Shape 125"/>
+          <p:cNvSpPr/>
+          <p:nvPr>
+            <p:ph type="body" idx="1"/>
+          </p:nvPr>
+        </p:nvSpPr>
+        <p:spPr>
+          <a:prstGeom prst="rect">
+            <a:avLst/>
+          </a:prstGeom>
+        </p:spPr>
+        <p:txBody>
+          <a:bodyPr/>
+          <a:lstStyle/>
+          <a:p>
+            <a:r>
+              <a:rPr lang="zh-CN">
+                <a:ea typeface="宋体" panose="02010600030101010101" pitchFamily="2" charset="-122"/>
+              </a:rPr>
+              <a:t>用户和权限</a:t>
+            </a:r>
+            <a:endParaRPr lang="zh-CN">
+              <a:ea typeface="宋体" panose="02010600030101010101" pitchFamily="2" charset="-122"/>
+            </a:endParaRPr>
+          </a:p>
+          <a:p>
+            <a:r>
+              <a:rPr lang="zh-CN">
+                <a:ea typeface="宋体" panose="02010600030101010101" pitchFamily="2" charset="-122"/>
+              </a:rPr>
+              <a:t>查看系统状态和负载情况：</a:t>
+            </a:r>
+            <a:r>
+              <a:rPr lang="en-US" altLang="zh-CN">
+                <a:ea typeface="宋体" panose="02010600030101010101" pitchFamily="2" charset="-122"/>
+              </a:rPr>
+              <a:t>CPU</a:t>
+            </a:r>
+            <a:r>
+              <a:rPr lang="zh-CN" altLang="en-US">
+                <a:ea typeface="宋体" panose="02010600030101010101" pitchFamily="2" charset="-122"/>
+              </a:rPr>
+              <a:t>、内存、进程等</a:t>
+            </a:r>
+            <a:endParaRPr lang="zh-CN" altLang="en-US">
+              <a:ea typeface="宋体" panose="02010600030101010101" pitchFamily="2" charset="-122"/>
+            </a:endParaRPr>
+          </a:p>
+          <a:p>
+            <a:r>
+              <a:rPr lang="zh-CN" altLang="en-US">
+                <a:ea typeface="宋体" panose="02010600030101010101" pitchFamily="2" charset="-122"/>
+              </a:rPr>
+              <a:t>网络排错和监控网络流量</a:t>
+            </a:r>
+            <a:endParaRPr lang="zh-CN" altLang="en-US">
+              <a:ea typeface="宋体" panose="02010600030101010101" pitchFamily="2" charset="-122"/>
+            </a:endParaRPr>
+          </a:p>
+          <a:p>
+            <a:r>
+              <a:rPr lang="zh-CN" altLang="en-US">
+                <a:ea typeface="宋体" panose="02010600030101010101" pitchFamily="2" charset="-122"/>
+              </a:rPr>
+              <a:t>系统日志</a:t>
+            </a:r>
+            <a:endParaRPr lang="zh-CN">
+              <a:ea typeface="宋体" panose="02010600030101010101" pitchFamily="2" charset="-122"/>
+            </a:endParaRPr>
           </a:p>
         </p:txBody>
       </p:sp>
@@ -4350,12 +4318,19 @@
   <p:clrMapOvr>
     <a:masterClrMapping/>
   </p:clrMapOvr>
-  <p:transition xmlns:p14="http://schemas.microsoft.com/office/powerpoint/2010/main" spd="med" advClick="1" p14:dur="1000"/>
+  <mc:AlternateContent xmlns:mc="http://schemas.openxmlformats.org/markup-compatibility/2006">
+    <mc:Choice xmlns:p14="http://schemas.microsoft.com/office/powerpoint/2010/main" Requires="p14">
+      <p:transition spd="med" p14:dur="1000"/>
+    </mc:Choice>
+    <mc:Fallback>
+      <p:transition spd="med"/>
+    </mc:Fallback>
+  </mc:AlternateContent>
 </p:sld>
 </file>
 
-<file path=ppt/slides/slide9.xml><?xml version="1.0" encoding="utf-8"?>
-<p:sld xmlns:a="http://schemas.openxmlformats.org/drawingml/2006/main" xmlns:r="http://schemas.openxmlformats.org/officeDocument/2006/relationships" xmlns:p="http://schemas.openxmlformats.org/presentationml/2006/main" showMasterSp="1" showMasterPhAnim="1">
+<file path=ppt/slides/slide20.xml><?xml version="1.0" encoding="utf-8"?>
+<p:sld xmlns:a="http://schemas.openxmlformats.org/drawingml/2006/main" xmlns:r="http://schemas.openxmlformats.org/officeDocument/2006/relationships" xmlns:p="http://schemas.openxmlformats.org/presentationml/2006/main">
   <p:cSld>
     <p:spTree>
       <p:nvGrpSpPr>
@@ -4373,7 +4348,1651 @@
       </p:grpSpPr>
       <p:sp>
         <p:nvSpPr>
-          <p:cNvPr id="145" name="Shape 145"/>
+          <p:cNvPr id="155" name="Shape 155"/>
+          <p:cNvSpPr/>
+          <p:nvPr>
+            <p:ph type="title"/>
+          </p:nvPr>
+        </p:nvSpPr>
+        <p:spPr>
+          <a:prstGeom prst="rect">
+            <a:avLst/>
+          </a:prstGeom>
+        </p:spPr>
+        <p:txBody>
+          <a:bodyPr/>
+          <a:lstStyle/>
+          <a:p>
+            <a:r>
+              <a:rPr lang="en-US">
+                <a:sym typeface="+mn-ea"/>
+              </a:rPr>
+              <a:t>tcpdump</a:t>
+            </a:r>
+            <a:r>
+              <a:rPr lang="zh-CN" altLang="en-US">
+                <a:ea typeface="宋体" panose="02010600030101010101" pitchFamily="2" charset="-122"/>
+                <a:sym typeface="+mn-ea"/>
+              </a:rPr>
+              <a:t>、</a:t>
+            </a:r>
+            <a:r>
+              <a:rPr lang="en-US" altLang="zh-CN">
+                <a:ea typeface="宋体" panose="02010600030101010101" pitchFamily="2" charset="-122"/>
+                <a:sym typeface="+mn-ea"/>
+              </a:rPr>
+              <a:t>wireshark</a:t>
+            </a:r>
+            <a:endParaRPr lang="en-US" altLang="zh-CN">
+              <a:ea typeface="宋体" panose="02010600030101010101" pitchFamily="2" charset="-122"/>
+              <a:sym typeface="+mn-ea"/>
+            </a:endParaRPr>
+          </a:p>
+        </p:txBody>
+      </p:sp>
+      <p:sp>
+        <p:nvSpPr>
+          <p:cNvPr id="156" name="Shape 156"/>
+          <p:cNvSpPr/>
+          <p:nvPr>
+            <p:ph type="body" idx="1"/>
+          </p:nvPr>
+        </p:nvSpPr>
+        <p:spPr>
+          <a:prstGeom prst="rect">
+            <a:avLst/>
+          </a:prstGeom>
+        </p:spPr>
+        <p:txBody>
+          <a:bodyPr>
+            <a:normAutofit/>
+          </a:bodyPr>
+          <a:lstStyle/>
+          <a:p>
+            <a:r>
+              <a:t>dump the traffic on a network，根据使用者的定义对网络上的数据包进行截获的包分析工具。 tcpdump可以将网络中传送的数据包的“头”完全截获下来提供分析。它支持针对网络层、协议、主机、网络或端口的过滤，并提供and、or、not等逻辑语句来帮助你去掉无用的信息。</a:t>
+            </a:r>
+          </a:p>
+          <a:p>
+            <a:r>
+              <a:t>sudo apt install wireshark</a:t>
+            </a:r>
+          </a:p>
+        </p:txBody>
+      </p:sp>
+    </p:spTree>
+  </p:cSld>
+  <p:clrMapOvr>
+    <a:masterClrMapping/>
+  </p:clrMapOvr>
+  <mc:AlternateContent xmlns:mc="http://schemas.openxmlformats.org/markup-compatibility/2006">
+    <mc:Choice xmlns:p14="http://schemas.microsoft.com/office/powerpoint/2010/main" Requires="p14">
+      <p:transition spd="med" p14:dur="1000"/>
+    </mc:Choice>
+    <mc:Fallback>
+      <p:transition spd="med"/>
+    </mc:Fallback>
+  </mc:AlternateContent>
+</p:sld>
+</file>
+
+<file path=ppt/slides/slide21.xml><?xml version="1.0" encoding="utf-8"?>
+<p:sld xmlns:a="http://schemas.openxmlformats.org/drawingml/2006/main" xmlns:r="http://schemas.openxmlformats.org/officeDocument/2006/relationships" xmlns:p="http://schemas.openxmlformats.org/presentationml/2006/main">
+  <p:cSld>
+    <p:spTree>
+      <p:nvGrpSpPr>
+        <p:cNvPr id="1" name=""/>
+        <p:cNvGrpSpPr/>
+        <p:nvPr/>
+      </p:nvGrpSpPr>
+      <p:grpSpPr>
+        <a:xfrm>
+          <a:off x="0" y="0"/>
+          <a:ext cx="0" cy="0"/>
+          <a:chOff x="0" y="0"/>
+          <a:chExt cx="0" cy="0"/>
+        </a:xfrm>
+      </p:grpSpPr>
+      <p:sp>
+        <p:nvSpPr>
+          <p:cNvPr id="155" name="Shape 155"/>
+          <p:cNvSpPr/>
+          <p:nvPr>
+            <p:ph type="title"/>
+          </p:nvPr>
+        </p:nvSpPr>
+        <p:spPr>
+          <a:prstGeom prst="rect">
+            <a:avLst/>
+          </a:prstGeom>
+        </p:spPr>
+        <p:txBody>
+          <a:bodyPr/>
+          <a:lstStyle/>
+          <a:p>
+            <a:r>
+              <a:rPr lang="zh-CN" altLang="en-US">
+                <a:ea typeface="宋体" panose="02010600030101010101" pitchFamily="2" charset="-122"/>
+                <a:sym typeface="+mn-ea"/>
+              </a:rPr>
+              <a:t>域名解析</a:t>
+            </a:r>
+            <a:endParaRPr lang="zh-CN" altLang="en-US">
+              <a:ea typeface="宋体" panose="02010600030101010101" pitchFamily="2" charset="-122"/>
+              <a:sym typeface="+mn-ea"/>
+            </a:endParaRPr>
+          </a:p>
+        </p:txBody>
+      </p:sp>
+      <p:sp>
+        <p:nvSpPr>
+          <p:cNvPr id="156" name="Shape 156"/>
+          <p:cNvSpPr/>
+          <p:nvPr>
+            <p:ph type="body" idx="1"/>
+          </p:nvPr>
+        </p:nvSpPr>
+        <p:spPr>
+          <a:prstGeom prst="rect">
+            <a:avLst/>
+          </a:prstGeom>
+        </p:spPr>
+        <p:txBody>
+          <a:bodyPr>
+            <a:normAutofit/>
+          </a:bodyPr>
+          <a:lstStyle/>
+          <a:p>
+            <a:r>
+              <a:t>/etc/hosts文件</a:t>
+            </a:r>
+          </a:p>
+          <a:p>
+            <a:r>
+              <a:t>/etc/resolv.conf</a:t>
+            </a:r>
+          </a:p>
+          <a:p>
+            <a:r>
+              <a:t>dig @8.8.8.8 www.baidu.com#使用谷歌DNS解析百度</a:t>
+            </a:r>
+          </a:p>
+        </p:txBody>
+      </p:sp>
+    </p:spTree>
+  </p:cSld>
+  <p:clrMapOvr>
+    <a:masterClrMapping/>
+  </p:clrMapOvr>
+  <mc:AlternateContent xmlns:mc="http://schemas.openxmlformats.org/markup-compatibility/2006">
+    <mc:Choice xmlns:p14="http://schemas.microsoft.com/office/powerpoint/2010/main" Requires="p14">
+      <p:transition spd="med" p14:dur="1000"/>
+    </mc:Choice>
+    <mc:Fallback>
+      <p:transition spd="med"/>
+    </mc:Fallback>
+  </mc:AlternateContent>
+</p:sld>
+</file>
+
+<file path=ppt/slides/slide22.xml><?xml version="1.0" encoding="utf-8"?>
+<p:sld xmlns:a="http://schemas.openxmlformats.org/drawingml/2006/main" xmlns:r="http://schemas.openxmlformats.org/officeDocument/2006/relationships" xmlns:p="http://schemas.openxmlformats.org/presentationml/2006/main">
+  <p:cSld>
+    <p:spTree>
+      <p:nvGrpSpPr>
+        <p:cNvPr id="1" name=""/>
+        <p:cNvGrpSpPr/>
+        <p:nvPr/>
+      </p:nvGrpSpPr>
+      <p:grpSpPr>
+        <a:xfrm>
+          <a:off x="0" y="0"/>
+          <a:ext cx="0" cy="0"/>
+          <a:chOff x="0" y="0"/>
+          <a:chExt cx="0" cy="0"/>
+        </a:xfrm>
+      </p:grpSpPr>
+      <p:sp>
+        <p:nvSpPr>
+          <p:cNvPr id="163" name="Shape 163"/>
+          <p:cNvSpPr/>
+          <p:nvPr>
+            <p:ph type="title"/>
+          </p:nvPr>
+        </p:nvSpPr>
+        <p:spPr>
+          <a:prstGeom prst="rect">
+            <a:avLst/>
+          </a:prstGeom>
+        </p:spPr>
+        <p:txBody>
+          <a:bodyPr/>
+          <a:lstStyle/>
+          <a:p>
+            <a:r>
+              <a:t>DNS解析的过程</a:t>
+            </a:r>
+          </a:p>
+        </p:txBody>
+      </p:sp>
+      <p:pic>
+        <p:nvPicPr>
+          <p:cNvPr id="164" name="屏幕快照 2019-03-27 上午8.52.24.png"/>
+          <p:cNvPicPr>
+            <a:picLocks noChangeAspect="1"/>
+          </p:cNvPicPr>
+          <p:nvPr/>
+        </p:nvPicPr>
+        <p:blipFill>
+          <a:blip r:embed="rId1"/>
+          <a:stretch>
+            <a:fillRect/>
+          </a:stretch>
+        </p:blipFill>
+        <p:spPr>
+          <a:xfrm>
+            <a:off x="3559957" y="3522312"/>
+            <a:ext cx="17264086" cy="9727480"/>
+          </a:xfrm>
+          <a:prstGeom prst="rect">
+            <a:avLst/>
+          </a:prstGeom>
+          <a:ln w="12700">
+            <a:miter lim="400000"/>
+            <a:headEnd/>
+            <a:tailEnd/>
+          </a:ln>
+        </p:spPr>
+      </p:pic>
+    </p:spTree>
+  </p:cSld>
+  <p:clrMapOvr>
+    <a:masterClrMapping/>
+  </p:clrMapOvr>
+  <mc:AlternateContent xmlns:mc="http://schemas.openxmlformats.org/markup-compatibility/2006">
+    <mc:Choice xmlns:p14="http://schemas.microsoft.com/office/powerpoint/2010/main" Requires="p14">
+      <p:transition spd="med" p14:dur="1000"/>
+    </mc:Choice>
+    <mc:Fallback>
+      <p:transition spd="med"/>
+    </mc:Fallback>
+  </mc:AlternateContent>
+</p:sld>
+</file>
+
+<file path=ppt/slides/slide23.xml><?xml version="1.0" encoding="utf-8"?>
+<p:sld xmlns:a="http://schemas.openxmlformats.org/drawingml/2006/main" xmlns:r="http://schemas.openxmlformats.org/officeDocument/2006/relationships" xmlns:p="http://schemas.openxmlformats.org/presentationml/2006/main">
+  <p:cSld>
+    <p:spTree>
+      <p:nvGrpSpPr>
+        <p:cNvPr id="1" name=""/>
+        <p:cNvGrpSpPr/>
+        <p:nvPr/>
+      </p:nvGrpSpPr>
+      <p:grpSpPr>
+        <a:xfrm>
+          <a:off x="0" y="0"/>
+          <a:ext cx="0" cy="0"/>
+          <a:chOff x="0" y="0"/>
+          <a:chExt cx="0" cy="0"/>
+        </a:xfrm>
+      </p:grpSpPr>
+      <p:sp>
+        <p:nvSpPr>
+          <p:cNvPr id="155" name="Shape 155"/>
+          <p:cNvSpPr/>
+          <p:nvPr>
+            <p:ph type="title"/>
+          </p:nvPr>
+        </p:nvSpPr>
+        <p:spPr>
+          <a:prstGeom prst="rect">
+            <a:avLst/>
+          </a:prstGeom>
+        </p:spPr>
+        <p:txBody>
+          <a:bodyPr>
+            <a:normAutofit fontScale="90000"/>
+          </a:bodyPr>
+          <a:lstStyle/>
+          <a:p>
+            <a:r>
+              <a:rPr lang="zh-CN" altLang="en-US">
+                <a:ea typeface="宋体" panose="02010600030101010101" pitchFamily="2" charset="-122"/>
+                <a:sym typeface="+mn-ea"/>
+              </a:rPr>
+              <a:t>你的网站服务器响应很慢该怎么办？</a:t>
+            </a:r>
+            <a:endParaRPr lang="en-US" altLang="zh-CN">
+              <a:ea typeface="宋体" panose="02010600030101010101" pitchFamily="2" charset="-122"/>
+              <a:sym typeface="+mn-ea"/>
+            </a:endParaRPr>
+          </a:p>
+        </p:txBody>
+      </p:sp>
+      <p:sp>
+        <p:nvSpPr>
+          <p:cNvPr id="156" name="Shape 156"/>
+          <p:cNvSpPr/>
+          <p:nvPr>
+            <p:ph type="body" idx="1"/>
+          </p:nvPr>
+        </p:nvSpPr>
+        <p:spPr>
+          <a:prstGeom prst="rect">
+            <a:avLst/>
+          </a:prstGeom>
+        </p:spPr>
+        <p:txBody>
+          <a:bodyPr>
+            <a:normAutofit/>
+          </a:bodyPr>
+          <a:lstStyle/>
+          <a:p>
+            <a:r>
+              <a:t>可以从两个方面入手分析：分析系统负载，使用w命令或者uptime命令查看系统负载，如果负载很高，则使用top命令查看CPU，MEM等占用情况，要么是CPU繁忙，要么是内存不够，如果这二者都正常，再去分析网卡流量，分析是不是遭到了攻击。</a:t>
+            </a:r>
+          </a:p>
+          <a:p>
+            <a:r>
+              <a:t>一旦分析出问题的原因，采取对应的措施解决，如决定要不要杀死一些进程，或者禁止一些访问等。</a:t>
+            </a:r>
+          </a:p>
+        </p:txBody>
+      </p:sp>
+    </p:spTree>
+  </p:cSld>
+  <p:clrMapOvr>
+    <a:masterClrMapping/>
+  </p:clrMapOvr>
+  <mc:AlternateContent xmlns:mc="http://schemas.openxmlformats.org/markup-compatibility/2006">
+    <mc:Choice xmlns:p14="http://schemas.microsoft.com/office/powerpoint/2010/main" Requires="p14">
+      <p:transition spd="med" p14:dur="1000"/>
+    </mc:Choice>
+    <mc:Fallback>
+      <p:transition spd="med"/>
+    </mc:Fallback>
+  </mc:AlternateContent>
+  <p:timing>
+    <p:tnLst>
+      <p:par>
+        <p:cTn id="1" dur="indefinite" restart="never" nodeType="tmRoot">
+          <p:childTnLst>
+            <p:seq concurrent="1" nextAc="seek">
+              <p:cTn id="2" dur="indefinite" nodeType="mainSeq">
+                <p:childTnLst>
+                  <p:par>
+                    <p:cTn id="3" fill="hold">
+                      <p:stCondLst>
+                        <p:cond delay="indefinite"/>
+                      </p:stCondLst>
+                      <p:childTnLst>
+                        <p:par>
+                          <p:cTn id="4" fill="hold">
+                            <p:stCondLst>
+                              <p:cond delay="0"/>
+                            </p:stCondLst>
+                            <p:childTnLst>
+                              <p:par>
+                                <p:cTn id="5" presetID="2" presetClass="entr" presetSubtype="4" fill="hold" nodeType="clickEffect">
+                                  <p:stCondLst>
+                                    <p:cond delay="0"/>
+                                  </p:stCondLst>
+                                  <p:childTnLst>
+                                    <p:set>
+                                      <p:cBhvr>
+                                        <p:cTn id="6" dur="1" fill="hold">
+                                          <p:stCondLst>
+                                            <p:cond delay="0"/>
+                                          </p:stCondLst>
+                                        </p:cTn>
+                                        <p:tgtEl>
+                                          <p:spTgt spid="156">
+                                            <p:txEl>
+                                              <p:pRg st="0" end="0"/>
+                                            </p:txEl>
+                                          </p:spTgt>
+                                        </p:tgtEl>
+                                        <p:attrNameLst>
+                                          <p:attrName>style.visibility</p:attrName>
+                                        </p:attrNameLst>
+                                      </p:cBhvr>
+                                      <p:to>
+                                        <p:strVal val="visible"/>
+                                      </p:to>
+                                    </p:set>
+                                    <p:anim calcmode="lin" valueType="num">
+                                      <p:cBhvr additive="base">
+                                        <p:cTn id="7" dur="500" fill="hold"/>
+                                        <p:tgtEl>
+                                          <p:spTgt spid="156">
+                                            <p:txEl>
+                                              <p:pRg st="0" end="0"/>
+                                            </p:txEl>
+                                          </p:spTgt>
+                                        </p:tgtEl>
+                                        <p:attrNameLst>
+                                          <p:attrName>ppt_x</p:attrName>
+                                        </p:attrNameLst>
+                                      </p:cBhvr>
+                                      <p:tavLst>
+                                        <p:tav tm="0">
+                                          <p:val>
+                                            <p:strVal val="#ppt_x"/>
+                                          </p:val>
+                                        </p:tav>
+                                        <p:tav tm="100000">
+                                          <p:val>
+                                            <p:strVal val="#ppt_x"/>
+                                          </p:val>
+                                        </p:tav>
+                                      </p:tavLst>
+                                    </p:anim>
+                                    <p:anim calcmode="lin" valueType="num">
+                                      <p:cBhvr additive="base">
+                                        <p:cTn id="8" dur="500" fill="hold"/>
+                                        <p:tgtEl>
+                                          <p:spTgt spid="156">
+                                            <p:txEl>
+                                              <p:pRg st="0" end="0"/>
+                                            </p:txEl>
+                                          </p:spTgt>
+                                        </p:tgtEl>
+                                        <p:attrNameLst>
+                                          <p:attrName>ppt_y</p:attrName>
+                                        </p:attrNameLst>
+                                      </p:cBhvr>
+                                      <p:tavLst>
+                                        <p:tav tm="0">
+                                          <p:val>
+                                            <p:strVal val="1+#ppt_h/2"/>
+                                          </p:val>
+                                        </p:tav>
+                                        <p:tav tm="100000">
+                                          <p:val>
+                                            <p:strVal val="#ppt_y"/>
+                                          </p:val>
+                                        </p:tav>
+                                      </p:tavLst>
+                                    </p:anim>
+                                  </p:childTnLst>
+                                </p:cTn>
+                              </p:par>
+                              <p:par>
+                                <p:cTn id="9" presetID="2" presetClass="entr" presetSubtype="4" fill="hold" nodeType="withEffect">
+                                  <p:stCondLst>
+                                    <p:cond delay="0"/>
+                                  </p:stCondLst>
+                                  <p:childTnLst>
+                                    <p:set>
+                                      <p:cBhvr>
+                                        <p:cTn id="10" dur="1" fill="hold">
+                                          <p:stCondLst>
+                                            <p:cond delay="0"/>
+                                          </p:stCondLst>
+                                        </p:cTn>
+                                        <p:tgtEl>
+                                          <p:spTgt spid="156">
+                                            <p:txEl>
+                                              <p:pRg st="1" end="1"/>
+                                            </p:txEl>
+                                          </p:spTgt>
+                                        </p:tgtEl>
+                                        <p:attrNameLst>
+                                          <p:attrName>style.visibility</p:attrName>
+                                        </p:attrNameLst>
+                                      </p:cBhvr>
+                                      <p:to>
+                                        <p:strVal val="visible"/>
+                                      </p:to>
+                                    </p:set>
+                                    <p:anim calcmode="lin" valueType="num">
+                                      <p:cBhvr additive="base">
+                                        <p:cTn id="11" dur="500" fill="hold"/>
+                                        <p:tgtEl>
+                                          <p:spTgt spid="156">
+                                            <p:txEl>
+                                              <p:pRg st="1" end="1"/>
+                                            </p:txEl>
+                                          </p:spTgt>
+                                        </p:tgtEl>
+                                        <p:attrNameLst>
+                                          <p:attrName>ppt_x</p:attrName>
+                                        </p:attrNameLst>
+                                      </p:cBhvr>
+                                      <p:tavLst>
+                                        <p:tav tm="0">
+                                          <p:val>
+                                            <p:strVal val="#ppt_x"/>
+                                          </p:val>
+                                        </p:tav>
+                                        <p:tav tm="100000">
+                                          <p:val>
+                                            <p:strVal val="#ppt_x"/>
+                                          </p:val>
+                                        </p:tav>
+                                      </p:tavLst>
+                                    </p:anim>
+                                    <p:anim calcmode="lin" valueType="num">
+                                      <p:cBhvr additive="base">
+                                        <p:cTn id="12" dur="500" fill="hold"/>
+                                        <p:tgtEl>
+                                          <p:spTgt spid="156">
+                                            <p:txEl>
+                                              <p:pRg st="1" end="1"/>
+                                            </p:txEl>
+                                          </p:spTgt>
+                                        </p:tgtEl>
+                                        <p:attrNameLst>
+                                          <p:attrName>ppt_y</p:attrName>
+                                        </p:attrNameLst>
+                                      </p:cBhvr>
+                                      <p:tavLst>
+                                        <p:tav tm="0">
+                                          <p:val>
+                                            <p:strVal val="1+#ppt_h/2"/>
+                                          </p:val>
+                                        </p:tav>
+                                        <p:tav tm="100000">
+                                          <p:val>
+                                            <p:strVal val="#ppt_y"/>
+                                          </p:val>
+                                        </p:tav>
+                                      </p:tavLst>
+                                    </p:anim>
+                                  </p:childTnLst>
+                                </p:cTn>
+                              </p:par>
+                            </p:childTnLst>
+                          </p:cTn>
+                        </p:par>
+                      </p:childTnLst>
+                    </p:cTn>
+                  </p:par>
+                </p:childTnLst>
+              </p:cTn>
+              <p:prevCondLst>
+                <p:cond evt="onPrev" delay="0">
+                  <p:tgtEl>
+                    <p:sldTgt/>
+                  </p:tgtEl>
+                </p:cond>
+              </p:prevCondLst>
+              <p:nextCondLst>
+                <p:cond evt="onNext" delay="0">
+                  <p:tgtEl>
+                    <p:sldTgt/>
+                  </p:tgtEl>
+                </p:cond>
+              </p:nextCondLst>
+            </p:seq>
+          </p:childTnLst>
+        </p:cTn>
+      </p:par>
+    </p:tnLst>
+  </p:timing>
+</p:sld>
+</file>
+
+<file path=ppt/slides/slide24.xml><?xml version="1.0" encoding="utf-8"?>
+<p:sld xmlns:a="http://schemas.openxmlformats.org/drawingml/2006/main" xmlns:r="http://schemas.openxmlformats.org/officeDocument/2006/relationships" xmlns:p="http://schemas.openxmlformats.org/presentationml/2006/main">
+  <p:cSld>
+    <p:spTree>
+      <p:nvGrpSpPr>
+        <p:cNvPr id="1" name=""/>
+        <p:cNvGrpSpPr/>
+        <p:nvPr/>
+      </p:nvGrpSpPr>
+      <p:grpSpPr>
+        <a:xfrm>
+          <a:off x="0" y="0"/>
+          <a:ext cx="0" cy="0"/>
+          <a:chOff x="0" y="0"/>
+          <a:chExt cx="0" cy="0"/>
+        </a:xfrm>
+      </p:grpSpPr>
+      <p:sp>
+        <p:nvSpPr>
+          <p:cNvPr id="155" name="Shape 155"/>
+          <p:cNvSpPr/>
+          <p:nvPr>
+            <p:ph type="title"/>
+          </p:nvPr>
+        </p:nvSpPr>
+        <p:spPr>
+          <a:prstGeom prst="rect">
+            <a:avLst/>
+          </a:prstGeom>
+        </p:spPr>
+        <p:txBody>
+          <a:bodyPr>
+            <a:normAutofit/>
+          </a:bodyPr>
+          <a:lstStyle/>
+          <a:p>
+            <a:r>
+              <a:rPr lang="zh-CN" altLang="en-US">
+                <a:ea typeface="宋体" panose="02010600030101010101" pitchFamily="2" charset="-122"/>
+                <a:sym typeface="+mn-ea"/>
+              </a:rPr>
+              <a:t>你的电脑无法上网怎么办？</a:t>
+            </a:r>
+            <a:endParaRPr lang="en-US" altLang="zh-CN">
+              <a:ea typeface="宋体" panose="02010600030101010101" pitchFamily="2" charset="-122"/>
+              <a:sym typeface="+mn-ea"/>
+            </a:endParaRPr>
+          </a:p>
+        </p:txBody>
+      </p:sp>
+      <p:sp>
+        <p:nvSpPr>
+          <p:cNvPr id="156" name="Shape 156"/>
+          <p:cNvSpPr/>
+          <p:nvPr>
+            <p:ph type="body" idx="1"/>
+          </p:nvPr>
+        </p:nvSpPr>
+        <p:spPr>
+          <a:prstGeom prst="rect">
+            <a:avLst/>
+          </a:prstGeom>
+        </p:spPr>
+        <p:txBody>
+          <a:bodyPr>
+            <a:normAutofit/>
+          </a:bodyPr>
+          <a:lstStyle/>
+          <a:p>
+            <a:r>
+              <a:rPr lang="en-US"/>
+              <a:t>ping 127.0.0.1</a:t>
+            </a:r>
+            <a:endParaRPr lang="en-US"/>
+          </a:p>
+          <a:p>
+            <a:r>
+              <a:rPr lang="en-US"/>
+              <a:t>ifconfig</a:t>
+            </a:r>
+            <a:endParaRPr lang="en-US"/>
+          </a:p>
+          <a:p>
+            <a:r>
+              <a:rPr lang="en-US"/>
+              <a:t>ping IP</a:t>
+            </a:r>
+            <a:r>
+              <a:rPr lang="zh-CN" altLang="en-US">
+                <a:ea typeface="宋体" panose="02010600030101010101" pitchFamily="2" charset="-122"/>
+              </a:rPr>
+              <a:t>、</a:t>
+            </a:r>
+            <a:r>
+              <a:rPr lang="en-US" altLang="zh-CN">
+                <a:ea typeface="宋体" panose="02010600030101010101" pitchFamily="2" charset="-122"/>
+              </a:rPr>
+              <a:t>gateway and domain name</a:t>
+            </a:r>
+            <a:endParaRPr lang="zh-CN" altLang="en-US">
+              <a:ea typeface="宋体" panose="02010600030101010101" pitchFamily="2" charset="-122"/>
+            </a:endParaRPr>
+          </a:p>
+        </p:txBody>
+      </p:sp>
+    </p:spTree>
+  </p:cSld>
+  <p:clrMapOvr>
+    <a:masterClrMapping/>
+  </p:clrMapOvr>
+  <mc:AlternateContent xmlns:mc="http://schemas.openxmlformats.org/markup-compatibility/2006">
+    <mc:Choice xmlns:p14="http://schemas.microsoft.com/office/powerpoint/2010/main" Requires="p14">
+      <p:transition spd="med" p14:dur="1000"/>
+    </mc:Choice>
+    <mc:Fallback>
+      <p:transition spd="med"/>
+    </mc:Fallback>
+  </mc:AlternateContent>
+  <p:timing>
+    <p:tnLst>
+      <p:par>
+        <p:cTn id="1" dur="indefinite" restart="never" nodeType="tmRoot">
+          <p:childTnLst>
+            <p:seq concurrent="1" nextAc="seek">
+              <p:cTn id="2" dur="indefinite" nodeType="mainSeq">
+                <p:childTnLst>
+                  <p:par>
+                    <p:cTn id="3" fill="hold">
+                      <p:stCondLst>
+                        <p:cond delay="indefinite"/>
+                      </p:stCondLst>
+                      <p:childTnLst>
+                        <p:par>
+                          <p:cTn id="4" fill="hold">
+                            <p:stCondLst>
+                              <p:cond delay="0"/>
+                            </p:stCondLst>
+                            <p:childTnLst>
+                              <p:par>
+                                <p:cTn id="5" presetID="2" presetClass="entr" presetSubtype="4" fill="hold" nodeType="clickEffect">
+                                  <p:stCondLst>
+                                    <p:cond delay="0"/>
+                                  </p:stCondLst>
+                                  <p:childTnLst>
+                                    <p:set>
+                                      <p:cBhvr>
+                                        <p:cTn id="6" dur="1" fill="hold">
+                                          <p:stCondLst>
+                                            <p:cond delay="0"/>
+                                          </p:stCondLst>
+                                        </p:cTn>
+                                        <p:tgtEl>
+                                          <p:spTgt spid="156">
+                                            <p:txEl>
+                                              <p:pRg st="0" end="0"/>
+                                            </p:txEl>
+                                          </p:spTgt>
+                                        </p:tgtEl>
+                                        <p:attrNameLst>
+                                          <p:attrName>style.visibility</p:attrName>
+                                        </p:attrNameLst>
+                                      </p:cBhvr>
+                                      <p:to>
+                                        <p:strVal val="visible"/>
+                                      </p:to>
+                                    </p:set>
+                                    <p:anim calcmode="lin" valueType="num">
+                                      <p:cBhvr additive="base">
+                                        <p:cTn id="7" dur="500" fill="hold"/>
+                                        <p:tgtEl>
+                                          <p:spTgt spid="156">
+                                            <p:txEl>
+                                              <p:pRg st="0" end="0"/>
+                                            </p:txEl>
+                                          </p:spTgt>
+                                        </p:tgtEl>
+                                        <p:attrNameLst>
+                                          <p:attrName>ppt_x</p:attrName>
+                                        </p:attrNameLst>
+                                      </p:cBhvr>
+                                      <p:tavLst>
+                                        <p:tav tm="0">
+                                          <p:val>
+                                            <p:strVal val="#ppt_x"/>
+                                          </p:val>
+                                        </p:tav>
+                                        <p:tav tm="100000">
+                                          <p:val>
+                                            <p:strVal val="#ppt_x"/>
+                                          </p:val>
+                                        </p:tav>
+                                      </p:tavLst>
+                                    </p:anim>
+                                    <p:anim calcmode="lin" valueType="num">
+                                      <p:cBhvr additive="base">
+                                        <p:cTn id="8" dur="500" fill="hold"/>
+                                        <p:tgtEl>
+                                          <p:spTgt spid="156">
+                                            <p:txEl>
+                                              <p:pRg st="0" end="0"/>
+                                            </p:txEl>
+                                          </p:spTgt>
+                                        </p:tgtEl>
+                                        <p:attrNameLst>
+                                          <p:attrName>ppt_y</p:attrName>
+                                        </p:attrNameLst>
+                                      </p:cBhvr>
+                                      <p:tavLst>
+                                        <p:tav tm="0">
+                                          <p:val>
+                                            <p:strVal val="1+#ppt_h/2"/>
+                                          </p:val>
+                                        </p:tav>
+                                        <p:tav tm="100000">
+                                          <p:val>
+                                            <p:strVal val="#ppt_y"/>
+                                          </p:val>
+                                        </p:tav>
+                                      </p:tavLst>
+                                    </p:anim>
+                                  </p:childTnLst>
+                                </p:cTn>
+                              </p:par>
+                            </p:childTnLst>
+                          </p:cTn>
+                        </p:par>
+                      </p:childTnLst>
+                    </p:cTn>
+                  </p:par>
+                  <p:par>
+                    <p:cTn id="9" fill="hold">
+                      <p:stCondLst>
+                        <p:cond delay="indefinite"/>
+                      </p:stCondLst>
+                      <p:childTnLst>
+                        <p:par>
+                          <p:cTn id="10" fill="hold">
+                            <p:stCondLst>
+                              <p:cond delay="0"/>
+                            </p:stCondLst>
+                            <p:childTnLst>
+                              <p:par>
+                                <p:cTn id="11" presetID="2" presetClass="entr" presetSubtype="4" fill="hold" nodeType="clickEffect">
+                                  <p:stCondLst>
+                                    <p:cond delay="0"/>
+                                  </p:stCondLst>
+                                  <p:childTnLst>
+                                    <p:set>
+                                      <p:cBhvr>
+                                        <p:cTn id="12" dur="1" fill="hold">
+                                          <p:stCondLst>
+                                            <p:cond delay="0"/>
+                                          </p:stCondLst>
+                                        </p:cTn>
+                                        <p:tgtEl>
+                                          <p:spTgt spid="156">
+                                            <p:txEl>
+                                              <p:pRg st="1" end="1"/>
+                                            </p:txEl>
+                                          </p:spTgt>
+                                        </p:tgtEl>
+                                        <p:attrNameLst>
+                                          <p:attrName>style.visibility</p:attrName>
+                                        </p:attrNameLst>
+                                      </p:cBhvr>
+                                      <p:to>
+                                        <p:strVal val="visible"/>
+                                      </p:to>
+                                    </p:set>
+                                    <p:anim calcmode="lin" valueType="num">
+                                      <p:cBhvr additive="base">
+                                        <p:cTn id="13" dur="500" fill="hold"/>
+                                        <p:tgtEl>
+                                          <p:spTgt spid="156">
+                                            <p:txEl>
+                                              <p:pRg st="1" end="1"/>
+                                            </p:txEl>
+                                          </p:spTgt>
+                                        </p:tgtEl>
+                                        <p:attrNameLst>
+                                          <p:attrName>ppt_x</p:attrName>
+                                        </p:attrNameLst>
+                                      </p:cBhvr>
+                                      <p:tavLst>
+                                        <p:tav tm="0">
+                                          <p:val>
+                                            <p:strVal val="#ppt_x"/>
+                                          </p:val>
+                                        </p:tav>
+                                        <p:tav tm="100000">
+                                          <p:val>
+                                            <p:strVal val="#ppt_x"/>
+                                          </p:val>
+                                        </p:tav>
+                                      </p:tavLst>
+                                    </p:anim>
+                                    <p:anim calcmode="lin" valueType="num">
+                                      <p:cBhvr additive="base">
+                                        <p:cTn id="14" dur="500" fill="hold"/>
+                                        <p:tgtEl>
+                                          <p:spTgt spid="156">
+                                            <p:txEl>
+                                              <p:pRg st="1" end="1"/>
+                                            </p:txEl>
+                                          </p:spTgt>
+                                        </p:tgtEl>
+                                        <p:attrNameLst>
+                                          <p:attrName>ppt_y</p:attrName>
+                                        </p:attrNameLst>
+                                      </p:cBhvr>
+                                      <p:tavLst>
+                                        <p:tav tm="0">
+                                          <p:val>
+                                            <p:strVal val="1+#ppt_h/2"/>
+                                          </p:val>
+                                        </p:tav>
+                                        <p:tav tm="100000">
+                                          <p:val>
+                                            <p:strVal val="#ppt_y"/>
+                                          </p:val>
+                                        </p:tav>
+                                      </p:tavLst>
+                                    </p:anim>
+                                  </p:childTnLst>
+                                </p:cTn>
+                              </p:par>
+                            </p:childTnLst>
+                          </p:cTn>
+                        </p:par>
+                      </p:childTnLst>
+                    </p:cTn>
+                  </p:par>
+                  <p:par>
+                    <p:cTn id="15" fill="hold">
+                      <p:stCondLst>
+                        <p:cond delay="indefinite"/>
+                      </p:stCondLst>
+                      <p:childTnLst>
+                        <p:par>
+                          <p:cTn id="16" fill="hold">
+                            <p:stCondLst>
+                              <p:cond delay="0"/>
+                            </p:stCondLst>
+                            <p:childTnLst>
+                              <p:par>
+                                <p:cTn id="17" presetID="2" presetClass="entr" presetSubtype="4" fill="hold" nodeType="clickEffect">
+                                  <p:stCondLst>
+                                    <p:cond delay="0"/>
+                                  </p:stCondLst>
+                                  <p:childTnLst>
+                                    <p:set>
+                                      <p:cBhvr>
+                                        <p:cTn id="18" dur="1" fill="hold">
+                                          <p:stCondLst>
+                                            <p:cond delay="0"/>
+                                          </p:stCondLst>
+                                        </p:cTn>
+                                        <p:tgtEl>
+                                          <p:spTgt spid="156">
+                                            <p:txEl>
+                                              <p:pRg st="2" end="2"/>
+                                            </p:txEl>
+                                          </p:spTgt>
+                                        </p:tgtEl>
+                                        <p:attrNameLst>
+                                          <p:attrName>style.visibility</p:attrName>
+                                        </p:attrNameLst>
+                                      </p:cBhvr>
+                                      <p:to>
+                                        <p:strVal val="visible"/>
+                                      </p:to>
+                                    </p:set>
+                                    <p:anim calcmode="lin" valueType="num">
+                                      <p:cBhvr additive="base">
+                                        <p:cTn id="19" dur="500" fill="hold"/>
+                                        <p:tgtEl>
+                                          <p:spTgt spid="156">
+                                            <p:txEl>
+                                              <p:pRg st="2" end="2"/>
+                                            </p:txEl>
+                                          </p:spTgt>
+                                        </p:tgtEl>
+                                        <p:attrNameLst>
+                                          <p:attrName>ppt_x</p:attrName>
+                                        </p:attrNameLst>
+                                      </p:cBhvr>
+                                      <p:tavLst>
+                                        <p:tav tm="0">
+                                          <p:val>
+                                            <p:strVal val="#ppt_x"/>
+                                          </p:val>
+                                        </p:tav>
+                                        <p:tav tm="100000">
+                                          <p:val>
+                                            <p:strVal val="#ppt_x"/>
+                                          </p:val>
+                                        </p:tav>
+                                      </p:tavLst>
+                                    </p:anim>
+                                    <p:anim calcmode="lin" valueType="num">
+                                      <p:cBhvr additive="base">
+                                        <p:cTn id="20" dur="500" fill="hold"/>
+                                        <p:tgtEl>
+                                          <p:spTgt spid="156">
+                                            <p:txEl>
+                                              <p:pRg st="2" end="2"/>
+                                            </p:txEl>
+                                          </p:spTgt>
+                                        </p:tgtEl>
+                                        <p:attrNameLst>
+                                          <p:attrName>ppt_y</p:attrName>
+                                        </p:attrNameLst>
+                                      </p:cBhvr>
+                                      <p:tavLst>
+                                        <p:tav tm="0">
+                                          <p:val>
+                                            <p:strVal val="1+#ppt_h/2"/>
+                                          </p:val>
+                                        </p:tav>
+                                        <p:tav tm="100000">
+                                          <p:val>
+                                            <p:strVal val="#ppt_y"/>
+                                          </p:val>
+                                        </p:tav>
+                                      </p:tavLst>
+                                    </p:anim>
+                                  </p:childTnLst>
+                                </p:cTn>
+                              </p:par>
+                            </p:childTnLst>
+                          </p:cTn>
+                        </p:par>
+                      </p:childTnLst>
+                    </p:cTn>
+                  </p:par>
+                </p:childTnLst>
+              </p:cTn>
+              <p:prevCondLst>
+                <p:cond evt="onPrev" delay="0">
+                  <p:tgtEl>
+                    <p:sldTgt/>
+                  </p:tgtEl>
+                </p:cond>
+              </p:prevCondLst>
+              <p:nextCondLst>
+                <p:cond evt="onNext" delay="0">
+                  <p:tgtEl>
+                    <p:sldTgt/>
+                  </p:tgtEl>
+                </p:cond>
+              </p:nextCondLst>
+            </p:seq>
+          </p:childTnLst>
+        </p:cTn>
+      </p:par>
+    </p:tnLst>
+  </p:timing>
+</p:sld>
+</file>
+
+<file path=ppt/slides/slide3.xml><?xml version="1.0" encoding="utf-8"?>
+<p:sld xmlns:a="http://schemas.openxmlformats.org/drawingml/2006/main" xmlns:r="http://schemas.openxmlformats.org/officeDocument/2006/relationships" xmlns:p="http://schemas.openxmlformats.org/presentationml/2006/main">
+  <p:cSld>
+    <p:spTree>
+      <p:nvGrpSpPr>
+        <p:cNvPr id="1" name=""/>
+        <p:cNvGrpSpPr/>
+        <p:nvPr/>
+      </p:nvGrpSpPr>
+      <p:grpSpPr>
+        <a:xfrm>
+          <a:off x="0" y="0"/>
+          <a:ext cx="0" cy="0"/>
+          <a:chOff x="0" y="0"/>
+          <a:chExt cx="0" cy="0"/>
+        </a:xfrm>
+      </p:grpSpPr>
+      <p:sp>
+        <p:nvSpPr>
+          <p:cNvPr id="124" name="Shape 124"/>
+          <p:cNvSpPr/>
+          <p:nvPr>
+            <p:ph type="title"/>
+          </p:nvPr>
+        </p:nvSpPr>
+        <p:spPr>
+          <a:prstGeom prst="rect">
+            <a:avLst/>
+          </a:prstGeom>
+        </p:spPr>
+        <p:txBody>
+          <a:bodyPr/>
+          <a:lstStyle/>
+          <a:p>
+            <a:r>
+              <a:t>Linux文件属性有哪些？</a:t>
+            </a:r>
+          </a:p>
+        </p:txBody>
+      </p:sp>
+      <p:sp>
+        <p:nvSpPr>
+          <p:cNvPr id="125" name="Shape 125"/>
+          <p:cNvSpPr/>
+          <p:nvPr>
+            <p:ph type="body" idx="1"/>
+          </p:nvPr>
+        </p:nvSpPr>
+        <p:spPr>
+          <a:prstGeom prst="rect">
+            <a:avLst/>
+          </a:prstGeom>
+        </p:spPr>
+        <p:txBody>
+          <a:bodyPr/>
+          <a:lstStyle/>
+          <a:p>
+            <a:r>
+              <a:t>$ ls -l</a:t>
+            </a:r>
+          </a:p>
+          <a:p>
+            <a:r>
+              <a:t>-rwxr-xr-x    1 ubuntu     ubuntu      430540 Dec 23 18:27 example.file</a:t>
+            </a:r>
+          </a:p>
+          <a:p>
+            <a:r>
+              <a:t>文件的类型和权限、硬链接个数、User、Group、文件大小、日期、文件名</a:t>
+            </a:r>
+          </a:p>
+        </p:txBody>
+      </p:sp>
+    </p:spTree>
+  </p:cSld>
+  <p:clrMapOvr>
+    <a:masterClrMapping/>
+  </p:clrMapOvr>
+  <mc:AlternateContent xmlns:mc="http://schemas.openxmlformats.org/markup-compatibility/2006">
+    <mc:Choice xmlns:p14="http://schemas.microsoft.com/office/powerpoint/2010/main" Requires="p14">
+      <p:transition spd="med" p14:dur="1000"/>
+    </mc:Choice>
+    <mc:Fallback>
+      <p:transition spd="med"/>
+    </mc:Fallback>
+  </mc:AlternateContent>
+</p:sld>
+</file>
+
+<file path=ppt/slides/slide4.xml><?xml version="1.0" encoding="utf-8"?>
+<p:sld xmlns:a="http://schemas.openxmlformats.org/drawingml/2006/main" xmlns:r="http://schemas.openxmlformats.org/officeDocument/2006/relationships" xmlns:p="http://schemas.openxmlformats.org/presentationml/2006/main">
+  <p:cSld>
+    <p:spTree>
+      <p:nvGrpSpPr>
+        <p:cNvPr id="1" name=""/>
+        <p:cNvGrpSpPr/>
+        <p:nvPr/>
+      </p:nvGrpSpPr>
+      <p:grpSpPr>
+        <a:xfrm>
+          <a:off x="0" y="0"/>
+          <a:ext cx="0" cy="0"/>
+          <a:chOff x="0" y="0"/>
+          <a:chExt cx="0" cy="0"/>
+        </a:xfrm>
+      </p:grpSpPr>
+      <p:sp>
+        <p:nvSpPr>
+          <p:cNvPr id="127" name="Shape 127"/>
+          <p:cNvSpPr/>
+          <p:nvPr>
+            <p:ph type="title"/>
+          </p:nvPr>
+        </p:nvSpPr>
+        <p:spPr>
+          <a:prstGeom prst="rect">
+            <a:avLst/>
+          </a:prstGeom>
+        </p:spPr>
+        <p:txBody>
+          <a:bodyPr/>
+          <a:lstStyle/>
+          <a:p>
+            <a:r>
+              <a:t>修改所属的用户或组</a:t>
+            </a:r>
+          </a:p>
+        </p:txBody>
+      </p:sp>
+      <p:sp>
+        <p:nvSpPr>
+          <p:cNvPr id="128" name="Shape 128"/>
+          <p:cNvSpPr/>
+          <p:nvPr>
+            <p:ph type="body" idx="1"/>
+          </p:nvPr>
+        </p:nvSpPr>
+        <p:spPr>
+          <a:prstGeom prst="rect">
+            <a:avLst/>
+          </a:prstGeom>
+        </p:spPr>
+        <p:txBody>
+          <a:bodyPr/>
+          <a:lstStyle/>
+          <a:p>
+            <a:r>
+              <a:t>chown username filename</a:t>
+            </a:r>
+          </a:p>
+          <a:p>
+            <a:r>
+              <a:t>chgrp groupname filename</a:t>
+            </a:r>
+          </a:p>
+          <a:p>
+            <a:r>
+              <a:t>chown username.groupname filename</a:t>
+            </a:r>
+          </a:p>
+          <a:p>
+            <a:r>
+              <a:t>chown 和 chgrp 都有一个 -R 选项，该选项可以用来告诉它们递归地将所属权和组改变应用到整个目录树中</a:t>
+            </a:r>
+          </a:p>
+          <a:p>
+            <a:r>
+              <a:t>chown -R ubuntu /home/ubuntu</a:t>
+            </a:r>
+          </a:p>
+        </p:txBody>
+      </p:sp>
+    </p:spTree>
+  </p:cSld>
+  <p:clrMapOvr>
+    <a:masterClrMapping/>
+  </p:clrMapOvr>
+  <mc:AlternateContent xmlns:mc="http://schemas.openxmlformats.org/markup-compatibility/2006">
+    <mc:Choice xmlns:p14="http://schemas.microsoft.com/office/powerpoint/2010/main" Requires="p14">
+      <p:transition spd="med" p14:dur="1000"/>
+    </mc:Choice>
+    <mc:Fallback>
+      <p:transition spd="med"/>
+    </mc:Fallback>
+  </mc:AlternateContent>
+</p:sld>
+</file>
+
+<file path=ppt/slides/slide5.xml><?xml version="1.0" encoding="utf-8"?>
+<p:sld xmlns:a="http://schemas.openxmlformats.org/drawingml/2006/main" xmlns:r="http://schemas.openxmlformats.org/officeDocument/2006/relationships" xmlns:p="http://schemas.openxmlformats.org/presentationml/2006/main">
+  <p:cSld>
+    <p:spTree>
+      <p:nvGrpSpPr>
+        <p:cNvPr id="1" name=""/>
+        <p:cNvGrpSpPr/>
+        <p:nvPr/>
+      </p:nvGrpSpPr>
+      <p:grpSpPr>
+        <a:xfrm>
+          <a:off x="0" y="0"/>
+          <a:ext cx="0" cy="0"/>
+          <a:chOff x="0" y="0"/>
+          <a:chExt cx="0" cy="0"/>
+        </a:xfrm>
+      </p:grpSpPr>
+      <p:sp>
+        <p:nvSpPr>
+          <p:cNvPr id="130" name="Shape 130"/>
+          <p:cNvSpPr/>
+          <p:nvPr>
+            <p:ph type="title"/>
+          </p:nvPr>
+        </p:nvSpPr>
+        <p:spPr>
+          <a:prstGeom prst="rect">
+            <a:avLst/>
+          </a:prstGeom>
+        </p:spPr>
+        <p:txBody>
+          <a:bodyPr/>
+          <a:lstStyle/>
+          <a:p>
+            <a:r>
+              <a:t>文件属性与权限操作</a:t>
+            </a:r>
+          </a:p>
+        </p:txBody>
+      </p:sp>
+      <p:sp>
+        <p:nvSpPr>
+          <p:cNvPr id="131" name="Shape 131"/>
+          <p:cNvSpPr/>
+          <p:nvPr>
+            <p:ph type="body" idx="1"/>
+          </p:nvPr>
+        </p:nvSpPr>
+        <p:spPr>
+          <a:prstGeom prst="rect">
+            <a:avLst/>
+          </a:prstGeom>
+        </p:spPr>
+        <p:txBody>
+          <a:bodyPr/>
+          <a:lstStyle/>
+          <a:p>
+            <a:pPr marL="469900" indent="-469900" defTabSz="610870">
+              <a:spcBef>
+                <a:spcPts val="4300"/>
+              </a:spcBef>
+              <a:defRPr sz="3850"/>
+            </a:pPr>
+            <a:r>
+              <a:t>Linux的权限只有rwx三种：</a:t>
+            </a:r>
+          </a:p>
+          <a:p>
+            <a:pPr marL="469900" indent="-469900" defTabSz="610870">
+              <a:spcBef>
+                <a:spcPts val="4300"/>
+              </a:spcBef>
+              <a:defRPr sz="3850"/>
+            </a:pPr>
+            <a:r>
+              <a:t>r(Read，读取)：对文件而言，具有读取文件内容的权限；对目录来说，具有浏览目录的权限。</a:t>
+            </a:r>
+          </a:p>
+          <a:p>
+            <a:pPr marL="469900" indent="-469900" defTabSz="610870">
+              <a:spcBef>
+                <a:spcPts val="4300"/>
+              </a:spcBef>
+              <a:defRPr sz="3850"/>
+            </a:pPr>
+            <a:r>
+              <a:t>w(Write,写入)：对文件而言，具有新增,修改,删除文件内容的权限；对目录来说，具有新建，删除，修改，移动目录内文件的权限。</a:t>
+            </a:r>
+          </a:p>
+          <a:p>
+            <a:pPr marL="469900" indent="-469900" defTabSz="610870">
+              <a:spcBef>
+                <a:spcPts val="4300"/>
+              </a:spcBef>
+              <a:defRPr sz="3850"/>
+            </a:pPr>
+            <a:r>
+              <a:t>x(eXecute，执行)：对文件而言，具有执行文件的权限；对目录了来说该用户具有进入目录的权限。</a:t>
+            </a:r>
+          </a:p>
+          <a:p>
+            <a:pPr marL="469900" indent="-469900" defTabSz="610870">
+              <a:spcBef>
+                <a:spcPts val="4300"/>
+              </a:spcBef>
+              <a:defRPr sz="3850"/>
+            </a:pPr>
+            <a:r>
+              <a:t>例如drwxrwxrwx，文件类型、User、Group、Others</a:t>
+            </a:r>
+          </a:p>
+          <a:p>
+            <a:pPr marL="469900" indent="-469900" defTabSz="610870">
+              <a:spcBef>
+                <a:spcPts val="4300"/>
+              </a:spcBef>
+              <a:defRPr sz="3850"/>
+            </a:pPr>
+            <a:r>
+              <a:t>文件类型除了“-”普通文件外，“d”目录、“l”符号链接、“c”字符专门设备文件、“b”块专门设备文件、“p”先进先出、“s”套接字</a:t>
+            </a:r>
+          </a:p>
+        </p:txBody>
+      </p:sp>
+    </p:spTree>
+  </p:cSld>
+  <p:clrMapOvr>
+    <a:masterClrMapping/>
+  </p:clrMapOvr>
+  <mc:AlternateContent xmlns:mc="http://schemas.openxmlformats.org/markup-compatibility/2006">
+    <mc:Choice xmlns:p14="http://schemas.microsoft.com/office/powerpoint/2010/main" Requires="p14">
+      <p:transition spd="med" p14:dur="1000"/>
+    </mc:Choice>
+    <mc:Fallback>
+      <p:transition spd="med"/>
+    </mc:Fallback>
+  </mc:AlternateContent>
+</p:sld>
+</file>
+
+<file path=ppt/slides/slide6.xml><?xml version="1.0" encoding="utf-8"?>
+<p:sld xmlns:a="http://schemas.openxmlformats.org/drawingml/2006/main" xmlns:r="http://schemas.openxmlformats.org/officeDocument/2006/relationships" xmlns:p="http://schemas.openxmlformats.org/presentationml/2006/main">
+  <p:cSld>
+    <p:spTree>
+      <p:nvGrpSpPr>
+        <p:cNvPr id="1" name=""/>
+        <p:cNvGrpSpPr/>
+        <p:nvPr/>
+      </p:nvGrpSpPr>
+      <p:grpSpPr>
+        <a:xfrm>
+          <a:off x="0" y="0"/>
+          <a:ext cx="0" cy="0"/>
+          <a:chOff x="0" y="0"/>
+          <a:chExt cx="0" cy="0"/>
+        </a:xfrm>
+      </p:grpSpPr>
+      <p:sp>
+        <p:nvSpPr>
+          <p:cNvPr id="133" name="Shape 133"/>
+          <p:cNvSpPr/>
+          <p:nvPr>
+            <p:ph type="title"/>
+          </p:nvPr>
+        </p:nvSpPr>
+        <p:spPr>
+          <a:prstGeom prst="rect">
+            <a:avLst/>
+          </a:prstGeom>
+        </p:spPr>
+        <p:txBody>
+          <a:bodyPr/>
+          <a:lstStyle/>
+          <a:p>
+            <a:r>
+              <a:t>修改文件的权限</a:t>
+            </a:r>
+          </a:p>
+        </p:txBody>
+      </p:sp>
+      <p:sp>
+        <p:nvSpPr>
+          <p:cNvPr id="134" name="Shape 134"/>
+          <p:cNvSpPr/>
+          <p:nvPr>
+            <p:ph type="body" idx="1"/>
+          </p:nvPr>
+        </p:nvSpPr>
+        <p:spPr>
+          <a:prstGeom prst="rect">
+            <a:avLst/>
+          </a:prstGeom>
+        </p:spPr>
+        <p:txBody>
+          <a:bodyPr/>
+          <a:lstStyle/>
+          <a:p>
+            <a:r>
+              <a:t>chmod [ugo][=+-][rwx] filename</a:t>
+            </a:r>
+          </a:p>
+          <a:p>
+            <a:r>
+              <a:t>用三个八进制数表示文件权限</a:t>
+            </a:r>
+          </a:p>
+          <a:p>
+            <a:r>
+              <a:t>chmod 777 filename = chmod ugo=rwx filename</a:t>
+            </a:r>
+          </a:p>
+        </p:txBody>
+      </p:sp>
+    </p:spTree>
+  </p:cSld>
+  <p:clrMapOvr>
+    <a:masterClrMapping/>
+  </p:clrMapOvr>
+  <mc:AlternateContent xmlns:mc="http://schemas.openxmlformats.org/markup-compatibility/2006">
+    <mc:Choice xmlns:p14="http://schemas.microsoft.com/office/powerpoint/2010/main" Requires="p14">
+      <p:transition spd="med" p14:dur="1000"/>
+    </mc:Choice>
+    <mc:Fallback>
+      <p:transition spd="med"/>
+    </mc:Fallback>
+  </mc:AlternateContent>
+</p:sld>
+</file>
+
+<file path=ppt/slides/slide7.xml><?xml version="1.0" encoding="utf-8"?>
+<p:sld xmlns:a="http://schemas.openxmlformats.org/drawingml/2006/main" xmlns:r="http://schemas.openxmlformats.org/officeDocument/2006/relationships" xmlns:p="http://schemas.openxmlformats.org/presentationml/2006/main">
+  <p:cSld>
+    <p:spTree>
+      <p:nvGrpSpPr>
+        <p:cNvPr id="1" name=""/>
+        <p:cNvGrpSpPr/>
+        <p:nvPr/>
+      </p:nvGrpSpPr>
+      <p:grpSpPr>
+        <a:xfrm>
+          <a:off x="0" y="0"/>
+          <a:ext cx="0" cy="0"/>
+          <a:chOff x="0" y="0"/>
+          <a:chExt cx="0" cy="0"/>
+        </a:xfrm>
+      </p:grpSpPr>
+      <p:sp>
+        <p:nvSpPr>
+          <p:cNvPr id="136" name="Shape 136"/>
+          <p:cNvSpPr/>
+          <p:nvPr>
+            <p:ph type="title"/>
+          </p:nvPr>
+        </p:nvSpPr>
+        <p:spPr>
+          <a:prstGeom prst="rect">
+            <a:avLst/>
+          </a:prstGeom>
+        </p:spPr>
+        <p:txBody>
+          <a:bodyPr/>
+          <a:lstStyle/>
+          <a:p>
+            <a:r>
+              <a:t>Linux的权限rwx的数值表示</a:t>
+            </a:r>
+          </a:p>
+        </p:txBody>
+      </p:sp>
+      <p:sp>
+        <p:nvSpPr>
+          <p:cNvPr id="137" name="Shape 137"/>
+          <p:cNvSpPr/>
+          <p:nvPr>
+            <p:ph type="body" idx="1"/>
+          </p:nvPr>
+        </p:nvSpPr>
+        <p:spPr>
+          <a:prstGeom prst="rect">
+            <a:avLst/>
+          </a:prstGeom>
+        </p:spPr>
+        <p:txBody>
+          <a:bodyPr/>
+          <a:lstStyle/>
+          <a:p>
+            <a:pPr marL="495300" indent="-495300" defTabSz="643890">
+              <a:spcBef>
+                <a:spcPts val="4600"/>
+              </a:spcBef>
+              <a:defRPr sz="4055"/>
+            </a:pPr>
+            <a:r>
+              <a:t>rwx 7 </a:t>
+            </a:r>
+          </a:p>
+          <a:p>
+            <a:pPr marL="495300" indent="-495300" defTabSz="643890">
+              <a:spcBef>
+                <a:spcPts val="4600"/>
+              </a:spcBef>
+              <a:defRPr sz="4055"/>
+            </a:pPr>
+            <a:r>
+              <a:t>rw- 6 </a:t>
+            </a:r>
+          </a:p>
+          <a:p>
+            <a:pPr marL="495300" indent="-495300" defTabSz="643890">
+              <a:spcBef>
+                <a:spcPts val="4600"/>
+              </a:spcBef>
+              <a:defRPr sz="4055"/>
+            </a:pPr>
+            <a:r>
+              <a:t>r-x 5 </a:t>
+            </a:r>
+          </a:p>
+          <a:p>
+            <a:pPr marL="495300" indent="-495300" defTabSz="643890">
+              <a:spcBef>
+                <a:spcPts val="4600"/>
+              </a:spcBef>
+              <a:defRPr sz="4055"/>
+            </a:pPr>
+            <a:r>
+              <a:t>r-- 4 </a:t>
+            </a:r>
+          </a:p>
+          <a:p>
+            <a:pPr marL="495300" indent="-495300" defTabSz="643890">
+              <a:spcBef>
+                <a:spcPts val="4600"/>
+              </a:spcBef>
+              <a:defRPr sz="4055"/>
+            </a:pPr>
+            <a:r>
+              <a:t>-wx 3 </a:t>
+            </a:r>
+          </a:p>
+          <a:p>
+            <a:pPr marL="495300" indent="-495300" defTabSz="643890">
+              <a:spcBef>
+                <a:spcPts val="4600"/>
+              </a:spcBef>
+              <a:defRPr sz="4055"/>
+            </a:pPr>
+            <a:r>
+              <a:t>-w- 2 </a:t>
+            </a:r>
+          </a:p>
+          <a:p>
+            <a:pPr marL="495300" indent="-495300" defTabSz="643890">
+              <a:spcBef>
+                <a:spcPts val="4600"/>
+              </a:spcBef>
+              <a:defRPr sz="4055"/>
+            </a:pPr>
+            <a:r>
+              <a:t>--x 1 </a:t>
+            </a:r>
+          </a:p>
+          <a:p>
+            <a:pPr marL="495300" indent="-495300" defTabSz="643890">
+              <a:spcBef>
+                <a:spcPts val="4600"/>
+              </a:spcBef>
+              <a:defRPr sz="4055"/>
+            </a:pPr>
+            <a:r>
+              <a:t>--- 0</a:t>
+            </a:r>
+          </a:p>
+        </p:txBody>
+      </p:sp>
+    </p:spTree>
+  </p:cSld>
+  <p:clrMapOvr>
+    <a:masterClrMapping/>
+  </p:clrMapOvr>
+  <mc:AlternateContent xmlns:mc="http://schemas.openxmlformats.org/markup-compatibility/2006">
+    <mc:Choice xmlns:p14="http://schemas.microsoft.com/office/powerpoint/2010/main" Requires="p14">
+      <p:transition spd="med" p14:dur="1000"/>
+    </mc:Choice>
+    <mc:Fallback>
+      <p:transition spd="med"/>
+    </mc:Fallback>
+  </mc:AlternateContent>
+</p:sld>
+</file>
+
+<file path=ppt/slides/slide8.xml><?xml version="1.0" encoding="utf-8"?>
+<p:sld xmlns:a="http://schemas.openxmlformats.org/drawingml/2006/main" xmlns:r="http://schemas.openxmlformats.org/officeDocument/2006/relationships" xmlns:p="http://schemas.openxmlformats.org/presentationml/2006/main">
+  <p:cSld>
+    <p:spTree>
+      <p:nvGrpSpPr>
+        <p:cNvPr id="1" name=""/>
+        <p:cNvGrpSpPr/>
+        <p:nvPr/>
+      </p:nvGrpSpPr>
+      <p:grpSpPr>
+        <a:xfrm>
+          <a:off x="0" y="0"/>
+          <a:ext cx="0" cy="0"/>
+          <a:chOff x="0" y="0"/>
+          <a:chExt cx="0" cy="0"/>
+        </a:xfrm>
+      </p:grpSpPr>
+      <p:sp>
+        <p:nvSpPr>
+          <p:cNvPr id="139" name="Shape 139"/>
           <p:cNvSpPr/>
           <p:nvPr>
             <p:ph type="title"/>
@@ -4392,16 +6011,15 @@
             </a:lvl1pPr>
           </a:lstStyle>
           <a:p>
-            <a:pPr/>
-            <a:r>
-              <a:t>查看系统负载有两个常用的命令，是哪两个？这三个数值表示什么含义呢？</a:t>
-            </a:r>
-          </a:p>
-        </p:txBody>
-      </p:sp>
-      <p:sp>
-        <p:nvSpPr>
-          <p:cNvPr id="146" name="Shape 146"/>
+            <a:r>
+              <a:t>如果用户指定了一个密码文件，那么这个密码文件的权限应该设置成多少才合适？</a:t>
+            </a:r>
+          </a:p>
+        </p:txBody>
+      </p:sp>
+      <p:sp>
+        <p:nvSpPr>
+          <p:cNvPr id="140" name="Shape 140"/>
           <p:cNvSpPr/>
           <p:nvPr>
             <p:ph type="body" idx="1"/>
@@ -4416,15 +6034,13 @@
           <a:bodyPr/>
           <a:lstStyle/>
           <a:p>
-            <a:pPr/>
-            <a:r>
-              <a:t>w 和uptime</a:t>
-            </a:r>
-          </a:p>
-          <a:p>
-            <a:pPr/>
-            <a:r>
-              <a:t>load average即系统负载，三个数值分别表示一分钟、五分钟、十五分钟内系统的平均负载，即平均任务数。</a:t>
+            <a:r>
+              <a:t>600</a:t>
+            </a:r>
+          </a:p>
+          <a:p>
+            <a:r>
+              <a:t>400</a:t>
             </a:r>
           </a:p>
         </p:txBody>
@@ -4434,12 +6050,117 @@
   <p:clrMapOvr>
     <a:masterClrMapping/>
   </p:clrMapOvr>
-  <p:transition xmlns:p14="http://schemas.microsoft.com/office/powerpoint/2010/main" spd="med" advClick="1" p14:dur="1000"/>
+  <mc:AlternateContent xmlns:mc="http://schemas.openxmlformats.org/markup-compatibility/2006">
+    <mc:Choice xmlns:p14="http://schemas.microsoft.com/office/powerpoint/2010/main" Requires="p14">
+      <p:transition spd="med" p14:dur="1000"/>
+    </mc:Choice>
+    <mc:Fallback>
+      <p:transition spd="med"/>
+    </mc:Fallback>
+  </mc:AlternateContent>
 </p:sld>
 </file>
 
+<file path=ppt/slides/slide9.xml><?xml version="1.0" encoding="utf-8"?>
+<p:sld xmlns:a="http://schemas.openxmlformats.org/drawingml/2006/main" xmlns:r="http://schemas.openxmlformats.org/officeDocument/2006/relationships" xmlns:p="http://schemas.openxmlformats.org/presentationml/2006/main">
+  <p:cSld>
+    <p:spTree>
+      <p:nvGrpSpPr>
+        <p:cNvPr id="1" name=""/>
+        <p:cNvGrpSpPr/>
+        <p:nvPr/>
+      </p:nvGrpSpPr>
+      <p:grpSpPr>
+        <a:xfrm>
+          <a:off x="0" y="0"/>
+          <a:ext cx="0" cy="0"/>
+          <a:chOff x="0" y="0"/>
+          <a:chExt cx="0" cy="0"/>
+        </a:xfrm>
+      </p:grpSpPr>
+      <p:sp>
+        <p:nvSpPr>
+          <p:cNvPr id="142" name="Shape 142"/>
+          <p:cNvSpPr/>
+          <p:nvPr>
+            <p:ph type="title"/>
+          </p:nvPr>
+        </p:nvSpPr>
+        <p:spPr>
+          <a:prstGeom prst="rect">
+            <a:avLst/>
+          </a:prstGeom>
+        </p:spPr>
+        <p:txBody>
+          <a:bodyPr/>
+          <a:lstStyle>
+            <a:lvl1pPr defTabSz="470535">
+              <a:defRPr sz="6385"/>
+            </a:lvl1pPr>
+          </a:lstStyle>
+          <a:p>
+            <a:r>
+              <a:t>如何看当前Linux系统CPU</a:t>
+            </a:r>
+            <a:r>
+              <a:rPr lang="zh-CN">
+                <a:ea typeface="宋体" panose="02010600030101010101" pitchFamily="2" charset="-122"/>
+              </a:rPr>
+              <a:t>相关信息</a:t>
+            </a:r>
+            <a:r>
+              <a:t>？</a:t>
+            </a:r>
+          </a:p>
+        </p:txBody>
+      </p:sp>
+      <p:sp>
+        <p:nvSpPr>
+          <p:cNvPr id="143" name="Shape 143"/>
+          <p:cNvSpPr/>
+          <p:nvPr>
+            <p:ph type="body" idx="1"/>
+          </p:nvPr>
+        </p:nvSpPr>
+        <p:spPr>
+          <a:prstGeom prst="rect">
+            <a:avLst/>
+          </a:prstGeom>
+        </p:spPr>
+        <p:txBody>
+          <a:bodyPr/>
+          <a:lstStyle/>
+          <a:p>
+            <a:r>
+              <a:t>cat /proc/cpuinfo</a:t>
+            </a:r>
+          </a:p>
+        </p:txBody>
+      </p:sp>
+    </p:spTree>
+  </p:cSld>
+  <p:clrMapOvr>
+    <a:masterClrMapping/>
+  </p:clrMapOvr>
+  <mc:AlternateContent xmlns:mc="http://schemas.openxmlformats.org/markup-compatibility/2006">
+    <mc:Choice xmlns:p14="http://schemas.microsoft.com/office/powerpoint/2010/main" Requires="p14">
+      <p:transition spd="med" p14:dur="1000"/>
+    </mc:Choice>
+    <mc:Fallback>
+      <p:transition spd="med"/>
+    </mc:Fallback>
+  </mc:AlternateContent>
+</p:sld>
+</file>
+
+<file path=ppt/tags/tag1.xml><?xml version="1.0" encoding="utf-8"?>
+<p:tagLst xmlns:p="http://schemas.openxmlformats.org/presentationml/2006/main">
+  <p:tag name="KSO_WM_DOC_GUID" val="{25e172cd-cb00-45e6-9a2d-7f78fa43e592}"/>
+</p:tagLst>
+</file>
+
 <file path=ppt/theme/theme1.xml><?xml version="1.0" encoding="utf-8"?>
-<a:theme xmlns:a="http://schemas.openxmlformats.org/drawingml/2006/main" xmlns:r="http://schemas.openxmlformats.org/officeDocument/2006/relationships" name="White">
+<a:theme xmlns:a="http://schemas.openxmlformats.org/drawingml/2006/main" name="White">
   <a:themeElements>
     <a:clrScheme name="White">
       <a:dk1>
@@ -4565,7 +6286,7 @@
       <a:effectStyleLst>
         <a:effectStyle>
           <a:effectLst>
-            <a:outerShdw sx="100000" sy="100000" kx="0" ky="0" algn="b" rotWithShape="0" blurRad="38100" dist="25400" dir="5400000">
+            <a:outerShdw blurRad="38100" dist="25400" dir="5400000" rotWithShape="0">
               <a:srgbClr val="000000">
                 <a:alpha val="50000"/>
               </a:srgbClr>
@@ -4574,7 +6295,7 @@
         </a:effectStyle>
         <a:effectStyle>
           <a:effectLst>
-            <a:outerShdw sx="100000" sy="100000" kx="0" ky="0" algn="b" rotWithShape="0" blurRad="50800" dist="12700" dir="0">
+            <a:outerShdw blurRad="50800" dist="12700" rotWithShape="0">
               <a:srgbClr val="000000">
                 <a:alpha val="50000"/>
               </a:srgbClr>
@@ -4583,7 +6304,7 @@
         </a:effectStyle>
         <a:effectStyle>
           <a:effectLst>
-            <a:outerShdw sx="100000" sy="100000" kx="0" ky="0" algn="b" rotWithShape="0" blurRad="38100" dist="25400" dir="5400000">
+            <a:outerShdw blurRad="38100" dist="25400" dir="5400000" rotWithShape="0">
               <a:srgbClr val="000000">
                 <a:alpha val="50000"/>
               </a:srgbClr>
@@ -4647,8 +6368,8 @@
     <a:spDef>
       <a:spPr>
         <a:blipFill rotWithShape="1">
-          <a:blip r:embed="rId1"/>
-          <a:srcRect l="0" t="0" r="0" b="0"/>
+          <a:blip xmlns:r="http://schemas.openxmlformats.org/officeDocument/2006/relationships" r:embed="rId1"/>
+          <a:srcRect/>
           <a:tile tx="0" ty="0" sx="100000" sy="100000" flip="none" algn="tl"/>
         </a:blipFill>
         <a:ln w="12700" cap="flat">
@@ -4656,13 +6377,12 @@
           <a:miter lim="400000"/>
         </a:ln>
         <a:effectLst>
-          <a:outerShdw sx="100000" sy="100000" kx="0" ky="0" algn="b" rotWithShape="0" blurRad="38100" dist="25400" dir="5400000">
+          <a:outerShdw blurRad="38100" dist="25400" dir="5400000" rotWithShape="0">
             <a:srgbClr val="000000">
               <a:alpha val="50000"/>
             </a:srgbClr>
           </a:outerShdw>
         </a:effectLst>
-        <a:sp3d/>
       </a:spPr>
       <a:bodyPr rot="0" spcFirstLastPara="1" vertOverflow="overflow" horzOverflow="overflow" vert="horz" wrap="square" lIns="50800" tIns="50800" rIns="50800" bIns="50800" numCol="1" spcCol="38100" rtlCol="0" anchor="ctr" upright="0">
         <a:spAutoFit/>
@@ -4682,8 +6402,7 @@
           <a:buSzTx/>
           <a:buFontTx/>
           <a:buNone/>
-          <a:tabLst/>
-          <a:defRPr b="0" baseline="0" cap="none" i="0" spc="0" strike="noStrike" sz="3200" u="none" kumimoji="0" normalizeH="0">
+          <a:defRPr kumimoji="0" sz="3200" b="0" i="0" u="none" strike="noStrike" cap="none" spc="0" normalizeH="0" baseline="0">
             <a:ln>
               <a:noFill/>
             </a:ln>
@@ -4712,8 +6431,7 @@
           <a:buSzTx/>
           <a:buFontTx/>
           <a:buNone/>
-          <a:tabLst/>
-          <a:defRPr b="0" baseline="0" cap="none" i="0" spc="0" strike="noStrike" sz="1800" u="none" kumimoji="0" normalizeH="0">
+          <a:defRPr kumimoji="0" sz="1800" b="0" i="0" u="none" strike="noStrike" cap="none" spc="0" normalizeH="0" baseline="0">
             <a:ln>
               <a:noFill/>
             </a:ln>
@@ -4738,8 +6456,7 @@
           <a:buSzTx/>
           <a:buFontTx/>
           <a:buNone/>
-          <a:tabLst/>
-          <a:defRPr b="0" baseline="0" cap="none" i="0" spc="0" strike="noStrike" sz="1800" u="none" kumimoji="0" normalizeH="0">
+          <a:defRPr kumimoji="0" sz="1800" b="0" i="0" u="none" strike="noStrike" cap="none" spc="0" normalizeH="0" baseline="0">
             <a:ln>
               <a:noFill/>
             </a:ln>
@@ -4764,8 +6481,7 @@
           <a:buSzTx/>
           <a:buFontTx/>
           <a:buNone/>
-          <a:tabLst/>
-          <a:defRPr b="0" baseline="0" cap="none" i="0" spc="0" strike="noStrike" sz="1800" u="none" kumimoji="0" normalizeH="0">
+          <a:defRPr kumimoji="0" sz="1800" b="0" i="0" u="none" strike="noStrike" cap="none" spc="0" normalizeH="0" baseline="0">
             <a:ln>
               <a:noFill/>
             </a:ln>
@@ -4790,8 +6506,7 @@
           <a:buSzTx/>
           <a:buFontTx/>
           <a:buNone/>
-          <a:tabLst/>
-          <a:defRPr b="0" baseline="0" cap="none" i="0" spc="0" strike="noStrike" sz="1800" u="none" kumimoji="0" normalizeH="0">
+          <a:defRPr kumimoji="0" sz="1800" b="0" i="0" u="none" strike="noStrike" cap="none" spc="0" normalizeH="0" baseline="0">
             <a:ln>
               <a:noFill/>
             </a:ln>
@@ -4816,8 +6531,7 @@
           <a:buSzTx/>
           <a:buFontTx/>
           <a:buNone/>
-          <a:tabLst/>
-          <a:defRPr b="0" baseline="0" cap="none" i="0" spc="0" strike="noStrike" sz="1800" u="none" kumimoji="0" normalizeH="0">
+          <a:defRPr kumimoji="0" sz="1800" b="0" i="0" u="none" strike="noStrike" cap="none" spc="0" normalizeH="0" baseline="0">
             <a:ln>
               <a:noFill/>
             </a:ln>
@@ -4842,8 +6556,7 @@
           <a:buSzTx/>
           <a:buFontTx/>
           <a:buNone/>
-          <a:tabLst/>
-          <a:defRPr b="0" baseline="0" cap="none" i="0" spc="0" strike="noStrike" sz="1800" u="none" kumimoji="0" normalizeH="0">
+          <a:defRPr kumimoji="0" sz="1800" b="0" i="0" u="none" strike="noStrike" cap="none" spc="0" normalizeH="0" baseline="0">
             <a:ln>
               <a:noFill/>
             </a:ln>
@@ -4868,8 +6581,7 @@
           <a:buSzTx/>
           <a:buFontTx/>
           <a:buNone/>
-          <a:tabLst/>
-          <a:defRPr b="0" baseline="0" cap="none" i="0" spc="0" strike="noStrike" sz="1800" u="none" kumimoji="0" normalizeH="0">
+          <a:defRPr kumimoji="0" sz="1800" b="0" i="0" u="none" strike="noStrike" cap="none" spc="0" normalizeH="0" baseline="0">
             <a:ln>
               <a:noFill/>
             </a:ln>
@@ -4894,8 +6606,7 @@
           <a:buSzTx/>
           <a:buFontTx/>
           <a:buNone/>
-          <a:tabLst/>
-          <a:defRPr b="0" baseline="0" cap="none" i="0" spc="0" strike="noStrike" sz="1800" u="none" kumimoji="0" normalizeH="0">
+          <a:defRPr kumimoji="0" sz="1800" b="0" i="0" u="none" strike="noStrike" cap="none" spc="0" normalizeH="0" baseline="0">
             <a:ln>
               <a:noFill/>
             </a:ln>
@@ -4920,8 +6631,7 @@
           <a:buSzTx/>
           <a:buFontTx/>
           <a:buNone/>
-          <a:tabLst/>
-          <a:defRPr b="0" baseline="0" cap="none" i="0" spc="0" strike="noStrike" sz="1800" u="none" kumimoji="0" normalizeH="0">
+          <a:defRPr kumimoji="0" sz="1800" b="0" i="0" u="none" strike="noStrike" cap="none" spc="0" normalizeH="0" baseline="0">
             <a:ln>
               <a:noFill/>
             </a:ln>
@@ -4934,9 +6644,15 @@
         </a:lvl9pPr>
       </a:lstStyle>
       <a:style>
-        <a:lnRef idx="0"/>
-        <a:fillRef idx="0"/>
-        <a:effectRef idx="0"/>
+        <a:lnRef idx="0">
+          <a:srgbClr val="FFFFFF"/>
+        </a:lnRef>
+        <a:fillRef idx="0">
+          <a:srgbClr val="FFFFFF"/>
+        </a:fillRef>
+        <a:effectRef idx="0">
+          <a:srgbClr val="FFFFFF"/>
+        </a:effectRef>
         <a:fontRef idx="none"/>
       </a:style>
     </a:spDef>
@@ -4950,8 +6666,6 @@
           <a:prstDash val="solid"/>
           <a:miter lim="400000"/>
         </a:ln>
-        <a:effectLst/>
-        <a:sp3d/>
       </a:spPr>
       <a:bodyPr rot="0" spcFirstLastPara="1" vertOverflow="overflow" horzOverflow="overflow" vert="horz" wrap="square" lIns="91439" tIns="45719" rIns="91439" bIns="45719" numCol="1" spcCol="38100" rtlCol="0" anchor="t" upright="0">
         <a:noAutofit/>
@@ -4971,8 +6685,7 @@
           <a:buSzTx/>
           <a:buFontTx/>
           <a:buNone/>
-          <a:tabLst/>
-          <a:defRPr b="0" baseline="0" cap="none" i="0" spc="0" strike="noStrike" sz="1800" u="none" kumimoji="0" normalizeH="0">
+          <a:defRPr kumimoji="0" sz="1800" b="0" i="0" u="none" strike="noStrike" cap="none" spc="0" normalizeH="0" baseline="0">
             <a:ln>
               <a:noFill/>
             </a:ln>
@@ -4997,8 +6710,7 @@
           <a:buSzTx/>
           <a:buFontTx/>
           <a:buNone/>
-          <a:tabLst/>
-          <a:defRPr b="0" baseline="0" cap="none" i="0" spc="0" strike="noStrike" sz="1800" u="none" kumimoji="0" normalizeH="0">
+          <a:defRPr kumimoji="0" sz="1800" b="0" i="0" u="none" strike="noStrike" cap="none" spc="0" normalizeH="0" baseline="0">
             <a:ln>
               <a:noFill/>
             </a:ln>
@@ -5023,8 +6735,7 @@
           <a:buSzTx/>
           <a:buFontTx/>
           <a:buNone/>
-          <a:tabLst/>
-          <a:defRPr b="0" baseline="0" cap="none" i="0" spc="0" strike="noStrike" sz="1800" u="none" kumimoji="0" normalizeH="0">
+          <a:defRPr kumimoji="0" sz="1800" b="0" i="0" u="none" strike="noStrike" cap="none" spc="0" normalizeH="0" baseline="0">
             <a:ln>
               <a:noFill/>
             </a:ln>
@@ -5049,8 +6760,7 @@
           <a:buSzTx/>
           <a:buFontTx/>
           <a:buNone/>
-          <a:tabLst/>
-          <a:defRPr b="0" baseline="0" cap="none" i="0" spc="0" strike="noStrike" sz="1800" u="none" kumimoji="0" normalizeH="0">
+          <a:defRPr kumimoji="0" sz="1800" b="0" i="0" u="none" strike="noStrike" cap="none" spc="0" normalizeH="0" baseline="0">
             <a:ln>
               <a:noFill/>
             </a:ln>
@@ -5075,8 +6785,7 @@
           <a:buSzTx/>
           <a:buFontTx/>
           <a:buNone/>
-          <a:tabLst/>
-          <a:defRPr b="0" baseline="0" cap="none" i="0" spc="0" strike="noStrike" sz="1800" u="none" kumimoji="0" normalizeH="0">
+          <a:defRPr kumimoji="0" sz="1800" b="0" i="0" u="none" strike="noStrike" cap="none" spc="0" normalizeH="0" baseline="0">
             <a:ln>
               <a:noFill/>
             </a:ln>
@@ -5101,8 +6810,7 @@
           <a:buSzTx/>
           <a:buFontTx/>
           <a:buNone/>
-          <a:tabLst/>
-          <a:defRPr b="0" baseline="0" cap="none" i="0" spc="0" strike="noStrike" sz="1800" u="none" kumimoji="0" normalizeH="0">
+          <a:defRPr kumimoji="0" sz="1800" b="0" i="0" u="none" strike="noStrike" cap="none" spc="0" normalizeH="0" baseline="0">
             <a:ln>
               <a:noFill/>
             </a:ln>
@@ -5127,8 +6835,7 @@
           <a:buSzTx/>
           <a:buFontTx/>
           <a:buNone/>
-          <a:tabLst/>
-          <a:defRPr b="0" baseline="0" cap="none" i="0" spc="0" strike="noStrike" sz="1800" u="none" kumimoji="0" normalizeH="0">
+          <a:defRPr kumimoji="0" sz="1800" b="0" i="0" u="none" strike="noStrike" cap="none" spc="0" normalizeH="0" baseline="0">
             <a:ln>
               <a:noFill/>
             </a:ln>
@@ -5153,8 +6860,7 @@
           <a:buSzTx/>
           <a:buFontTx/>
           <a:buNone/>
-          <a:tabLst/>
-          <a:defRPr b="0" baseline="0" cap="none" i="0" spc="0" strike="noStrike" sz="1800" u="none" kumimoji="0" normalizeH="0">
+          <a:defRPr kumimoji="0" sz="1800" b="0" i="0" u="none" strike="noStrike" cap="none" spc="0" normalizeH="0" baseline="0">
             <a:ln>
               <a:noFill/>
             </a:ln>
@@ -5179,8 +6885,7 @@
           <a:buSzTx/>
           <a:buFontTx/>
           <a:buNone/>
-          <a:tabLst/>
-          <a:defRPr b="0" baseline="0" cap="none" i="0" spc="0" strike="noStrike" sz="1800" u="none" kumimoji="0" normalizeH="0">
+          <a:defRPr kumimoji="0" sz="1800" b="0" i="0" u="none" strike="noStrike" cap="none" spc="0" normalizeH="0" baseline="0">
             <a:ln>
               <a:noFill/>
             </a:ln>
@@ -5205,8 +6910,7 @@
           <a:buSzTx/>
           <a:buFontTx/>
           <a:buNone/>
-          <a:tabLst/>
-          <a:defRPr b="0" baseline="0" cap="none" i="0" spc="0" strike="noStrike" sz="1800" u="none" kumimoji="0" normalizeH="0">
+          <a:defRPr kumimoji="0" sz="1800" b="0" i="0" u="none" strike="noStrike" cap="none" spc="0" normalizeH="0" baseline="0">
             <a:ln>
               <a:noFill/>
             </a:ln>
@@ -5219,9 +6923,15 @@
         </a:lvl9pPr>
       </a:lstStyle>
       <a:style>
-        <a:lnRef idx="0"/>
-        <a:fillRef idx="0"/>
-        <a:effectRef idx="0"/>
+        <a:lnRef idx="0">
+          <a:srgbClr val="FFFFFF"/>
+        </a:lnRef>
+        <a:fillRef idx="0">
+          <a:srgbClr val="FFFFFF"/>
+        </a:fillRef>
+        <a:effectRef idx="0">
+          <a:srgbClr val="FFFFFF"/>
+        </a:effectRef>
         <a:fontRef idx="none"/>
       </a:style>
     </a:lnDef>
@@ -5232,8 +6942,6 @@
           <a:noFill/>
           <a:miter lim="400000"/>
         </a:ln>
-        <a:effectLst/>
-        <a:sp3d/>
       </a:spPr>
       <a:bodyPr rot="0" spcFirstLastPara="1" vertOverflow="overflow" horzOverflow="overflow" vert="horz" wrap="square" lIns="50800" tIns="50800" rIns="50800" bIns="50800" numCol="1" spcCol="38100" rtlCol="0" anchor="ctr" upright="0">
         <a:spAutoFit/>
@@ -5253,8 +6961,7 @@
           <a:buSzTx/>
           <a:buFontTx/>
           <a:buNone/>
-          <a:tabLst/>
-          <a:defRPr b="0" baseline="0" cap="none" i="0" spc="0" strike="noStrike" sz="5000" u="none" kumimoji="0" normalizeH="0">
+          <a:defRPr kumimoji="0" sz="5000" b="0" i="0" u="none" strike="noStrike" cap="none" spc="0" normalizeH="0" baseline="0">
             <a:ln>
               <a:noFill/>
             </a:ln>
@@ -5283,8 +6990,7 @@
           <a:buSzTx/>
           <a:buFontTx/>
           <a:buNone/>
-          <a:tabLst/>
-          <a:defRPr b="0" baseline="0" cap="none" i="0" spc="0" strike="noStrike" sz="1800" u="none" kumimoji="0" normalizeH="0">
+          <a:defRPr kumimoji="0" sz="1800" b="0" i="0" u="none" strike="noStrike" cap="none" spc="0" normalizeH="0" baseline="0">
             <a:ln>
               <a:noFill/>
             </a:ln>
@@ -5309,8 +7015,7 @@
           <a:buSzTx/>
           <a:buFontTx/>
           <a:buNone/>
-          <a:tabLst/>
-          <a:defRPr b="0" baseline="0" cap="none" i="0" spc="0" strike="noStrike" sz="1800" u="none" kumimoji="0" normalizeH="0">
+          <a:defRPr kumimoji="0" sz="1800" b="0" i="0" u="none" strike="noStrike" cap="none" spc="0" normalizeH="0" baseline="0">
             <a:ln>
               <a:noFill/>
             </a:ln>
@@ -5335,8 +7040,7 @@
           <a:buSzTx/>
           <a:buFontTx/>
           <a:buNone/>
-          <a:tabLst/>
-          <a:defRPr b="0" baseline="0" cap="none" i="0" spc="0" strike="noStrike" sz="1800" u="none" kumimoji="0" normalizeH="0">
+          <a:defRPr kumimoji="0" sz="1800" b="0" i="0" u="none" strike="noStrike" cap="none" spc="0" normalizeH="0" baseline="0">
             <a:ln>
               <a:noFill/>
             </a:ln>
@@ -5361,8 +7065,7 @@
           <a:buSzTx/>
           <a:buFontTx/>
           <a:buNone/>
-          <a:tabLst/>
-          <a:defRPr b="0" baseline="0" cap="none" i="0" spc="0" strike="noStrike" sz="1800" u="none" kumimoji="0" normalizeH="0">
+          <a:defRPr kumimoji="0" sz="1800" b="0" i="0" u="none" strike="noStrike" cap="none" spc="0" normalizeH="0" baseline="0">
             <a:ln>
               <a:noFill/>
             </a:ln>
@@ -5387,8 +7090,7 @@
           <a:buSzTx/>
           <a:buFontTx/>
           <a:buNone/>
-          <a:tabLst/>
-          <a:defRPr b="0" baseline="0" cap="none" i="0" spc="0" strike="noStrike" sz="1800" u="none" kumimoji="0" normalizeH="0">
+          <a:defRPr kumimoji="0" sz="1800" b="0" i="0" u="none" strike="noStrike" cap="none" spc="0" normalizeH="0" baseline="0">
             <a:ln>
               <a:noFill/>
             </a:ln>
@@ -5413,8 +7115,7 @@
           <a:buSzTx/>
           <a:buFontTx/>
           <a:buNone/>
-          <a:tabLst/>
-          <a:defRPr b="0" baseline="0" cap="none" i="0" spc="0" strike="noStrike" sz="1800" u="none" kumimoji="0" normalizeH="0">
+          <a:defRPr kumimoji="0" sz="1800" b="0" i="0" u="none" strike="noStrike" cap="none" spc="0" normalizeH="0" baseline="0">
             <a:ln>
               <a:noFill/>
             </a:ln>
@@ -5439,8 +7140,7 @@
           <a:buSzTx/>
           <a:buFontTx/>
           <a:buNone/>
-          <a:tabLst/>
-          <a:defRPr b="0" baseline="0" cap="none" i="0" spc="0" strike="noStrike" sz="1800" u="none" kumimoji="0" normalizeH="0">
+          <a:defRPr kumimoji="0" sz="1800" b="0" i="0" u="none" strike="noStrike" cap="none" spc="0" normalizeH="0" baseline="0">
             <a:ln>
               <a:noFill/>
             </a:ln>
@@ -5465,8 +7165,7 @@
           <a:buSzTx/>
           <a:buFontTx/>
           <a:buNone/>
-          <a:tabLst/>
-          <a:defRPr b="0" baseline="0" cap="none" i="0" spc="0" strike="noStrike" sz="1800" u="none" kumimoji="0" normalizeH="0">
+          <a:defRPr kumimoji="0" sz="1800" b="0" i="0" u="none" strike="noStrike" cap="none" spc="0" normalizeH="0" baseline="0">
             <a:ln>
               <a:noFill/>
             </a:ln>
@@ -5491,8 +7190,7 @@
           <a:buSzTx/>
           <a:buFontTx/>
           <a:buNone/>
-          <a:tabLst/>
-          <a:defRPr b="0" baseline="0" cap="none" i="0" spc="0" strike="noStrike" sz="1800" u="none" kumimoji="0" normalizeH="0">
+          <a:defRPr kumimoji="0" sz="1800" b="0" i="0" u="none" strike="noStrike" cap="none" spc="0" normalizeH="0" baseline="0">
             <a:ln>
               <a:noFill/>
             </a:ln>
@@ -5505,18 +7203,29 @@
         </a:lvl9pPr>
       </a:lstStyle>
       <a:style>
-        <a:lnRef idx="0"/>
-        <a:fillRef idx="0"/>
-        <a:effectRef idx="0"/>
+        <a:lnRef idx="0">
+          <a:srgbClr val="FFFFFF"/>
+        </a:lnRef>
+        <a:fillRef idx="0">
+          <a:srgbClr val="FFFFFF"/>
+        </a:fillRef>
+        <a:effectRef idx="0">
+          <a:srgbClr val="FFFFFF"/>
+        </a:effectRef>
         <a:fontRef idx="none"/>
       </a:style>
     </a:txDef>
   </a:objectDefaults>
+  <a:extLst>
+    <a:ext uri="{05A4C25C-085E-4340-85A3-A5531E510DB2}">
+      <thm15:themeFamily xmlns:thm15="http://schemas.microsoft.com/office/thememl/2012/main" name="Office Theme" id="{62F939B6-93AF-4DB8-9C6B-D6C7DFDC589F}" vid="{4A3C46E8-61CC-4603-A589-7422A47A8E4A}"/>
+    </a:ext>
+  </a:extLst>
 </a:theme>
 </file>
 
 <file path=ppt/theme/theme2.xml><?xml version="1.0" encoding="utf-8"?>
-<a:theme xmlns:a="http://schemas.openxmlformats.org/drawingml/2006/main" xmlns:r="http://schemas.openxmlformats.org/officeDocument/2006/relationships" name="White">
+<a:theme xmlns:a="http://schemas.openxmlformats.org/drawingml/2006/main" name="White">
   <a:themeElements>
     <a:clrScheme name="White">
       <a:dk1>
@@ -5642,7 +7351,7 @@
       <a:effectStyleLst>
         <a:effectStyle>
           <a:effectLst>
-            <a:outerShdw sx="100000" sy="100000" kx="0" ky="0" algn="b" rotWithShape="0" blurRad="38100" dist="25400" dir="5400000">
+            <a:outerShdw blurRad="38100" dist="25400" dir="5400000" rotWithShape="0">
               <a:srgbClr val="000000">
                 <a:alpha val="50000"/>
               </a:srgbClr>
@@ -5651,7 +7360,7 @@
         </a:effectStyle>
         <a:effectStyle>
           <a:effectLst>
-            <a:outerShdw sx="100000" sy="100000" kx="0" ky="0" algn="b" rotWithShape="0" blurRad="50800" dist="12700" dir="0">
+            <a:outerShdw blurRad="50800" dist="12700" rotWithShape="0">
               <a:srgbClr val="000000">
                 <a:alpha val="50000"/>
               </a:srgbClr>
@@ -5660,7 +7369,7 @@
         </a:effectStyle>
         <a:effectStyle>
           <a:effectLst>
-            <a:outerShdw sx="100000" sy="100000" kx="0" ky="0" algn="b" rotWithShape="0" blurRad="38100" dist="25400" dir="5400000">
+            <a:outerShdw blurRad="38100" dist="25400" dir="5400000" rotWithShape="0">
               <a:srgbClr val="000000">
                 <a:alpha val="50000"/>
               </a:srgbClr>
@@ -5724,8 +7433,8 @@
     <a:spDef>
       <a:spPr>
         <a:blipFill rotWithShape="1">
-          <a:blip r:embed="rId1"/>
-          <a:srcRect l="0" t="0" r="0" b="0"/>
+          <a:blip xmlns:r="http://schemas.openxmlformats.org/officeDocument/2006/relationships" r:embed="rId1"/>
+          <a:srcRect/>
           <a:tile tx="0" ty="0" sx="100000" sy="100000" flip="none" algn="tl"/>
         </a:blipFill>
         <a:ln w="12700" cap="flat">
@@ -5733,13 +7442,12 @@
           <a:miter lim="400000"/>
         </a:ln>
         <a:effectLst>
-          <a:outerShdw sx="100000" sy="100000" kx="0" ky="0" algn="b" rotWithShape="0" blurRad="38100" dist="25400" dir="5400000">
+          <a:outerShdw blurRad="38100" dist="25400" dir="5400000" rotWithShape="0">
             <a:srgbClr val="000000">
               <a:alpha val="50000"/>
             </a:srgbClr>
           </a:outerShdw>
         </a:effectLst>
-        <a:sp3d/>
       </a:spPr>
       <a:bodyPr rot="0" spcFirstLastPara="1" vertOverflow="overflow" horzOverflow="overflow" vert="horz" wrap="square" lIns="50800" tIns="50800" rIns="50800" bIns="50800" numCol="1" spcCol="38100" rtlCol="0" anchor="ctr" upright="0">
         <a:spAutoFit/>
@@ -5759,8 +7467,7 @@
           <a:buSzTx/>
           <a:buFontTx/>
           <a:buNone/>
-          <a:tabLst/>
-          <a:defRPr b="0" baseline="0" cap="none" i="0" spc="0" strike="noStrike" sz="3200" u="none" kumimoji="0" normalizeH="0">
+          <a:defRPr kumimoji="0" sz="3200" b="0" i="0" u="none" strike="noStrike" cap="none" spc="0" normalizeH="0" baseline="0">
             <a:ln>
               <a:noFill/>
             </a:ln>
@@ -5789,8 +7496,7 @@
           <a:buSzTx/>
           <a:buFontTx/>
           <a:buNone/>
-          <a:tabLst/>
-          <a:defRPr b="0" baseline="0" cap="none" i="0" spc="0" strike="noStrike" sz="1800" u="none" kumimoji="0" normalizeH="0">
+          <a:defRPr kumimoji="0" sz="1800" b="0" i="0" u="none" strike="noStrike" cap="none" spc="0" normalizeH="0" baseline="0">
             <a:ln>
               <a:noFill/>
             </a:ln>
@@ -5815,8 +7521,7 @@
           <a:buSzTx/>
           <a:buFontTx/>
           <a:buNone/>
-          <a:tabLst/>
-          <a:defRPr b="0" baseline="0" cap="none" i="0" spc="0" strike="noStrike" sz="1800" u="none" kumimoji="0" normalizeH="0">
+          <a:defRPr kumimoji="0" sz="1800" b="0" i="0" u="none" strike="noStrike" cap="none" spc="0" normalizeH="0" baseline="0">
             <a:ln>
               <a:noFill/>
             </a:ln>
@@ -5841,8 +7546,7 @@
           <a:buSzTx/>
           <a:buFontTx/>
           <a:buNone/>
-          <a:tabLst/>
-          <a:defRPr b="0" baseline="0" cap="none" i="0" spc="0" strike="noStrike" sz="1800" u="none" kumimoji="0" normalizeH="0">
+          <a:defRPr kumimoji="0" sz="1800" b="0" i="0" u="none" strike="noStrike" cap="none" spc="0" normalizeH="0" baseline="0">
             <a:ln>
               <a:noFill/>
             </a:ln>
@@ -5867,8 +7571,7 @@
           <a:buSzTx/>
           <a:buFontTx/>
           <a:buNone/>
-          <a:tabLst/>
-          <a:defRPr b="0" baseline="0" cap="none" i="0" spc="0" strike="noStrike" sz="1800" u="none" kumimoji="0" normalizeH="0">
+          <a:defRPr kumimoji="0" sz="1800" b="0" i="0" u="none" strike="noStrike" cap="none" spc="0" normalizeH="0" baseline="0">
             <a:ln>
               <a:noFill/>
             </a:ln>
@@ -5893,8 +7596,7 @@
           <a:buSzTx/>
           <a:buFontTx/>
           <a:buNone/>
-          <a:tabLst/>
-          <a:defRPr b="0" baseline="0" cap="none" i="0" spc="0" strike="noStrike" sz="1800" u="none" kumimoji="0" normalizeH="0">
+          <a:defRPr kumimoji="0" sz="1800" b="0" i="0" u="none" strike="noStrike" cap="none" spc="0" normalizeH="0" baseline="0">
             <a:ln>
               <a:noFill/>
             </a:ln>
@@ -5919,8 +7621,7 @@
           <a:buSzTx/>
           <a:buFontTx/>
           <a:buNone/>
-          <a:tabLst/>
-          <a:defRPr b="0" baseline="0" cap="none" i="0" spc="0" strike="noStrike" sz="1800" u="none" kumimoji="0" normalizeH="0">
+          <a:defRPr kumimoji="0" sz="1800" b="0" i="0" u="none" strike="noStrike" cap="none" spc="0" normalizeH="0" baseline="0">
             <a:ln>
               <a:noFill/>
             </a:ln>
@@ -5945,8 +7646,7 @@
           <a:buSzTx/>
           <a:buFontTx/>
           <a:buNone/>
-          <a:tabLst/>
-          <a:defRPr b="0" baseline="0" cap="none" i="0" spc="0" strike="noStrike" sz="1800" u="none" kumimoji="0" normalizeH="0">
+          <a:defRPr kumimoji="0" sz="1800" b="0" i="0" u="none" strike="noStrike" cap="none" spc="0" normalizeH="0" baseline="0">
             <a:ln>
               <a:noFill/>
             </a:ln>
@@ -5971,8 +7671,7 @@
           <a:buSzTx/>
           <a:buFontTx/>
           <a:buNone/>
-          <a:tabLst/>
-          <a:defRPr b="0" baseline="0" cap="none" i="0" spc="0" strike="noStrike" sz="1800" u="none" kumimoji="0" normalizeH="0">
+          <a:defRPr kumimoji="0" sz="1800" b="0" i="0" u="none" strike="noStrike" cap="none" spc="0" normalizeH="0" baseline="0">
             <a:ln>
               <a:noFill/>
             </a:ln>
@@ -5997,8 +7696,7 @@
           <a:buSzTx/>
           <a:buFontTx/>
           <a:buNone/>
-          <a:tabLst/>
-          <a:defRPr b="0" baseline="0" cap="none" i="0" spc="0" strike="noStrike" sz="1800" u="none" kumimoji="0" normalizeH="0">
+          <a:defRPr kumimoji="0" sz="1800" b="0" i="0" u="none" strike="noStrike" cap="none" spc="0" normalizeH="0" baseline="0">
             <a:ln>
               <a:noFill/>
             </a:ln>
@@ -6011,9 +7709,15 @@
         </a:lvl9pPr>
       </a:lstStyle>
       <a:style>
-        <a:lnRef idx="0"/>
-        <a:fillRef idx="0"/>
-        <a:effectRef idx="0"/>
+        <a:lnRef idx="0">
+          <a:srgbClr val="FFFFFF"/>
+        </a:lnRef>
+        <a:fillRef idx="0">
+          <a:srgbClr val="FFFFFF"/>
+        </a:fillRef>
+        <a:effectRef idx="0">
+          <a:srgbClr val="FFFFFF"/>
+        </a:effectRef>
         <a:fontRef idx="none"/>
       </a:style>
     </a:spDef>
@@ -6027,8 +7731,6 @@
           <a:prstDash val="solid"/>
           <a:miter lim="400000"/>
         </a:ln>
-        <a:effectLst/>
-        <a:sp3d/>
       </a:spPr>
       <a:bodyPr rot="0" spcFirstLastPara="1" vertOverflow="overflow" horzOverflow="overflow" vert="horz" wrap="square" lIns="91439" tIns="45719" rIns="91439" bIns="45719" numCol="1" spcCol="38100" rtlCol="0" anchor="t" upright="0">
         <a:noAutofit/>
@@ -6048,8 +7750,7 @@
           <a:buSzTx/>
           <a:buFontTx/>
           <a:buNone/>
-          <a:tabLst/>
-          <a:defRPr b="0" baseline="0" cap="none" i="0" spc="0" strike="noStrike" sz="1800" u="none" kumimoji="0" normalizeH="0">
+          <a:defRPr kumimoji="0" sz="1800" b="0" i="0" u="none" strike="noStrike" cap="none" spc="0" normalizeH="0" baseline="0">
             <a:ln>
               <a:noFill/>
             </a:ln>
@@ -6074,8 +7775,7 @@
           <a:buSzTx/>
           <a:buFontTx/>
           <a:buNone/>
-          <a:tabLst/>
-          <a:defRPr b="0" baseline="0" cap="none" i="0" spc="0" strike="noStrike" sz="1800" u="none" kumimoji="0" normalizeH="0">
+          <a:defRPr kumimoji="0" sz="1800" b="0" i="0" u="none" strike="noStrike" cap="none" spc="0" normalizeH="0" baseline="0">
             <a:ln>
               <a:noFill/>
             </a:ln>
@@ -6100,8 +7800,7 @@
           <a:buSzTx/>
           <a:buFontTx/>
           <a:buNone/>
-          <a:tabLst/>
-          <a:defRPr b="0" baseline="0" cap="none" i="0" spc="0" strike="noStrike" sz="1800" u="none" kumimoji="0" normalizeH="0">
+          <a:defRPr kumimoji="0" sz="1800" b="0" i="0" u="none" strike="noStrike" cap="none" spc="0" normalizeH="0" baseline="0">
             <a:ln>
               <a:noFill/>
             </a:ln>
@@ -6126,8 +7825,7 @@
           <a:buSzTx/>
           <a:buFontTx/>
           <a:buNone/>
-          <a:tabLst/>
-          <a:defRPr b="0" baseline="0" cap="none" i="0" spc="0" strike="noStrike" sz="1800" u="none" kumimoji="0" normalizeH="0">
+          <a:defRPr kumimoji="0" sz="1800" b="0" i="0" u="none" strike="noStrike" cap="none" spc="0" normalizeH="0" baseline="0">
             <a:ln>
               <a:noFill/>
             </a:ln>
@@ -6152,8 +7850,7 @@
           <a:buSzTx/>
           <a:buFontTx/>
           <a:buNone/>
-          <a:tabLst/>
-          <a:defRPr b="0" baseline="0" cap="none" i="0" spc="0" strike="noStrike" sz="1800" u="none" kumimoji="0" normalizeH="0">
+          <a:defRPr kumimoji="0" sz="1800" b="0" i="0" u="none" strike="noStrike" cap="none" spc="0" normalizeH="0" baseline="0">
             <a:ln>
               <a:noFill/>
             </a:ln>
@@ -6178,8 +7875,7 @@
           <a:buSzTx/>
           <a:buFontTx/>
           <a:buNone/>
-          <a:tabLst/>
-          <a:defRPr b="0" baseline="0" cap="none" i="0" spc="0" strike="noStrike" sz="1800" u="none" kumimoji="0" normalizeH="0">
+          <a:defRPr kumimoji="0" sz="1800" b="0" i="0" u="none" strike="noStrike" cap="none" spc="0" normalizeH="0" baseline="0">
             <a:ln>
               <a:noFill/>
             </a:ln>
@@ -6204,8 +7900,7 @@
           <a:buSzTx/>
           <a:buFontTx/>
           <a:buNone/>
-          <a:tabLst/>
-          <a:defRPr b="0" baseline="0" cap="none" i="0" spc="0" strike="noStrike" sz="1800" u="none" kumimoji="0" normalizeH="0">
+          <a:defRPr kumimoji="0" sz="1800" b="0" i="0" u="none" strike="noStrike" cap="none" spc="0" normalizeH="0" baseline="0">
             <a:ln>
               <a:noFill/>
             </a:ln>
@@ -6230,8 +7925,7 @@
           <a:buSzTx/>
           <a:buFontTx/>
           <a:buNone/>
-          <a:tabLst/>
-          <a:defRPr b="0" baseline="0" cap="none" i="0" spc="0" strike="noStrike" sz="1800" u="none" kumimoji="0" normalizeH="0">
+          <a:defRPr kumimoji="0" sz="1800" b="0" i="0" u="none" strike="noStrike" cap="none" spc="0" normalizeH="0" baseline="0">
             <a:ln>
               <a:noFill/>
             </a:ln>
@@ -6256,8 +7950,7 @@
           <a:buSzTx/>
           <a:buFontTx/>
           <a:buNone/>
-          <a:tabLst/>
-          <a:defRPr b="0" baseline="0" cap="none" i="0" spc="0" strike="noStrike" sz="1800" u="none" kumimoji="0" normalizeH="0">
+          <a:defRPr kumimoji="0" sz="1800" b="0" i="0" u="none" strike="noStrike" cap="none" spc="0" normalizeH="0" baseline="0">
             <a:ln>
               <a:noFill/>
             </a:ln>
@@ -6282,8 +7975,7 @@
           <a:buSzTx/>
           <a:buFontTx/>
           <a:buNone/>
-          <a:tabLst/>
-          <a:defRPr b="0" baseline="0" cap="none" i="0" spc="0" strike="noStrike" sz="1800" u="none" kumimoji="0" normalizeH="0">
+          <a:defRPr kumimoji="0" sz="1800" b="0" i="0" u="none" strike="noStrike" cap="none" spc="0" normalizeH="0" baseline="0">
             <a:ln>
               <a:noFill/>
             </a:ln>
@@ -6296,9 +7988,15 @@
         </a:lvl9pPr>
       </a:lstStyle>
       <a:style>
-        <a:lnRef idx="0"/>
-        <a:fillRef idx="0"/>
-        <a:effectRef idx="0"/>
+        <a:lnRef idx="0">
+          <a:srgbClr val="FFFFFF"/>
+        </a:lnRef>
+        <a:fillRef idx="0">
+          <a:srgbClr val="FFFFFF"/>
+        </a:fillRef>
+        <a:effectRef idx="0">
+          <a:srgbClr val="FFFFFF"/>
+        </a:effectRef>
         <a:fontRef idx="none"/>
       </a:style>
     </a:lnDef>
@@ -6309,8 +8007,6 @@
           <a:noFill/>
           <a:miter lim="400000"/>
         </a:ln>
-        <a:effectLst/>
-        <a:sp3d/>
       </a:spPr>
       <a:bodyPr rot="0" spcFirstLastPara="1" vertOverflow="overflow" horzOverflow="overflow" vert="horz" wrap="square" lIns="50800" tIns="50800" rIns="50800" bIns="50800" numCol="1" spcCol="38100" rtlCol="0" anchor="ctr" upright="0">
         <a:spAutoFit/>
@@ -6330,8 +8026,7 @@
           <a:buSzTx/>
           <a:buFontTx/>
           <a:buNone/>
-          <a:tabLst/>
-          <a:defRPr b="0" baseline="0" cap="none" i="0" spc="0" strike="noStrike" sz="5000" u="none" kumimoji="0" normalizeH="0">
+          <a:defRPr kumimoji="0" sz="5000" b="0" i="0" u="none" strike="noStrike" cap="none" spc="0" normalizeH="0" baseline="0">
             <a:ln>
               <a:noFill/>
             </a:ln>
@@ -6360,8 +8055,7 @@
           <a:buSzTx/>
           <a:buFontTx/>
           <a:buNone/>
-          <a:tabLst/>
-          <a:defRPr b="0" baseline="0" cap="none" i="0" spc="0" strike="noStrike" sz="1800" u="none" kumimoji="0" normalizeH="0">
+          <a:defRPr kumimoji="0" sz="1800" b="0" i="0" u="none" strike="noStrike" cap="none" spc="0" normalizeH="0" baseline="0">
             <a:ln>
               <a:noFill/>
             </a:ln>
@@ -6386,8 +8080,7 @@
           <a:buSzTx/>
           <a:buFontTx/>
           <a:buNone/>
-          <a:tabLst/>
-          <a:defRPr b="0" baseline="0" cap="none" i="0" spc="0" strike="noStrike" sz="1800" u="none" kumimoji="0" normalizeH="0">
+          <a:defRPr kumimoji="0" sz="1800" b="0" i="0" u="none" strike="noStrike" cap="none" spc="0" normalizeH="0" baseline="0">
             <a:ln>
               <a:noFill/>
             </a:ln>
@@ -6412,8 +8105,7 @@
           <a:buSzTx/>
           <a:buFontTx/>
           <a:buNone/>
-          <a:tabLst/>
-          <a:defRPr b="0" baseline="0" cap="none" i="0" spc="0" strike="noStrike" sz="1800" u="none" kumimoji="0" normalizeH="0">
+          <a:defRPr kumimoji="0" sz="1800" b="0" i="0" u="none" strike="noStrike" cap="none" spc="0" normalizeH="0" baseline="0">
             <a:ln>
               <a:noFill/>
             </a:ln>
@@ -6438,8 +8130,7 @@
           <a:buSzTx/>
           <a:buFontTx/>
           <a:buNone/>
-          <a:tabLst/>
-          <a:defRPr b="0" baseline="0" cap="none" i="0" spc="0" strike="noStrike" sz="1800" u="none" kumimoji="0" normalizeH="0">
+          <a:defRPr kumimoji="0" sz="1800" b="0" i="0" u="none" strike="noStrike" cap="none" spc="0" normalizeH="0" baseline="0">
             <a:ln>
               <a:noFill/>
             </a:ln>
@@ -6464,8 +8155,7 @@
           <a:buSzTx/>
           <a:buFontTx/>
           <a:buNone/>
-          <a:tabLst/>
-          <a:defRPr b="0" baseline="0" cap="none" i="0" spc="0" strike="noStrike" sz="1800" u="none" kumimoji="0" normalizeH="0">
+          <a:defRPr kumimoji="0" sz="1800" b="0" i="0" u="none" strike="noStrike" cap="none" spc="0" normalizeH="0" baseline="0">
             <a:ln>
               <a:noFill/>
             </a:ln>
@@ -6490,8 +8180,7 @@
           <a:buSzTx/>
           <a:buFontTx/>
           <a:buNone/>
-          <a:tabLst/>
-          <a:defRPr b="0" baseline="0" cap="none" i="0" spc="0" strike="noStrike" sz="1800" u="none" kumimoji="0" normalizeH="0">
+          <a:defRPr kumimoji="0" sz="1800" b="0" i="0" u="none" strike="noStrike" cap="none" spc="0" normalizeH="0" baseline="0">
             <a:ln>
               <a:noFill/>
             </a:ln>
@@ -6516,8 +8205,7 @@
           <a:buSzTx/>
           <a:buFontTx/>
           <a:buNone/>
-          <a:tabLst/>
-          <a:defRPr b="0" baseline="0" cap="none" i="0" spc="0" strike="noStrike" sz="1800" u="none" kumimoji="0" normalizeH="0">
+          <a:defRPr kumimoji="0" sz="1800" b="0" i="0" u="none" strike="noStrike" cap="none" spc="0" normalizeH="0" baseline="0">
             <a:ln>
               <a:noFill/>
             </a:ln>
@@ -6542,8 +8230,7 @@
           <a:buSzTx/>
           <a:buFontTx/>
           <a:buNone/>
-          <a:tabLst/>
-          <a:defRPr b="0" baseline="0" cap="none" i="0" spc="0" strike="noStrike" sz="1800" u="none" kumimoji="0" normalizeH="0">
+          <a:defRPr kumimoji="0" sz="1800" b="0" i="0" u="none" strike="noStrike" cap="none" spc="0" normalizeH="0" baseline="0">
             <a:ln>
               <a:noFill/>
             </a:ln>
@@ -6568,8 +8255,7 @@
           <a:buSzTx/>
           <a:buFontTx/>
           <a:buNone/>
-          <a:tabLst/>
-          <a:defRPr b="0" baseline="0" cap="none" i="0" spc="0" strike="noStrike" sz="1800" u="none" kumimoji="0" normalizeH="0">
+          <a:defRPr kumimoji="0" sz="1800" b="0" i="0" u="none" strike="noStrike" cap="none" spc="0" normalizeH="0" baseline="0">
             <a:ln>
               <a:noFill/>
             </a:ln>
@@ -6582,12 +8268,23 @@
         </a:lvl9pPr>
       </a:lstStyle>
       <a:style>
-        <a:lnRef idx="0"/>
-        <a:fillRef idx="0"/>
-        <a:effectRef idx="0"/>
+        <a:lnRef idx="0">
+          <a:srgbClr val="FFFFFF"/>
+        </a:lnRef>
+        <a:fillRef idx="0">
+          <a:srgbClr val="FFFFFF"/>
+        </a:fillRef>
+        <a:effectRef idx="0">
+          <a:srgbClr val="FFFFFF"/>
+        </a:effectRef>
         <a:fontRef idx="none"/>
       </a:style>
     </a:txDef>
   </a:objectDefaults>
+  <a:extLst>
+    <a:ext uri="{05A4C25C-085E-4340-85A3-A5531E510DB2}">
+      <thm15:themeFamily xmlns:thm15="http://schemas.microsoft.com/office/thememl/2012/main" name="Office Theme" id="{62F939B6-93AF-4DB8-9C6B-D6C7DFDC589F}" vid="{4A3C46E8-61CC-4603-A589-7422A47A8E4A}"/>
+    </a:ext>
+  </a:extLst>
 </a:theme>
 </file>